--- a/documents/SOC_design_final.pptx
+++ b/documents/SOC_design_final.pptx
@@ -5,27 +5,34 @@
     <p:sldMasterId id="2147483648" r:id="rId1"/>
   </p:sldMasterIdLst>
   <p:notesMasterIdLst>
-    <p:notesMasterId r:id="rId17"/>
+    <p:notesMasterId r:id="rId24"/>
   </p:notesMasterIdLst>
   <p:handoutMasterIdLst>
-    <p:handoutMasterId r:id="rId18"/>
+    <p:handoutMasterId r:id="rId25"/>
   </p:handoutMasterIdLst>
   <p:sldIdLst>
     <p:sldId id="259" r:id="rId2"/>
     <p:sldId id="260" r:id="rId3"/>
-    <p:sldId id="261" r:id="rId4"/>
-    <p:sldId id="262" r:id="rId5"/>
-    <p:sldId id="263" r:id="rId6"/>
-    <p:sldId id="266" r:id="rId7"/>
-    <p:sldId id="265" r:id="rId8"/>
-    <p:sldId id="267" r:id="rId9"/>
-    <p:sldId id="264" r:id="rId10"/>
-    <p:sldId id="268" r:id="rId11"/>
-    <p:sldId id="269" r:id="rId12"/>
-    <p:sldId id="270" r:id="rId13"/>
-    <p:sldId id="271" r:id="rId14"/>
-    <p:sldId id="272" r:id="rId15"/>
-    <p:sldId id="273" r:id="rId16"/>
+    <p:sldId id="275" r:id="rId4"/>
+    <p:sldId id="261" r:id="rId5"/>
+    <p:sldId id="266" r:id="rId6"/>
+    <p:sldId id="281" r:id="rId7"/>
+    <p:sldId id="262" r:id="rId8"/>
+    <p:sldId id="263" r:id="rId9"/>
+    <p:sldId id="280" r:id="rId10"/>
+    <p:sldId id="265" r:id="rId11"/>
+    <p:sldId id="267" r:id="rId12"/>
+    <p:sldId id="264" r:id="rId13"/>
+    <p:sldId id="268" r:id="rId14"/>
+    <p:sldId id="269" r:id="rId15"/>
+    <p:sldId id="278" r:id="rId16"/>
+    <p:sldId id="277" r:id="rId17"/>
+    <p:sldId id="274" r:id="rId18"/>
+    <p:sldId id="270" r:id="rId19"/>
+    <p:sldId id="271" r:id="rId20"/>
+    <p:sldId id="272" r:id="rId21"/>
+    <p:sldId id="273" r:id="rId22"/>
+    <p:sldId id="279" r:id="rId23"/>
   </p:sldIdLst>
   <p:sldSz cx="12192000" cy="6858000"/>
   <p:notesSz cx="6858000" cy="9144000"/>
@@ -135,18 +142,21 @@
         <p14:section name="需求" id="{0500D4AD-3560-4A31-A210-7EF5D9A49E76}">
           <p14:sldIdLst>
             <p14:sldId id="260"/>
+            <p14:sldId id="275"/>
           </p14:sldIdLst>
         </p14:section>
         <p14:section name="Breakdown" id="{5081BBF1-938E-4B46-8C68-00E6D1E827EF}">
           <p14:sldIdLst>
             <p14:sldId id="261"/>
+            <p14:sldId id="266"/>
+            <p14:sldId id="281"/>
           </p14:sldIdLst>
         </p14:section>
         <p14:section name="設計" id="{1FE87A96-B92A-4E47-A1E7-73BF8C45C1ED}">
           <p14:sldIdLst>
             <p14:sldId id="262"/>
             <p14:sldId id="263"/>
-            <p14:sldId id="266"/>
+            <p14:sldId id="280"/>
             <p14:sldId id="265"/>
             <p14:sldId id="267"/>
             <p14:sldId id="264"/>
@@ -156,10 +166,14 @@
         <p14:section name="api" id="{DC382ADD-B73D-4876-8F2D-0FDE0A58DF95}">
           <p14:sldIdLst>
             <p14:sldId id="269"/>
+            <p14:sldId id="278"/>
+            <p14:sldId id="277"/>
+            <p14:sldId id="274"/>
             <p14:sldId id="270"/>
             <p14:sldId id="271"/>
             <p14:sldId id="272"/>
             <p14:sldId id="273"/>
+            <p14:sldId id="279"/>
           </p14:sldIdLst>
         </p14:section>
       </p14:sectionLst>
@@ -1145,7 +1159,7 @@
           <a:p>
             <a:fld id="{7829F8E0-05F2-4742-BB97-D2E4F51035C8}" type="datetimeFigureOut">
               <a:rPr lang="zh-TW" altLang="en-US" smtClean="0"/>
-              <a:t>2023/12/7</a:t>
+              <a:t>2023/12/28</a:t>
             </a:fld>
             <a:endParaRPr lang="zh-TW" altLang="en-US"/>
           </a:p>
@@ -1310,7 +1324,7 @@
           <a:p>
             <a:fld id="{2CB905C5-9D54-40E2-B40C-7996280CAB02}" type="datetimeFigureOut">
               <a:rPr lang="zh-TW" altLang="en-US" smtClean="0"/>
-              <a:t>2023/12/7</a:t>
+              <a:t>2023/12/28</a:t>
             </a:fld>
             <a:endParaRPr lang="zh-TW" altLang="en-US"/>
           </a:p>
@@ -1826,7 +1840,91 @@
           <a:p>
             <a:fld id="{EF8A6B0B-A5FB-4629-B823-69B1A9EB3A43}" type="slidenum">
               <a:rPr lang="zh-TW" altLang="en-US" smtClean="0"/>
-              <a:t>7</a:t>
+              <a:t>9</a:t>
+            </a:fld>
+            <a:endParaRPr lang="zh-TW" altLang="en-US"/>
+          </a:p>
+        </p:txBody>
+      </p:sp>
+    </p:spTree>
+    <p:extLst>
+      <p:ext uri="{BB962C8B-B14F-4D97-AF65-F5344CB8AC3E}">
+        <p14:creationId xmlns:p14="http://schemas.microsoft.com/office/powerpoint/2010/main" val="3187815505"/>
+      </p:ext>
+    </p:extLst>
+  </p:cSld>
+  <p:clrMapOvr>
+    <a:masterClrMapping/>
+  </p:clrMapOvr>
+</p:notes>
+</file>
+
+<file path=ppt/notesSlides/notesSlide4.xml><?xml version="1.0" encoding="utf-8"?>
+<p:notes xmlns:a="http://schemas.openxmlformats.org/drawingml/2006/main" xmlns:r="http://schemas.openxmlformats.org/officeDocument/2006/relationships" xmlns:p="http://schemas.openxmlformats.org/presentationml/2006/main">
+  <p:cSld>
+    <p:spTree>
+      <p:nvGrpSpPr>
+        <p:cNvPr id="1" name=""/>
+        <p:cNvGrpSpPr/>
+        <p:nvPr/>
+      </p:nvGrpSpPr>
+      <p:grpSpPr>
+        <a:xfrm>
+          <a:off x="0" y="0"/>
+          <a:ext cx="0" cy="0"/>
+          <a:chOff x="0" y="0"/>
+          <a:chExt cx="0" cy="0"/>
+        </a:xfrm>
+      </p:grpSpPr>
+      <p:sp>
+        <p:nvSpPr>
+          <p:cNvPr id="2" name="投影片影像版面配置區 1"/>
+          <p:cNvSpPr>
+            <a:spLocks noGrp="1" noRot="1" noChangeAspect="1"/>
+          </p:cNvSpPr>
+          <p:nvPr>
+            <p:ph type="sldImg"/>
+          </p:nvPr>
+        </p:nvSpPr>
+        <p:spPr/>
+      </p:sp>
+      <p:sp>
+        <p:nvSpPr>
+          <p:cNvPr id="3" name="備忘稿版面配置區 2"/>
+          <p:cNvSpPr>
+            <a:spLocks noGrp="1"/>
+          </p:cNvSpPr>
+          <p:nvPr>
+            <p:ph type="body" idx="1"/>
+          </p:nvPr>
+        </p:nvSpPr>
+        <p:spPr/>
+        <p:txBody>
+          <a:bodyPr/>
+          <a:lstStyle/>
+          <a:p>
+            <a:endParaRPr lang="zh-TW" altLang="en-US" dirty="0"/>
+          </a:p>
+        </p:txBody>
+      </p:sp>
+      <p:sp>
+        <p:nvSpPr>
+          <p:cNvPr id="4" name="投影片編號版面配置區 3"/>
+          <p:cNvSpPr>
+            <a:spLocks noGrp="1"/>
+          </p:cNvSpPr>
+          <p:nvPr>
+            <p:ph type="sldNum" sz="quarter" idx="5"/>
+          </p:nvPr>
+        </p:nvSpPr>
+        <p:spPr/>
+        <p:txBody>
+          <a:bodyPr/>
+          <a:lstStyle/>
+          <a:p>
+            <a:fld id="{EF8A6B0B-A5FB-4629-B823-69B1A9EB3A43}" type="slidenum">
+              <a:rPr lang="zh-TW" altLang="en-US" smtClean="0"/>
+              <a:t>10</a:t>
             </a:fld>
             <a:endParaRPr lang="zh-TW" altLang="en-US"/>
           </a:p>
@@ -1836,6 +1934,461 @@
     <p:extLst>
       <p:ext uri="{BB962C8B-B14F-4D97-AF65-F5344CB8AC3E}">
         <p14:creationId xmlns:p14="http://schemas.microsoft.com/office/powerpoint/2010/main" val="30772105"/>
+      </p:ext>
+    </p:extLst>
+  </p:cSld>
+  <p:clrMapOvr>
+    <a:masterClrMapping/>
+  </p:clrMapOvr>
+</p:notes>
+</file>
+
+<file path=ppt/notesSlides/notesSlide5.xml><?xml version="1.0" encoding="utf-8"?>
+<p:notes xmlns:a="http://schemas.openxmlformats.org/drawingml/2006/main" xmlns:r="http://schemas.openxmlformats.org/officeDocument/2006/relationships" xmlns:p="http://schemas.openxmlformats.org/presentationml/2006/main">
+  <p:cSld>
+    <p:spTree>
+      <p:nvGrpSpPr>
+        <p:cNvPr id="1" name=""/>
+        <p:cNvGrpSpPr/>
+        <p:nvPr/>
+      </p:nvGrpSpPr>
+      <p:grpSpPr>
+        <a:xfrm>
+          <a:off x="0" y="0"/>
+          <a:ext cx="0" cy="0"/>
+          <a:chOff x="0" y="0"/>
+          <a:chExt cx="0" cy="0"/>
+        </a:xfrm>
+      </p:grpSpPr>
+      <p:sp>
+        <p:nvSpPr>
+          <p:cNvPr id="2" name="投影片影像版面配置區 1"/>
+          <p:cNvSpPr>
+            <a:spLocks noGrp="1" noRot="1" noChangeAspect="1"/>
+          </p:cNvSpPr>
+          <p:nvPr>
+            <p:ph type="sldImg"/>
+          </p:nvPr>
+        </p:nvSpPr>
+        <p:spPr/>
+      </p:sp>
+      <p:sp>
+        <p:nvSpPr>
+          <p:cNvPr id="3" name="備忘稿版面配置區 2"/>
+          <p:cNvSpPr>
+            <a:spLocks noGrp="1"/>
+          </p:cNvSpPr>
+          <p:nvPr>
+            <p:ph type="body" idx="1"/>
+          </p:nvPr>
+        </p:nvSpPr>
+        <p:spPr/>
+        <p:txBody>
+          <a:bodyPr/>
+          <a:lstStyle/>
+          <a:p>
+            <a:r>
+              <a:rPr lang="en-US" altLang="zh-TW" dirty="0"/>
+              <a:t>Methods </a:t>
+            </a:r>
+            <a:r>
+              <a:rPr lang="en-US" altLang="zh-TW"/>
+              <a:t>: </a:t>
+            </a:r>
+            <a:r>
+              <a:rPr lang="zh-TW" altLang="en-US"/>
+              <a:t>如何使用</a:t>
+            </a:r>
+            <a:endParaRPr lang="zh-TW" altLang="en-US" dirty="0"/>
+          </a:p>
+        </p:txBody>
+      </p:sp>
+      <p:sp>
+        <p:nvSpPr>
+          <p:cNvPr id="4" name="投影片編號版面配置區 3"/>
+          <p:cNvSpPr>
+            <a:spLocks noGrp="1"/>
+          </p:cNvSpPr>
+          <p:nvPr>
+            <p:ph type="sldNum" sz="quarter" idx="5"/>
+          </p:nvPr>
+        </p:nvSpPr>
+        <p:spPr/>
+        <p:txBody>
+          <a:bodyPr/>
+          <a:lstStyle/>
+          <a:p>
+            <a:fld id="{EF8A6B0B-A5FB-4629-B823-69B1A9EB3A43}" type="slidenum">
+              <a:rPr lang="zh-TW" altLang="en-US" smtClean="0"/>
+              <a:t>14</a:t>
+            </a:fld>
+            <a:endParaRPr lang="zh-TW" altLang="en-US"/>
+          </a:p>
+        </p:txBody>
+      </p:sp>
+    </p:spTree>
+    <p:extLst>
+      <p:ext uri="{BB962C8B-B14F-4D97-AF65-F5344CB8AC3E}">
+        <p14:creationId xmlns:p14="http://schemas.microsoft.com/office/powerpoint/2010/main" val="108217064"/>
+      </p:ext>
+    </p:extLst>
+  </p:cSld>
+  <p:clrMapOvr>
+    <a:masterClrMapping/>
+  </p:clrMapOvr>
+</p:notes>
+</file>
+
+<file path=ppt/notesSlides/notesSlide6.xml><?xml version="1.0" encoding="utf-8"?>
+<p:notes xmlns:a="http://schemas.openxmlformats.org/drawingml/2006/main" xmlns:r="http://schemas.openxmlformats.org/officeDocument/2006/relationships" xmlns:p="http://schemas.openxmlformats.org/presentationml/2006/main">
+  <p:cSld>
+    <p:spTree>
+      <p:nvGrpSpPr>
+        <p:cNvPr id="1" name=""/>
+        <p:cNvGrpSpPr/>
+        <p:nvPr/>
+      </p:nvGrpSpPr>
+      <p:grpSpPr>
+        <a:xfrm>
+          <a:off x="0" y="0"/>
+          <a:ext cx="0" cy="0"/>
+          <a:chOff x="0" y="0"/>
+          <a:chExt cx="0" cy="0"/>
+        </a:xfrm>
+      </p:grpSpPr>
+      <p:sp>
+        <p:nvSpPr>
+          <p:cNvPr id="2" name="投影片影像版面配置區 1"/>
+          <p:cNvSpPr>
+            <a:spLocks noGrp="1" noRot="1" noChangeAspect="1"/>
+          </p:cNvSpPr>
+          <p:nvPr>
+            <p:ph type="sldImg"/>
+          </p:nvPr>
+        </p:nvSpPr>
+        <p:spPr/>
+      </p:sp>
+      <p:sp>
+        <p:nvSpPr>
+          <p:cNvPr id="3" name="備忘稿版面配置區 2"/>
+          <p:cNvSpPr>
+            <a:spLocks noGrp="1"/>
+          </p:cNvSpPr>
+          <p:nvPr>
+            <p:ph type="body" idx="1"/>
+          </p:nvPr>
+        </p:nvSpPr>
+        <p:spPr/>
+        <p:txBody>
+          <a:bodyPr/>
+          <a:lstStyle/>
+          <a:p>
+            <a:r>
+              <a:rPr lang="en-US" altLang="zh-TW" dirty="0"/>
+              <a:t>Methods </a:t>
+            </a:r>
+            <a:r>
+              <a:rPr lang="en-US" altLang="zh-TW"/>
+              <a:t>: </a:t>
+            </a:r>
+            <a:r>
+              <a:rPr lang="zh-TW" altLang="en-US"/>
+              <a:t>如何使用</a:t>
+            </a:r>
+            <a:endParaRPr lang="zh-TW" altLang="en-US" dirty="0"/>
+          </a:p>
+        </p:txBody>
+      </p:sp>
+      <p:sp>
+        <p:nvSpPr>
+          <p:cNvPr id="4" name="投影片編號版面配置區 3"/>
+          <p:cNvSpPr>
+            <a:spLocks noGrp="1"/>
+          </p:cNvSpPr>
+          <p:nvPr>
+            <p:ph type="sldNum" sz="quarter" idx="5"/>
+          </p:nvPr>
+        </p:nvSpPr>
+        <p:spPr/>
+        <p:txBody>
+          <a:bodyPr/>
+          <a:lstStyle/>
+          <a:p>
+            <a:fld id="{EF8A6B0B-A5FB-4629-B823-69B1A9EB3A43}" type="slidenum">
+              <a:rPr lang="zh-TW" altLang="en-US" smtClean="0"/>
+              <a:t>15</a:t>
+            </a:fld>
+            <a:endParaRPr lang="zh-TW" altLang="en-US"/>
+          </a:p>
+        </p:txBody>
+      </p:sp>
+    </p:spTree>
+    <p:extLst>
+      <p:ext uri="{BB962C8B-B14F-4D97-AF65-F5344CB8AC3E}">
+        <p14:creationId xmlns:p14="http://schemas.microsoft.com/office/powerpoint/2010/main" val="1225743604"/>
+      </p:ext>
+    </p:extLst>
+  </p:cSld>
+  <p:clrMapOvr>
+    <a:masterClrMapping/>
+  </p:clrMapOvr>
+</p:notes>
+</file>
+
+<file path=ppt/notesSlides/notesSlide7.xml><?xml version="1.0" encoding="utf-8"?>
+<p:notes xmlns:a="http://schemas.openxmlformats.org/drawingml/2006/main" xmlns:r="http://schemas.openxmlformats.org/officeDocument/2006/relationships" xmlns:p="http://schemas.openxmlformats.org/presentationml/2006/main">
+  <p:cSld>
+    <p:spTree>
+      <p:nvGrpSpPr>
+        <p:cNvPr id="1" name=""/>
+        <p:cNvGrpSpPr/>
+        <p:nvPr/>
+      </p:nvGrpSpPr>
+      <p:grpSpPr>
+        <a:xfrm>
+          <a:off x="0" y="0"/>
+          <a:ext cx="0" cy="0"/>
+          <a:chOff x="0" y="0"/>
+          <a:chExt cx="0" cy="0"/>
+        </a:xfrm>
+      </p:grpSpPr>
+      <p:sp>
+        <p:nvSpPr>
+          <p:cNvPr id="2" name="投影片影像版面配置區 1"/>
+          <p:cNvSpPr>
+            <a:spLocks noGrp="1" noRot="1" noChangeAspect="1"/>
+          </p:cNvSpPr>
+          <p:nvPr>
+            <p:ph type="sldImg"/>
+          </p:nvPr>
+        </p:nvSpPr>
+        <p:spPr/>
+      </p:sp>
+      <p:sp>
+        <p:nvSpPr>
+          <p:cNvPr id="3" name="備忘稿版面配置區 2"/>
+          <p:cNvSpPr>
+            <a:spLocks noGrp="1"/>
+          </p:cNvSpPr>
+          <p:nvPr>
+            <p:ph type="body" idx="1"/>
+          </p:nvPr>
+        </p:nvSpPr>
+        <p:spPr/>
+        <p:txBody>
+          <a:bodyPr/>
+          <a:lstStyle/>
+          <a:p>
+            <a:r>
+              <a:rPr lang="en-US" altLang="zh-TW" dirty="0"/>
+              <a:t>Methods : </a:t>
+            </a:r>
+            <a:r>
+              <a:rPr lang="zh-TW" altLang="en-US" dirty="0"/>
+              <a:t>如何使用</a:t>
+            </a:r>
+            <a:endParaRPr lang="en-US" altLang="zh-TW" dirty="0"/>
+          </a:p>
+          <a:p>
+            <a:r>
+              <a:rPr lang="en-US" altLang="zh-TW" dirty="0"/>
+              <a:t>//</a:t>
+            </a:r>
+            <a:r>
+              <a:rPr lang="en-US" altLang="zh-TW" dirty="0" err="1"/>
+              <a:t>XAxiDma_SimpleTransfer</a:t>
+            </a:r>
+            <a:r>
+              <a:rPr lang="en-US" altLang="zh-TW" dirty="0"/>
+              <a:t>((</a:t>
+            </a:r>
+            <a:r>
+              <a:rPr lang="en-US" altLang="zh-TW" dirty="0" err="1"/>
+              <a:t>XAxiDma</a:t>
+            </a:r>
+            <a:r>
+              <a:rPr lang="en-US" altLang="zh-TW" dirty="0"/>
+              <a:t>*)</a:t>
+            </a:r>
+            <a:r>
+              <a:rPr lang="en-US" altLang="zh-TW" dirty="0" err="1"/>
+              <a:t>CallBackRef</a:t>
+            </a:r>
+            <a:r>
+              <a:rPr lang="en-US" altLang="zh-TW" dirty="0"/>
+              <a:t>,(u32)&amp;</a:t>
+            </a:r>
+            <a:r>
+              <a:rPr lang="en-US" altLang="zh-TW" dirty="0" err="1"/>
+              <a:t>RX_buf</a:t>
+            </a:r>
+            <a:r>
+              <a:rPr lang="en-US" altLang="zh-TW" dirty="0"/>
+              <a:t>[0], </a:t>
+            </a:r>
+            <a:r>
+              <a:rPr lang="en-US" altLang="zh-TW" dirty="0" err="1"/>
+              <a:t>RX_length</a:t>
+            </a:r>
+            <a:r>
+              <a:rPr lang="zh-TW" altLang="en-US" dirty="0"/>
+              <a:t>*</a:t>
+            </a:r>
+            <a:r>
+              <a:rPr lang="en-US" altLang="zh-TW" dirty="0"/>
+              <a:t>4, XAXIDMA_DEVICE_TO_DMA);</a:t>
+            </a:r>
+          </a:p>
+          <a:p>
+            <a:r>
+              <a:rPr lang="en-US" altLang="zh-TW" dirty="0"/>
+              <a:t>//</a:t>
+            </a:r>
+            <a:r>
+              <a:rPr lang="en-US" altLang="zh-TW" dirty="0" err="1"/>
+              <a:t>Xil_DCacheFlushRange</a:t>
+            </a:r>
+            <a:r>
+              <a:rPr lang="en-US" altLang="zh-TW" dirty="0"/>
+              <a:t>((u32)</a:t>
+            </a:r>
+            <a:r>
+              <a:rPr lang="en-US" altLang="zh-TW" dirty="0" err="1"/>
+              <a:t>RX_buf</a:t>
+            </a:r>
+            <a:r>
+              <a:rPr lang="en-US" altLang="zh-TW" dirty="0"/>
+              <a:t>[0], </a:t>
+            </a:r>
+            <a:r>
+              <a:rPr lang="en-US" altLang="zh-TW" dirty="0" err="1"/>
+              <a:t>RX_length</a:t>
+            </a:r>
+            <a:r>
+              <a:rPr lang="zh-TW" altLang="en-US" dirty="0"/>
+              <a:t>*</a:t>
+            </a:r>
+            <a:r>
+              <a:rPr lang="en-US" altLang="zh-TW" dirty="0"/>
+              <a:t>4);</a:t>
+            </a:r>
+          </a:p>
+          <a:p>
+            <a:endParaRPr lang="zh-TW" altLang="en-US" dirty="0"/>
+          </a:p>
+        </p:txBody>
+      </p:sp>
+      <p:sp>
+        <p:nvSpPr>
+          <p:cNvPr id="4" name="投影片編號版面配置區 3"/>
+          <p:cNvSpPr>
+            <a:spLocks noGrp="1"/>
+          </p:cNvSpPr>
+          <p:nvPr>
+            <p:ph type="sldNum" sz="quarter" idx="5"/>
+          </p:nvPr>
+        </p:nvSpPr>
+        <p:spPr/>
+        <p:txBody>
+          <a:bodyPr/>
+          <a:lstStyle/>
+          <a:p>
+            <a:fld id="{EF8A6B0B-A5FB-4629-B823-69B1A9EB3A43}" type="slidenum">
+              <a:rPr lang="zh-TW" altLang="en-US" smtClean="0"/>
+              <a:t>16</a:t>
+            </a:fld>
+            <a:endParaRPr lang="zh-TW" altLang="en-US"/>
+          </a:p>
+        </p:txBody>
+      </p:sp>
+    </p:spTree>
+    <p:extLst>
+      <p:ext uri="{BB962C8B-B14F-4D97-AF65-F5344CB8AC3E}">
+        <p14:creationId xmlns:p14="http://schemas.microsoft.com/office/powerpoint/2010/main" val="1790614014"/>
+      </p:ext>
+    </p:extLst>
+  </p:cSld>
+  <p:clrMapOvr>
+    <a:masterClrMapping/>
+  </p:clrMapOvr>
+</p:notes>
+</file>
+
+<file path=ppt/notesSlides/notesSlide8.xml><?xml version="1.0" encoding="utf-8"?>
+<p:notes xmlns:a="http://schemas.openxmlformats.org/drawingml/2006/main" xmlns:r="http://schemas.openxmlformats.org/officeDocument/2006/relationships" xmlns:p="http://schemas.openxmlformats.org/presentationml/2006/main">
+  <p:cSld>
+    <p:spTree>
+      <p:nvGrpSpPr>
+        <p:cNvPr id="1" name=""/>
+        <p:cNvGrpSpPr/>
+        <p:nvPr/>
+      </p:nvGrpSpPr>
+      <p:grpSpPr>
+        <a:xfrm>
+          <a:off x="0" y="0"/>
+          <a:ext cx="0" cy="0"/>
+          <a:chOff x="0" y="0"/>
+          <a:chExt cx="0" cy="0"/>
+        </a:xfrm>
+      </p:grpSpPr>
+      <p:sp>
+        <p:nvSpPr>
+          <p:cNvPr id="2" name="投影片影像版面配置區 1"/>
+          <p:cNvSpPr>
+            <a:spLocks noGrp="1" noRot="1" noChangeAspect="1"/>
+          </p:cNvSpPr>
+          <p:nvPr>
+            <p:ph type="sldImg"/>
+          </p:nvPr>
+        </p:nvSpPr>
+        <p:spPr/>
+      </p:sp>
+      <p:sp>
+        <p:nvSpPr>
+          <p:cNvPr id="3" name="備忘稿版面配置區 2"/>
+          <p:cNvSpPr>
+            <a:spLocks noGrp="1"/>
+          </p:cNvSpPr>
+          <p:nvPr>
+            <p:ph type="body" idx="1"/>
+          </p:nvPr>
+        </p:nvSpPr>
+        <p:spPr/>
+        <p:txBody>
+          <a:bodyPr/>
+          <a:lstStyle/>
+          <a:p>
+            <a:endParaRPr lang="zh-TW" altLang="en-US" dirty="0"/>
+          </a:p>
+        </p:txBody>
+      </p:sp>
+      <p:sp>
+        <p:nvSpPr>
+          <p:cNvPr id="4" name="投影片編號版面配置區 3"/>
+          <p:cNvSpPr>
+            <a:spLocks noGrp="1"/>
+          </p:cNvSpPr>
+          <p:nvPr>
+            <p:ph type="sldNum" sz="quarter" idx="5"/>
+          </p:nvPr>
+        </p:nvSpPr>
+        <p:spPr/>
+        <p:txBody>
+          <a:bodyPr/>
+          <a:lstStyle/>
+          <a:p>
+            <a:fld id="{EF8A6B0B-A5FB-4629-B823-69B1A9EB3A43}" type="slidenum">
+              <a:rPr lang="zh-TW" altLang="en-US" smtClean="0"/>
+              <a:t>22</a:t>
+            </a:fld>
+            <a:endParaRPr lang="zh-TW" altLang="en-US"/>
+          </a:p>
+        </p:txBody>
+      </p:sp>
+    </p:spTree>
+    <p:extLst>
+      <p:ext uri="{BB962C8B-B14F-4D97-AF65-F5344CB8AC3E}">
+        <p14:creationId xmlns:p14="http://schemas.microsoft.com/office/powerpoint/2010/main" val="2492784212"/>
       </p:ext>
     </p:extLst>
   </p:cSld>
@@ -1979,7 +2532,7 @@
           <a:p>
             <a:fld id="{0C0CC965-A63A-473D-BEFB-C8F9714D5269}" type="datetimeFigureOut">
               <a:rPr lang="zh-TW" altLang="en-US" smtClean="0"/>
-              <a:t>2023/12/7</a:t>
+              <a:t>2023/12/28</a:t>
             </a:fld>
             <a:endParaRPr lang="zh-TW" altLang="en-US"/>
           </a:p>
@@ -2147,7 +2700,7 @@
           <a:p>
             <a:fld id="{0C0CC965-A63A-473D-BEFB-C8F9714D5269}" type="datetimeFigureOut">
               <a:rPr lang="zh-TW" altLang="en-US" smtClean="0"/>
-              <a:t>2023/12/7</a:t>
+              <a:t>2023/12/28</a:t>
             </a:fld>
             <a:endParaRPr lang="zh-TW" altLang="en-US"/>
           </a:p>
@@ -2325,7 +2878,7 @@
           <a:p>
             <a:fld id="{0C0CC965-A63A-473D-BEFB-C8F9714D5269}" type="datetimeFigureOut">
               <a:rPr lang="zh-TW" altLang="en-US" smtClean="0"/>
-              <a:t>2023/12/7</a:t>
+              <a:t>2023/12/28</a:t>
             </a:fld>
             <a:endParaRPr lang="zh-TW" altLang="en-US"/>
           </a:p>
@@ -2520,7 +3073,7 @@
           <a:p>
             <a:fld id="{0C0CC965-A63A-473D-BEFB-C8F9714D5269}" type="datetimeFigureOut">
               <a:rPr lang="zh-TW" altLang="en-US" smtClean="0"/>
-              <a:t>2023/12/7</a:t>
+              <a:t>2023/12/28</a:t>
             </a:fld>
             <a:endParaRPr lang="zh-TW" altLang="en-US"/>
           </a:p>
@@ -2765,7 +3318,7 @@
           <a:p>
             <a:fld id="{0C0CC965-A63A-473D-BEFB-C8F9714D5269}" type="datetimeFigureOut">
               <a:rPr lang="zh-TW" altLang="en-US" smtClean="0"/>
-              <a:t>2023/12/7</a:t>
+              <a:t>2023/12/28</a:t>
             </a:fld>
             <a:endParaRPr lang="zh-TW" altLang="en-US"/>
           </a:p>
@@ -2994,7 +3547,7 @@
           <a:p>
             <a:fld id="{0C0CC965-A63A-473D-BEFB-C8F9714D5269}" type="datetimeFigureOut">
               <a:rPr lang="zh-TW" altLang="en-US" smtClean="0"/>
-              <a:t>2023/12/7</a:t>
+              <a:t>2023/12/28</a:t>
             </a:fld>
             <a:endParaRPr lang="zh-TW" altLang="en-US"/>
           </a:p>
@@ -3358,7 +3911,7 @@
           <a:p>
             <a:fld id="{0C0CC965-A63A-473D-BEFB-C8F9714D5269}" type="datetimeFigureOut">
               <a:rPr lang="zh-TW" altLang="en-US" smtClean="0"/>
-              <a:t>2023/12/7</a:t>
+              <a:t>2023/12/28</a:t>
             </a:fld>
             <a:endParaRPr lang="zh-TW" altLang="en-US"/>
           </a:p>
@@ -3475,7 +4028,7 @@
           <a:p>
             <a:fld id="{0C0CC965-A63A-473D-BEFB-C8F9714D5269}" type="datetimeFigureOut">
               <a:rPr lang="zh-TW" altLang="en-US" smtClean="0"/>
-              <a:t>2023/12/7</a:t>
+              <a:t>2023/12/28</a:t>
             </a:fld>
             <a:endParaRPr lang="zh-TW" altLang="en-US"/>
           </a:p>
@@ -3570,7 +4123,7 @@
           <a:p>
             <a:fld id="{0C0CC965-A63A-473D-BEFB-C8F9714D5269}" type="datetimeFigureOut">
               <a:rPr lang="zh-TW" altLang="en-US" smtClean="0"/>
-              <a:t>2023/12/7</a:t>
+              <a:t>2023/12/28</a:t>
             </a:fld>
             <a:endParaRPr lang="zh-TW" altLang="en-US"/>
           </a:p>
@@ -3845,7 +4398,7 @@
           <a:p>
             <a:fld id="{0C0CC965-A63A-473D-BEFB-C8F9714D5269}" type="datetimeFigureOut">
               <a:rPr lang="zh-TW" altLang="en-US" smtClean="0"/>
-              <a:t>2023/12/7</a:t>
+              <a:t>2023/12/28</a:t>
             </a:fld>
             <a:endParaRPr lang="zh-TW" altLang="en-US"/>
           </a:p>
@@ -4097,7 +4650,7 @@
           <a:p>
             <a:fld id="{0C0CC965-A63A-473D-BEFB-C8F9714D5269}" type="datetimeFigureOut">
               <a:rPr lang="zh-TW" altLang="en-US" smtClean="0"/>
-              <a:t>2023/12/7</a:t>
+              <a:t>2023/12/28</a:t>
             </a:fld>
             <a:endParaRPr lang="zh-TW" altLang="en-US"/>
           </a:p>
@@ -4311,7 +4864,7 @@
             <a:fld id="{0C0CC965-A63A-473D-BEFB-C8F9714D5269}" type="datetimeFigureOut">
               <a:rPr lang="zh-TW" altLang="en-US" smtClean="0"/>
               <a:pPr/>
-              <a:t>2023/12/7</a:t>
+              <a:t>2023/12/28</a:t>
             </a:fld>
             <a:endParaRPr lang="zh-TW" altLang="en-US"/>
           </a:p>
@@ -4914,7 +5467,7 @@
             </a:r>
             <a:r>
               <a:rPr lang="en-US" altLang="zh-TW" dirty="0"/>
-              <a:t>2023/12/07</a:t>
+              <a:t>2023/12/21</a:t>
             </a:r>
           </a:p>
         </p:txBody>
@@ -4954,7 +5507,7 @@
           <p:cNvPr id="3" name="標題 2">
             <a:extLst>
               <a:ext uri="{FF2B5EF4-FFF2-40B4-BE49-F238E27FC236}">
-                <a16:creationId xmlns:a16="http://schemas.microsoft.com/office/drawing/2014/main" id="{27C146D7-1D11-E1CC-8937-EA5812DAC7DE}"/>
+                <a16:creationId xmlns:a16="http://schemas.microsoft.com/office/drawing/2014/main" id="{F880606A-9054-4962-90A1-A1575FA5D26D}"/>
               </a:ext>
             </a:extLst>
           </p:cNvPr>
@@ -4976,15 +5529,15 @@
             </a:r>
             <a:r>
               <a:rPr lang="en-US" altLang="zh-TW" dirty="0"/>
-              <a:t>-PC</a:t>
+              <a:t>-PL</a:t>
             </a:r>
             <a:r>
               <a:rPr lang="zh-TW" altLang="en-US" dirty="0"/>
-              <a:t>端 </a:t>
+              <a:t>端</a:t>
             </a:r>
             <a:r>
               <a:rPr lang="en-US" altLang="zh-TW" dirty="0"/>
-              <a:t>MSC</a:t>
+              <a:t>IRQ</a:t>
             </a:r>
             <a:endParaRPr lang="zh-TW" altLang="en-US" dirty="0"/>
           </a:p>
@@ -4992,10 +5545,109 @@
       </p:sp>
       <p:pic>
         <p:nvPicPr>
-          <p:cNvPr id="7" name="圖片 6">
+          <p:cNvPr id="25" name="圖片 24">
             <a:extLst>
               <a:ext uri="{FF2B5EF4-FFF2-40B4-BE49-F238E27FC236}">
-                <a16:creationId xmlns:a16="http://schemas.microsoft.com/office/drawing/2014/main" id="{E65F1060-737F-72C1-DA1A-3D6C39FBE5B6}"/>
+                <a16:creationId xmlns:a16="http://schemas.microsoft.com/office/drawing/2014/main" id="{60020A33-A756-4696-89F4-76683CDBE1A0}"/>
+              </a:ext>
+            </a:extLst>
+          </p:cNvPr>
+          <p:cNvPicPr>
+            <a:picLocks noChangeAspect="1"/>
+          </p:cNvPicPr>
+          <p:nvPr/>
+        </p:nvPicPr>
+        <p:blipFill>
+          <a:blip r:embed="rId3"/>
+          <a:stretch>
+            <a:fillRect/>
+          </a:stretch>
+        </p:blipFill>
+        <p:spPr>
+          <a:xfrm>
+            <a:off x="223837" y="993685"/>
+            <a:ext cx="10667271" cy="6064568"/>
+          </a:xfrm>
+          <a:prstGeom prst="rect">
+            <a:avLst/>
+          </a:prstGeom>
+        </p:spPr>
+      </p:pic>
+    </p:spTree>
+    <p:extLst>
+      <p:ext uri="{BB962C8B-B14F-4D97-AF65-F5344CB8AC3E}">
+        <p14:creationId xmlns:p14="http://schemas.microsoft.com/office/powerpoint/2010/main" val="282468713"/>
+      </p:ext>
+    </p:extLst>
+  </p:cSld>
+  <p:clrMapOvr>
+    <a:masterClrMapping/>
+  </p:clrMapOvr>
+</p:sld>
+</file>
+
+<file path=ppt/slides/slide11.xml><?xml version="1.0" encoding="utf-8"?>
+<p:sld xmlns:a="http://schemas.openxmlformats.org/drawingml/2006/main" xmlns:r="http://schemas.openxmlformats.org/officeDocument/2006/relationships" xmlns:p="http://schemas.openxmlformats.org/presentationml/2006/main">
+  <p:cSld>
+    <p:spTree>
+      <p:nvGrpSpPr>
+        <p:cNvPr id="1" name=""/>
+        <p:cNvGrpSpPr/>
+        <p:nvPr/>
+      </p:nvGrpSpPr>
+      <p:grpSpPr>
+        <a:xfrm>
+          <a:off x="0" y="0"/>
+          <a:ext cx="0" cy="0"/>
+          <a:chOff x="0" y="0"/>
+          <a:chExt cx="0" cy="0"/>
+        </a:xfrm>
+      </p:grpSpPr>
+      <p:sp>
+        <p:nvSpPr>
+          <p:cNvPr id="9" name="文字方塊 8">
+            <a:extLst>
+              <a:ext uri="{FF2B5EF4-FFF2-40B4-BE49-F238E27FC236}">
+                <a16:creationId xmlns:a16="http://schemas.microsoft.com/office/drawing/2014/main" id="{BCA79AA3-8154-458C-AB35-D345AE722D4D}"/>
+              </a:ext>
+            </a:extLst>
+          </p:cNvPr>
+          <p:cNvSpPr txBox="1"/>
+          <p:nvPr/>
+        </p:nvSpPr>
+        <p:spPr>
+          <a:xfrm>
+            <a:off x="4955303" y="95794"/>
+            <a:ext cx="2281394" cy="584775"/>
+          </a:xfrm>
+          <a:prstGeom prst="rect">
+            <a:avLst/>
+          </a:prstGeom>
+          <a:noFill/>
+        </p:spPr>
+        <p:txBody>
+          <a:bodyPr wrap="none" rtlCol="0">
+            <a:spAutoFit/>
+          </a:bodyPr>
+          <a:lstStyle/>
+          <a:p>
+            <a:r>
+              <a:rPr lang="en-US" altLang="zh-TW" sz="3200" dirty="0"/>
+              <a:t>PS</a:t>
+            </a:r>
+            <a:r>
+              <a:rPr lang="zh-TW" altLang="en-US" sz="3200" dirty="0"/>
+              <a:t>端流程圖</a:t>
+            </a:r>
+          </a:p>
+        </p:txBody>
+      </p:sp>
+      <p:pic>
+        <p:nvPicPr>
+          <p:cNvPr id="3" name="圖片 2">
+            <a:extLst>
+              <a:ext uri="{FF2B5EF4-FFF2-40B4-BE49-F238E27FC236}">
+                <a16:creationId xmlns:a16="http://schemas.microsoft.com/office/drawing/2014/main" id="{08DA77DC-2EE2-4C8B-88C2-41BBDB38F0B6}"/>
               </a:ext>
             </a:extLst>
           </p:cNvPr>
@@ -5012,14 +5664,165 @@
         </p:blipFill>
         <p:spPr>
           <a:xfrm>
-            <a:off x="512275" y="1324870"/>
-            <a:ext cx="10764050" cy="4813380"/>
+            <a:off x="1849174" y="0"/>
+            <a:ext cx="8493651" cy="6858000"/>
           </a:xfrm>
           <a:prstGeom prst="rect">
             <a:avLst/>
           </a:prstGeom>
         </p:spPr>
       </p:pic>
+      <p:cxnSp>
+        <p:nvCxnSpPr>
+          <p:cNvPr id="5" name="直線單箭頭接點 4">
+            <a:extLst>
+              <a:ext uri="{FF2B5EF4-FFF2-40B4-BE49-F238E27FC236}">
+                <a16:creationId xmlns:a16="http://schemas.microsoft.com/office/drawing/2014/main" id="{FE951B59-FED4-4AB5-A9CB-3040BD558108}"/>
+              </a:ext>
+            </a:extLst>
+          </p:cNvPr>
+          <p:cNvCxnSpPr>
+            <a:cxnSpLocks/>
+          </p:cNvCxnSpPr>
+          <p:nvPr/>
+        </p:nvCxnSpPr>
+        <p:spPr>
+          <a:xfrm flipH="1">
+            <a:off x="5647509" y="3429000"/>
+            <a:ext cx="2486298" cy="1500052"/>
+          </a:xfrm>
+          <a:prstGeom prst="straightConnector1">
+            <a:avLst/>
+          </a:prstGeom>
+          <a:ln>
+            <a:tailEnd type="triangle"/>
+          </a:ln>
+        </p:spPr>
+        <p:style>
+          <a:lnRef idx="1">
+            <a:schemeClr val="accent1"/>
+          </a:lnRef>
+          <a:fillRef idx="0">
+            <a:schemeClr val="accent1"/>
+          </a:fillRef>
+          <a:effectRef idx="0">
+            <a:schemeClr val="accent1"/>
+          </a:effectRef>
+          <a:fontRef idx="minor">
+            <a:schemeClr val="tx1"/>
+          </a:fontRef>
+        </p:style>
+      </p:cxnSp>
+      <p:sp>
+        <p:nvSpPr>
+          <p:cNvPr id="7" name="左大括弧 6">
+            <a:extLst>
+              <a:ext uri="{FF2B5EF4-FFF2-40B4-BE49-F238E27FC236}">
+                <a16:creationId xmlns:a16="http://schemas.microsoft.com/office/drawing/2014/main" id="{823ABE99-DC3E-4C1D-BFF5-7E355F4AC7A5}"/>
+              </a:ext>
+            </a:extLst>
+          </p:cNvPr>
+          <p:cNvSpPr/>
+          <p:nvPr/>
+        </p:nvSpPr>
+        <p:spPr>
+          <a:xfrm rot="5400000">
+            <a:off x="5534298" y="2555965"/>
+            <a:ext cx="226422" cy="4972596"/>
+          </a:xfrm>
+          <a:prstGeom prst="leftBrace">
+            <a:avLst/>
+          </a:prstGeom>
+        </p:spPr>
+        <p:style>
+          <a:lnRef idx="1">
+            <a:schemeClr val="accent1"/>
+          </a:lnRef>
+          <a:fillRef idx="0">
+            <a:schemeClr val="accent1"/>
+          </a:fillRef>
+          <a:effectRef idx="0">
+            <a:schemeClr val="accent1"/>
+          </a:effectRef>
+          <a:fontRef idx="minor">
+            <a:schemeClr val="tx1"/>
+          </a:fontRef>
+        </p:style>
+        <p:txBody>
+          <a:bodyPr rtlCol="0" anchor="ctr"/>
+          <a:lstStyle/>
+          <a:p>
+            <a:pPr algn="ctr"/>
+            <a:endParaRPr lang="zh-TW" altLang="en-US"/>
+          </a:p>
+        </p:txBody>
+      </p:sp>
+    </p:spTree>
+    <p:extLst>
+      <p:ext uri="{BB962C8B-B14F-4D97-AF65-F5344CB8AC3E}">
+        <p14:creationId xmlns:p14="http://schemas.microsoft.com/office/powerpoint/2010/main" val="2028829819"/>
+      </p:ext>
+    </p:extLst>
+  </p:cSld>
+  <p:clrMapOvr>
+    <a:masterClrMapping/>
+  </p:clrMapOvr>
+</p:sld>
+</file>
+
+<file path=ppt/slides/slide12.xml><?xml version="1.0" encoding="utf-8"?>
+<p:sld xmlns:a="http://schemas.openxmlformats.org/drawingml/2006/main" xmlns:r="http://schemas.openxmlformats.org/officeDocument/2006/relationships" xmlns:p="http://schemas.openxmlformats.org/presentationml/2006/main">
+  <p:cSld>
+    <p:spTree>
+      <p:nvGrpSpPr>
+        <p:cNvPr id="1" name=""/>
+        <p:cNvGrpSpPr/>
+        <p:nvPr/>
+      </p:nvGrpSpPr>
+      <p:grpSpPr>
+        <a:xfrm>
+          <a:off x="0" y="0"/>
+          <a:ext cx="0" cy="0"/>
+          <a:chOff x="0" y="0"/>
+          <a:chExt cx="0" cy="0"/>
+        </a:xfrm>
+      </p:grpSpPr>
+      <p:sp>
+        <p:nvSpPr>
+          <p:cNvPr id="3" name="標題 2">
+            <a:extLst>
+              <a:ext uri="{FF2B5EF4-FFF2-40B4-BE49-F238E27FC236}">
+                <a16:creationId xmlns:a16="http://schemas.microsoft.com/office/drawing/2014/main" id="{27C146D7-1D11-E1CC-8937-EA5812DAC7DE}"/>
+              </a:ext>
+            </a:extLst>
+          </p:cNvPr>
+          <p:cNvSpPr>
+            <a:spLocks noGrp="1"/>
+          </p:cNvSpPr>
+          <p:nvPr>
+            <p:ph type="title"/>
+          </p:nvPr>
+        </p:nvSpPr>
+        <p:spPr/>
+        <p:txBody>
+          <a:bodyPr/>
+          <a:lstStyle/>
+          <a:p>
+            <a:r>
+              <a:rPr lang="zh-TW" altLang="en-US" dirty="0"/>
+              <a:t>設計</a:t>
+            </a:r>
+            <a:r>
+              <a:rPr lang="en-US" altLang="zh-TW" dirty="0"/>
+              <a:t>- PC</a:t>
+            </a:r>
+            <a:r>
+              <a:rPr lang="zh-TW" altLang="en-US" dirty="0"/>
+              <a:t>端 流程圖</a:t>
+            </a:r>
+          </a:p>
+        </p:txBody>
+      </p:sp>
       <p:cxnSp>
         <p:nvCxnSpPr>
           <p:cNvPr id="9" name="直線接點 8">
@@ -5030,8 +5833,151 @@
             </a:extLst>
           </p:cNvPr>
           <p:cNvCxnSpPr>
-            <a:stCxn id="7" idx="0"/>
-            <a:endCxn id="7" idx="2"/>
+            <a:cxnSpLocks/>
+          </p:cNvCxnSpPr>
+          <p:nvPr/>
+        </p:nvCxnSpPr>
+        <p:spPr>
+          <a:xfrm>
+            <a:off x="6220225" y="1324870"/>
+            <a:ext cx="0" cy="4813380"/>
+          </a:xfrm>
+          <a:prstGeom prst="line">
+            <a:avLst/>
+          </a:prstGeom>
+          <a:ln w="76200">
+            <a:solidFill>
+              <a:schemeClr val="tx1"/>
+            </a:solidFill>
+          </a:ln>
+        </p:spPr>
+        <p:style>
+          <a:lnRef idx="1">
+            <a:schemeClr val="accent1"/>
+          </a:lnRef>
+          <a:fillRef idx="0">
+            <a:schemeClr val="accent1"/>
+          </a:fillRef>
+          <a:effectRef idx="0">
+            <a:schemeClr val="accent1"/>
+          </a:effectRef>
+          <a:fontRef idx="minor">
+            <a:schemeClr val="tx1"/>
+          </a:fontRef>
+        </p:style>
+      </p:cxnSp>
+      <p:pic>
+        <p:nvPicPr>
+          <p:cNvPr id="10" name="圖片 9">
+            <a:extLst>
+              <a:ext uri="{FF2B5EF4-FFF2-40B4-BE49-F238E27FC236}">
+                <a16:creationId xmlns:a16="http://schemas.microsoft.com/office/drawing/2014/main" id="{8A30FDC2-6338-B681-53EA-857FAE241520}"/>
+              </a:ext>
+            </a:extLst>
+          </p:cNvPr>
+          <p:cNvPicPr>
+            <a:picLocks noChangeAspect="1"/>
+          </p:cNvPicPr>
+          <p:nvPr/>
+        </p:nvPicPr>
+        <p:blipFill>
+          <a:blip r:embed="rId2"/>
+          <a:stretch>
+            <a:fillRect/>
+          </a:stretch>
+        </p:blipFill>
+        <p:spPr>
+          <a:xfrm>
+            <a:off x="0" y="2073946"/>
+            <a:ext cx="12192000" cy="2710107"/>
+          </a:xfrm>
+          <a:prstGeom prst="rect">
+            <a:avLst/>
+          </a:prstGeom>
+        </p:spPr>
+      </p:pic>
+    </p:spTree>
+    <p:extLst>
+      <p:ext uri="{BB962C8B-B14F-4D97-AF65-F5344CB8AC3E}">
+        <p14:creationId xmlns:p14="http://schemas.microsoft.com/office/powerpoint/2010/main" val="3941591206"/>
+      </p:ext>
+    </p:extLst>
+  </p:cSld>
+  <p:clrMapOvr>
+    <a:masterClrMapping/>
+  </p:clrMapOvr>
+</p:sld>
+</file>
+
+<file path=ppt/slides/slide13.xml><?xml version="1.0" encoding="utf-8"?>
+<p:sld xmlns:a="http://schemas.openxmlformats.org/drawingml/2006/main" xmlns:r="http://schemas.openxmlformats.org/officeDocument/2006/relationships" xmlns:p="http://schemas.openxmlformats.org/presentationml/2006/main">
+  <p:cSld>
+    <p:spTree>
+      <p:nvGrpSpPr>
+        <p:cNvPr id="1" name=""/>
+        <p:cNvGrpSpPr/>
+        <p:nvPr/>
+      </p:nvGrpSpPr>
+      <p:grpSpPr>
+        <a:xfrm>
+          <a:off x="0" y="0"/>
+          <a:ext cx="0" cy="0"/>
+          <a:chOff x="0" y="0"/>
+          <a:chExt cx="0" cy="0"/>
+        </a:xfrm>
+      </p:grpSpPr>
+      <p:sp>
+        <p:nvSpPr>
+          <p:cNvPr id="3" name="標題 2">
+            <a:extLst>
+              <a:ext uri="{FF2B5EF4-FFF2-40B4-BE49-F238E27FC236}">
+                <a16:creationId xmlns:a16="http://schemas.microsoft.com/office/drawing/2014/main" id="{27C146D7-1D11-E1CC-8937-EA5812DAC7DE}"/>
+              </a:ext>
+            </a:extLst>
+          </p:cNvPr>
+          <p:cNvSpPr>
+            <a:spLocks noGrp="1"/>
+          </p:cNvSpPr>
+          <p:nvPr>
+            <p:ph type="title"/>
+          </p:nvPr>
+        </p:nvSpPr>
+        <p:spPr/>
+        <p:txBody>
+          <a:bodyPr/>
+          <a:lstStyle/>
+          <a:p>
+            <a:r>
+              <a:rPr lang="zh-TW" altLang="en-US" dirty="0"/>
+              <a:t>設計</a:t>
+            </a:r>
+            <a:r>
+              <a:rPr lang="en-US" altLang="zh-TW" dirty="0"/>
+              <a:t>-PC</a:t>
+            </a:r>
+            <a:r>
+              <a:rPr lang="zh-TW" altLang="en-US" dirty="0"/>
+              <a:t>端 </a:t>
+            </a:r>
+            <a:r>
+              <a:rPr lang="en-US" altLang="zh-TW" dirty="0"/>
+              <a:t>MSC</a:t>
+            </a:r>
+            <a:endParaRPr lang="zh-TW" altLang="en-US" dirty="0"/>
+          </a:p>
+        </p:txBody>
+      </p:sp>
+      <p:cxnSp>
+        <p:nvCxnSpPr>
+          <p:cNvPr id="9" name="直線接點 8">
+            <a:extLst>
+              <a:ext uri="{FF2B5EF4-FFF2-40B4-BE49-F238E27FC236}">
+                <a16:creationId xmlns:a16="http://schemas.microsoft.com/office/drawing/2014/main" id="{0D6DF95D-62C7-E7C4-A143-9FBFF2AB98B4}"/>
+              </a:ext>
+            </a:extLst>
+          </p:cNvPr>
+          <p:cNvCxnSpPr>
+            <a:cxnSpLocks/>
           </p:cNvCxnSpPr>
           <p:nvPr/>
         </p:nvCxnSpPr>
@@ -5064,6 +6010,36 @@
           </a:fontRef>
         </p:style>
       </p:cxnSp>
+      <p:pic>
+        <p:nvPicPr>
+          <p:cNvPr id="6" name="圖片 5">
+            <a:extLst>
+              <a:ext uri="{FF2B5EF4-FFF2-40B4-BE49-F238E27FC236}">
+                <a16:creationId xmlns:a16="http://schemas.microsoft.com/office/drawing/2014/main" id="{393D303D-D0AA-6A5C-7AAD-085779769285}"/>
+              </a:ext>
+            </a:extLst>
+          </p:cNvPr>
+          <p:cNvPicPr>
+            <a:picLocks noChangeAspect="1"/>
+          </p:cNvPicPr>
+          <p:nvPr/>
+        </p:nvPicPr>
+        <p:blipFill>
+          <a:blip r:embed="rId2"/>
+          <a:stretch>
+            <a:fillRect/>
+          </a:stretch>
+        </p:blipFill>
+        <p:spPr>
+          <a:xfrm>
+            <a:off x="734982" y="1424458"/>
+            <a:ext cx="10318635" cy="4614203"/>
+          </a:xfrm>
+          <a:prstGeom prst="rect">
+            <a:avLst/>
+          </a:prstGeom>
+        </p:spPr>
+      </p:pic>
     </p:spTree>
     <p:extLst>
       <p:ext uri="{BB962C8B-B14F-4D97-AF65-F5344CB8AC3E}">
@@ -5077,7 +6053,7 @@
 </p:sld>
 </file>
 
-<file path=ppt/slides/slide11.xml><?xml version="1.0" encoding="utf-8"?>
+<file path=ppt/slides/slide14.xml><?xml version="1.0" encoding="utf-8"?>
 <p:sld xmlns:a="http://schemas.openxmlformats.org/drawingml/2006/main" xmlns:r="http://schemas.openxmlformats.org/officeDocument/2006/relationships" xmlns:p="http://schemas.openxmlformats.org/presentationml/2006/main">
   <p:cSld>
     <p:spTree>
@@ -5117,12 +6093,17 @@
           <a:p>
             <a:r>
               <a:rPr lang="en-US" altLang="zh-TW" dirty="0"/>
-              <a:t>API-PC</a:t>
+              <a:t>API-PL</a:t>
             </a:r>
             <a:r>
               <a:rPr lang="zh-TW" altLang="en-US" dirty="0"/>
               <a:t>端</a:t>
             </a:r>
+            <a:r>
+              <a:rPr lang="en-US" altLang="zh-TW" dirty="0"/>
+              <a:t>(ORB)</a:t>
+            </a:r>
+            <a:endParaRPr lang="zh-TW" altLang="en-US" dirty="0"/>
           </a:p>
         </p:txBody>
       </p:sp>
@@ -5142,14 +6123,14 @@
             <p:ph idx="1"/>
             <p:extLst>
               <p:ext uri="{D42A27DB-BD31-4B8C-83A1-F6EECF244321}">
-                <p14:modId xmlns:p14="http://schemas.microsoft.com/office/powerpoint/2010/main" val="369258385"/>
+                <p14:modId xmlns:p14="http://schemas.microsoft.com/office/powerpoint/2010/main" val="3199151178"/>
               </p:ext>
             </p:extLst>
           </p:nvPr>
         </p:nvGraphicFramePr>
         <p:xfrm>
           <a:off x="838200" y="1201738"/>
-          <a:ext cx="10515600" cy="1854200"/>
+          <a:ext cx="10515600" cy="5125720"/>
         </p:xfrm>
         <a:graphic>
           <a:graphicData uri="http://schemas.openxmlformats.org/drawingml/2006/table">
@@ -5195,15 +6176,7 @@
                     <a:p>
                       <a:r>
                         <a:rPr lang="en-US" altLang="zh-TW" dirty="0"/>
-                        <a:t>Get /</a:t>
-                      </a:r>
-                      <a:r>
-                        <a:rPr lang="en-US" altLang="zh-TW" dirty="0" err="1"/>
-                        <a:t>get_image</a:t>
-                      </a:r>
-                      <a:r>
-                        <a:rPr lang="en-US" altLang="zh-TW" dirty="0"/>
-                        <a:t>/&lt;frame&gt;</a:t>
+                        <a:t>AXIS_ORB</a:t>
                       </a:r>
                       <a:endParaRPr lang="zh-TW" altLang="en-US" dirty="0"/>
                     </a:p>
@@ -5238,20 +6211,87 @@
                     <a:p>
                       <a:r>
                         <a:rPr lang="en-US" altLang="zh-TW" dirty="0"/>
-                        <a:t>frame:</a:t>
-                      </a:r>
-                      <a:r>
-                        <a:rPr lang="zh-TW" altLang="en-US" dirty="0"/>
-                        <a:t> </a:t>
-                      </a:r>
-                      <a:r>
-                        <a:rPr lang="en-US" altLang="zh-TW" dirty="0"/>
-                        <a:t>(int)</a:t>
-                      </a:r>
-                      <a:r>
-                        <a:rPr lang="zh-TW" altLang="en-US" dirty="0"/>
-                        <a:t>取某一幀的畫面</a:t>
-                      </a:r>
+                        <a:t> input    </a:t>
+                      </a:r>
+                      <a:r>
+                        <a:rPr lang="en-US" altLang="zh-TW" dirty="0" err="1"/>
+                        <a:t>axi_Mclk</a:t>
+                      </a:r>
+                      <a:r>
+                        <a:rPr lang="en-US" altLang="zh-TW" dirty="0"/>
+                        <a:t>,</a:t>
+                      </a:r>
+                    </a:p>
+                    <a:p>
+                      <a:r>
+                        <a:rPr lang="en-US" altLang="zh-TW" dirty="0"/>
+                        <a:t> input    </a:t>
+                      </a:r>
+                      <a:r>
+                        <a:rPr lang="en-US" altLang="zh-TW" dirty="0" err="1"/>
+                        <a:t>axi_reset_n</a:t>
+                      </a:r>
+                      <a:r>
+                        <a:rPr lang="en-US" altLang="zh-TW" dirty="0"/>
+                        <a:t>,</a:t>
+                      </a:r>
+                    </a:p>
+                    <a:p>
+                      <a:r>
+                        <a:rPr lang="en-US" altLang="zh-TW" dirty="0"/>
+                        <a:t> input  wire [32-1:0]  </a:t>
+                      </a:r>
+                      <a:r>
+                        <a:rPr lang="en-US" altLang="zh-TW" dirty="0" err="1"/>
+                        <a:t>s_axis_data</a:t>
+                      </a:r>
+                      <a:r>
+                        <a:rPr lang="en-US" altLang="zh-TW" dirty="0"/>
+                        <a:t>,</a:t>
+                      </a:r>
+                    </a:p>
+                    <a:p>
+                      <a:r>
+                        <a:rPr lang="en-US" altLang="zh-TW" dirty="0"/>
+                        <a:t> input  wire                   </a:t>
+                      </a:r>
+                      <a:r>
+                        <a:rPr lang="en-US" altLang="zh-TW" dirty="0" err="1"/>
+                        <a:t>s_axis_valid</a:t>
+                      </a:r>
+                      <a:r>
+                        <a:rPr lang="en-US" altLang="zh-TW" dirty="0"/>
+                        <a:t>,</a:t>
+                      </a:r>
+                    </a:p>
+                    <a:p>
+                      <a:r>
+                        <a:rPr lang="en-US" altLang="zh-TW" dirty="0"/>
+                        <a:t> input  wire    [3:0]          </a:t>
+                      </a:r>
+                      <a:r>
+                        <a:rPr lang="en-US" altLang="zh-TW" dirty="0" err="1"/>
+                        <a:t>s_axis_keep</a:t>
+                      </a:r>
+                      <a:r>
+                        <a:rPr lang="en-US" altLang="zh-TW" dirty="0"/>
+                        <a:t>,</a:t>
+                      </a:r>
+                    </a:p>
+                    <a:p>
+                      <a:r>
+                        <a:rPr lang="en-US" altLang="zh-TW" dirty="0"/>
+                        <a:t> input  wire                   </a:t>
+                      </a:r>
+                      <a:r>
+                        <a:rPr lang="en-US" altLang="zh-TW" dirty="0" err="1"/>
+                        <a:t>m_axis_ready</a:t>
+                      </a:r>
+                      <a:r>
+                        <a:rPr lang="en-US" altLang="zh-TW" dirty="0"/>
+                        <a:t>,</a:t>
+                      </a:r>
+                      <a:endParaRPr lang="zh-TW" altLang="en-US" dirty="0"/>
                     </a:p>
                   </a:txBody>
                   <a:tcPr/>
@@ -5283,12 +6323,58 @@
                     <a:lstStyle/>
                     <a:p>
                       <a:r>
+                        <a:rPr lang="en-US" altLang="zh-TW" dirty="0"/>
+                        <a:t>output                     	  </a:t>
+                      </a:r>
+                      <a:r>
                         <a:rPr lang="en-US" altLang="zh-TW" dirty="0" err="1"/>
-                        <a:t>img</a:t>
-                      </a:r>
-                      <a:r>
-                        <a:rPr lang="en-US" altLang="zh-TW" dirty="0"/>
-                        <a:t>: (2-D array 720*480)</a:t>
+                        <a:t>s_axis_ready</a:t>
+                      </a:r>
+                      <a:r>
+                        <a:rPr lang="en-US" altLang="zh-TW" dirty="0"/>
+                        <a:t>,</a:t>
+                      </a:r>
+                    </a:p>
+                    <a:p>
+                      <a:r>
+                        <a:rPr lang="en-US" altLang="zh-TW" dirty="0"/>
+                        <a:t>output  wire [32-1:0]  </a:t>
+                      </a:r>
+                      <a:r>
+                        <a:rPr lang="en-US" altLang="zh-TW" dirty="0" err="1"/>
+                        <a:t>m_axis_data</a:t>
+                      </a:r>
+                      <a:r>
+                        <a:rPr lang="en-US" altLang="zh-TW" dirty="0"/>
+                        <a:t>,</a:t>
+                      </a:r>
+                    </a:p>
+                    <a:p>
+                      <a:r>
+                        <a:rPr lang="en-US" altLang="zh-TW" dirty="0"/>
+                        <a:t>output                    </a:t>
+                      </a:r>
+                      <a:r>
+                        <a:rPr lang="en-US" altLang="zh-TW" dirty="0" err="1"/>
+                        <a:t>m_axis_valid</a:t>
+                      </a:r>
+                      <a:r>
+                        <a:rPr lang="en-US" altLang="zh-TW" dirty="0"/>
+                        <a:t>,</a:t>
+                      </a:r>
+                    </a:p>
+                    <a:p>
+                      <a:r>
+                        <a:rPr lang="en-US" altLang="zh-TW" dirty="0"/>
+                        <a:t>output </a:t>
+                      </a:r>
+                      <a:r>
+                        <a:rPr lang="en-US" altLang="zh-TW" dirty="0" err="1"/>
+                        <a:t>ORB_intr</a:t>
+                      </a:r>
+                      <a:r>
+                        <a:rPr lang="en-US" altLang="zh-TW" dirty="0"/>
+                        <a:t>,</a:t>
                       </a:r>
                       <a:endParaRPr lang="zh-TW" altLang="en-US" dirty="0"/>
                     </a:p>
@@ -5322,8 +6408,34 @@
                     <a:lstStyle/>
                     <a:p>
                       <a:r>
-                        <a:rPr lang="en-US" altLang="zh-TW" dirty="0"/>
-                        <a:t>None</a:t>
+                        <a:rPr lang="en-US" altLang="zh-TW" dirty="0" err="1"/>
+                        <a:t>DMA_rst</a:t>
+                      </a:r>
+                      <a:endParaRPr lang="en-US" altLang="zh-TW" dirty="0"/>
+                    </a:p>
+                    <a:p>
+                      <a:r>
+                        <a:rPr lang="en-US" altLang="zh-TW" dirty="0"/>
+                        <a:t>[9:0] </a:t>
+                      </a:r>
+                      <a:r>
+                        <a:rPr lang="en-US" altLang="zh-TW" dirty="0" err="1"/>
+                        <a:t>vga_vs_cnt</a:t>
+                      </a:r>
+                      <a:endParaRPr lang="en-US" altLang="zh-TW" dirty="0"/>
+                    </a:p>
+                    <a:p>
+                      <a:r>
+                        <a:rPr lang="en-US" altLang="zh-TW" dirty="0"/>
+                        <a:t>[9:0] </a:t>
+                      </a:r>
+                      <a:r>
+                        <a:rPr lang="en-US" altLang="zh-TW" dirty="0" err="1"/>
+                        <a:t>vga_hs_cnt</a:t>
+                      </a:r>
+                      <a:r>
+                        <a:rPr lang="en-US" altLang="zh-TW" dirty="0"/>
+                        <a:t> </a:t>
                       </a:r>
                       <a:endParaRPr lang="zh-TW" altLang="en-US" dirty="0"/>
                     </a:p>
@@ -5357,9 +6469,105 @@
                     <a:lstStyle/>
                     <a:p>
                       <a:r>
+                        <a:rPr lang="en-US" altLang="zh-TW" dirty="0"/>
+                        <a:t>s_axis</a:t>
+                      </a:r>
+                      <a:r>
+                        <a:rPr lang="en-US" altLang="zh-TW" dirty="0">
+                          <a:sym typeface="Wingdings" panose="05000000000000000000" pitchFamily="2" charset="2"/>
+                        </a:rPr>
+                        <a:t></a:t>
+                      </a:r>
+                      <a:r>
+                        <a:rPr lang="en-US" altLang="zh-TW" dirty="0"/>
+                        <a:t>DMA_1</a:t>
+                      </a:r>
+                      <a:r>
                         <a:rPr lang="zh-TW" altLang="en-US" dirty="0"/>
-                        <a:t>前端網頁向後端要特定幀的畫面，每次回傳一幀</a:t>
-                      </a:r>
+                        <a:t>收</a:t>
+                      </a:r>
+                      <a:r>
+                        <a:rPr lang="en-US" altLang="zh-TW" dirty="0"/>
+                        <a:t>DDR</a:t>
+                      </a:r>
+                      <a:r>
+                        <a:rPr lang="zh-TW" altLang="en-US" dirty="0"/>
+                        <a:t>影像</a:t>
+                      </a:r>
+                      <a:r>
+                        <a:rPr lang="en-US" altLang="zh-TW" dirty="0"/>
+                        <a:t>u32 </a:t>
+                      </a:r>
+                      <a:r>
+                        <a:rPr lang="en-US" altLang="zh-TW" dirty="0" err="1"/>
+                        <a:t>TX_buffer</a:t>
+                      </a:r>
+                      <a:r>
+                        <a:rPr lang="en-US" altLang="zh-TW" dirty="0"/>
+                        <a:t>[720*480]</a:t>
+                      </a:r>
+                    </a:p>
+                    <a:p>
+                      <a:pPr marL="0" marR="0" lvl="0" indent="0" algn="l" defTabSz="914400" rtl="0" eaLnBrk="1" fontAlgn="auto" latinLnBrk="0" hangingPunct="1">
+                        <a:lnSpc>
+                          <a:spcPct val="100000"/>
+                        </a:lnSpc>
+                        <a:spcBef>
+                          <a:spcPts val="0"/>
+                        </a:spcBef>
+                        <a:spcAft>
+                          <a:spcPts val="0"/>
+                        </a:spcAft>
+                        <a:buClrTx/>
+                        <a:buSzTx/>
+                        <a:buFontTx/>
+                        <a:buNone/>
+                        <a:tabLst/>
+                        <a:defRPr/>
+                      </a:pPr>
+                      <a:r>
+                        <a:rPr lang="en-US" altLang="zh-TW" dirty="0"/>
+                        <a:t>m_axis</a:t>
+                      </a:r>
+                      <a:r>
+                        <a:rPr lang="en-US" altLang="zh-TW" dirty="0">
+                          <a:sym typeface="Wingdings" panose="05000000000000000000" pitchFamily="2" charset="2"/>
+                        </a:rPr>
+                        <a:t></a:t>
+                      </a:r>
+                      <a:r>
+                        <a:rPr lang="en-US" altLang="zh-TW" dirty="0"/>
+                        <a:t>DMA_0</a:t>
+                      </a:r>
+                      <a:r>
+                        <a:rPr lang="zh-TW" altLang="en-US" dirty="0"/>
+                        <a:t>發影像到</a:t>
+                      </a:r>
+                      <a:r>
+                        <a:rPr lang="en-US" altLang="zh-TW" dirty="0"/>
+                        <a:t>DDR u32 </a:t>
+                      </a:r>
+                      <a:r>
+                        <a:rPr lang="en-US" altLang="zh-TW" dirty="0" err="1"/>
+                        <a:t>RX_buffer</a:t>
+                      </a:r>
+                      <a:r>
+                        <a:rPr lang="en-US" altLang="zh-TW" dirty="0"/>
+                        <a:t> [720]</a:t>
+                      </a:r>
+                    </a:p>
+                    <a:p>
+                      <a:r>
+                        <a:rPr lang="en-US" altLang="zh-TW" dirty="0"/>
+                        <a:t>ORB_intr</a:t>
+                      </a:r>
+                      <a:r>
+                        <a:rPr lang="en-US" altLang="zh-TW" dirty="0">
+                          <a:sym typeface="Wingdings" panose="05000000000000000000" pitchFamily="2" charset="2"/>
+                        </a:rPr>
+                        <a:t>IRQ_F2P[61]</a:t>
+                      </a:r>
+                      <a:endParaRPr lang="zh-TW" altLang="en-US" dirty="0"/>
                     </a:p>
                   </a:txBody>
                   <a:tcPr/>
@@ -5387,7 +6595,7 @@
 </p:sld>
 </file>
 
-<file path=ppt/slides/slide12.xml><?xml version="1.0" encoding="utf-8"?>
+<file path=ppt/slides/slide15.xml><?xml version="1.0" encoding="utf-8"?>
 <p:sld xmlns:a="http://schemas.openxmlformats.org/drawingml/2006/main" xmlns:r="http://schemas.openxmlformats.org/officeDocument/2006/relationships" xmlns:p="http://schemas.openxmlformats.org/presentationml/2006/main">
   <p:cSld>
     <p:spTree>
@@ -5427,12 +6635,17 @@
           <a:p>
             <a:r>
               <a:rPr lang="en-US" altLang="zh-TW" dirty="0"/>
-              <a:t>API-PC</a:t>
-            </a:r>
-            <a:r>
-              <a:rPr lang="zh-TW" altLang="en-US" dirty="0"/>
-              <a:t>端</a:t>
-            </a:r>
+              <a:t>API-Zynq(</a:t>
+            </a:r>
+            <a:r>
+              <a:rPr lang="en-US" altLang="zh-TW" dirty="0" err="1"/>
+              <a:t>SD_read</a:t>
+            </a:r>
+            <a:r>
+              <a:rPr lang="en-US" altLang="zh-TW" dirty="0"/>
+              <a:t>)</a:t>
+            </a:r>
+            <a:endParaRPr lang="zh-TW" altLang="en-US" dirty="0"/>
           </a:p>
         </p:txBody>
       </p:sp>
@@ -5452,14 +6665,1541 @@
             <p:ph idx="1"/>
             <p:extLst>
               <p:ext uri="{D42A27DB-BD31-4B8C-83A1-F6EECF244321}">
-                <p14:modId xmlns:p14="http://schemas.microsoft.com/office/powerpoint/2010/main" val="3214789082"/>
+                <p14:modId xmlns:p14="http://schemas.microsoft.com/office/powerpoint/2010/main" val="1339959392"/>
+              </p:ext>
+            </p:extLst>
+          </p:nvPr>
+        </p:nvGraphicFramePr>
+        <p:xfrm>
+          <a:off x="304800" y="1202872"/>
+          <a:ext cx="11582400" cy="5192123"/>
+        </p:xfrm>
+        <a:graphic>
+          <a:graphicData uri="http://schemas.openxmlformats.org/drawingml/2006/table">
+            <a:tbl>
+              <a:tblPr firstRow="1" bandRow="1">
+                <a:tableStyleId>{5C22544A-7EE6-4342-B048-85BDC9FD1C3A}</a:tableStyleId>
+              </a:tblPr>
+              <a:tblGrid>
+                <a:gridCol w="1327470">
+                  <a:extLst>
+                    <a:ext uri="{9D8B030D-6E8A-4147-A177-3AD203B41FA5}">
+                      <a16:colId xmlns:a16="http://schemas.microsoft.com/office/drawing/2014/main" val="2263318508"/>
+                    </a:ext>
+                  </a:extLst>
+                </a:gridCol>
+                <a:gridCol w="10254930">
+                  <a:extLst>
+                    <a:ext uri="{9D8B030D-6E8A-4147-A177-3AD203B41FA5}">
+                      <a16:colId xmlns:a16="http://schemas.microsoft.com/office/drawing/2014/main" val="167102821"/>
+                    </a:ext>
+                  </a:extLst>
+                </a:gridCol>
+              </a:tblGrid>
+              <a:tr h="370840">
+                <a:tc>
+                  <a:txBody>
+                    <a:bodyPr/>
+                    <a:lstStyle/>
+                    <a:p>
+                      <a:r>
+                        <a:rPr lang="en-US" altLang="zh-TW"/>
+                        <a:t>Name</a:t>
+                      </a:r>
+                      <a:endParaRPr lang="zh-TW" altLang="en-US" dirty="0"/>
+                    </a:p>
+                  </a:txBody>
+                  <a:tcPr/>
+                </a:tc>
+                <a:tc>
+                  <a:txBody>
+                    <a:bodyPr/>
+                    <a:lstStyle/>
+                    <a:p>
+                      <a:pPr marL="0" marR="0" lvl="0" indent="0" algn="l" defTabSz="914400" rtl="0" eaLnBrk="1" fontAlgn="auto" latinLnBrk="0" hangingPunct="1">
+                        <a:lnSpc>
+                          <a:spcPct val="100000"/>
+                        </a:lnSpc>
+                        <a:spcBef>
+                          <a:spcPts val="0"/>
+                        </a:spcBef>
+                        <a:spcAft>
+                          <a:spcPts val="0"/>
+                        </a:spcAft>
+                        <a:buClrTx/>
+                        <a:buSzTx/>
+                        <a:buFontTx/>
+                        <a:buNone/>
+                        <a:tabLst/>
+                        <a:defRPr/>
+                      </a:pPr>
+                      <a:r>
+                        <a:rPr lang="en-US" altLang="zh-TW" dirty="0" err="1"/>
+                        <a:t>SD_Transfer_read</a:t>
+                      </a:r>
+                      <a:r>
+                        <a:rPr lang="en-US" altLang="zh-TW" dirty="0"/>
+                        <a:t>()</a:t>
+                      </a:r>
+                      <a:endParaRPr lang="zh-TW" altLang="en-US" dirty="0"/>
+                    </a:p>
+                  </a:txBody>
+                  <a:tcPr/>
+                </a:tc>
+                <a:extLst>
+                  <a:ext uri="{0D108BD9-81ED-4DB2-BD59-A6C34878D82A}">
+                    <a16:rowId xmlns:a16="http://schemas.microsoft.com/office/drawing/2014/main" val="3518750898"/>
+                  </a:ext>
+                </a:extLst>
+              </a:tr>
+              <a:tr h="370840">
+                <a:tc>
+                  <a:txBody>
+                    <a:bodyPr/>
+                    <a:lstStyle/>
+                    <a:p>
+                      <a:r>
+                        <a:rPr lang="en-US" altLang="zh-TW"/>
+                        <a:t>Inputs</a:t>
+                      </a:r>
+                      <a:endParaRPr lang="zh-TW" altLang="en-US" dirty="0"/>
+                    </a:p>
+                  </a:txBody>
+                  <a:tcPr/>
+                </a:tc>
+                <a:tc>
+                  <a:txBody>
+                    <a:bodyPr/>
+                    <a:lstStyle/>
+                    <a:p>
+                      <a:r>
+                        <a:rPr lang="en-US" altLang="zh-TW" dirty="0"/>
+                        <a:t> char *</a:t>
+                      </a:r>
+                      <a:r>
+                        <a:rPr lang="en-US" altLang="zh-TW" dirty="0" err="1"/>
+                        <a:t>FileName</a:t>
+                      </a:r>
+                      <a:r>
+                        <a:rPr lang="en-US" altLang="zh-TW" dirty="0"/>
+                        <a:t>, u32 </a:t>
+                      </a:r>
+                      <a:r>
+                        <a:rPr lang="en-US" altLang="zh-TW" dirty="0" err="1"/>
+                        <a:t>DestinationAddress</a:t>
+                      </a:r>
+                      <a:r>
+                        <a:rPr lang="en-US" altLang="zh-TW" dirty="0"/>
+                        <a:t>, u32 </a:t>
+                      </a:r>
+                      <a:r>
+                        <a:rPr lang="en-US" altLang="zh-TW" dirty="0" err="1"/>
+                        <a:t>ByteLength</a:t>
+                      </a:r>
+                      <a:endParaRPr lang="en-US" altLang="zh-TW" dirty="0"/>
+                    </a:p>
+                  </a:txBody>
+                  <a:tcPr/>
+                </a:tc>
+                <a:extLst>
+                  <a:ext uri="{0D108BD9-81ED-4DB2-BD59-A6C34878D82A}">
+                    <a16:rowId xmlns:a16="http://schemas.microsoft.com/office/drawing/2014/main" val="3147471230"/>
+                  </a:ext>
+                </a:extLst>
+              </a:tr>
+              <a:tr h="427083">
+                <a:tc>
+                  <a:txBody>
+                    <a:bodyPr/>
+                    <a:lstStyle/>
+                    <a:p>
+                      <a:r>
+                        <a:rPr lang="en-US" altLang="zh-TW"/>
+                        <a:t>Outputs</a:t>
+                      </a:r>
+                      <a:endParaRPr lang="zh-TW" altLang="en-US" dirty="0"/>
+                    </a:p>
+                  </a:txBody>
+                  <a:tcPr/>
+                </a:tc>
+                <a:tc>
+                  <a:txBody>
+                    <a:bodyPr/>
+                    <a:lstStyle/>
+                    <a:p>
+                      <a:r>
+                        <a:rPr lang="en-US" altLang="zh-TW" dirty="0"/>
+                        <a:t> FRESULT </a:t>
+                      </a:r>
+                      <a:r>
+                        <a:rPr lang="en-US" altLang="zh-TW" dirty="0" err="1"/>
+                        <a:t>rc</a:t>
+                      </a:r>
+                      <a:r>
+                        <a:rPr lang="en-US" altLang="zh-TW" dirty="0"/>
+                        <a:t>;</a:t>
+                      </a:r>
+                      <a:endParaRPr lang="zh-TW" altLang="en-US" dirty="0"/>
+                    </a:p>
+                  </a:txBody>
+                  <a:tcPr/>
+                </a:tc>
+                <a:extLst>
+                  <a:ext uri="{0D108BD9-81ED-4DB2-BD59-A6C34878D82A}">
+                    <a16:rowId xmlns:a16="http://schemas.microsoft.com/office/drawing/2014/main" val="2851190552"/>
+                  </a:ext>
+                </a:extLst>
+              </a:tr>
+              <a:tr h="370840">
+                <a:tc>
+                  <a:txBody>
+                    <a:bodyPr/>
+                    <a:lstStyle/>
+                    <a:p>
+                      <a:r>
+                        <a:rPr lang="en-US" altLang="zh-TW" dirty="0"/>
+                        <a:t>Parameters</a:t>
+                      </a:r>
+                      <a:endParaRPr lang="zh-TW" altLang="en-US" dirty="0"/>
+                    </a:p>
+                  </a:txBody>
+                  <a:tcPr/>
+                </a:tc>
+                <a:tc>
+                  <a:txBody>
+                    <a:bodyPr/>
+                    <a:lstStyle/>
+                    <a:p>
+                      <a:r>
+                        <a:rPr lang="en-US" altLang="zh-TW" dirty="0"/>
+                        <a:t>#define </a:t>
+                      </a:r>
+                      <a:r>
+                        <a:rPr lang="en-US" altLang="zh-TW" dirty="0" err="1"/>
+                        <a:t>imageSize</a:t>
+                      </a:r>
+                      <a:r>
+                        <a:rPr lang="en-US" altLang="zh-TW" dirty="0"/>
+                        <a:t> 345600	//720*480</a:t>
+                      </a:r>
+                    </a:p>
+                    <a:p>
+                      <a:r>
+                        <a:rPr lang="en-US" altLang="zh-TW" dirty="0"/>
+                        <a:t> FIL </a:t>
+                      </a:r>
+                      <a:r>
+                        <a:rPr lang="en-US" altLang="zh-TW" dirty="0" err="1"/>
+                        <a:t>fil</a:t>
+                      </a:r>
+                      <a:r>
+                        <a:rPr lang="en-US" altLang="zh-TW" dirty="0"/>
+                        <a:t>;</a:t>
+                      </a:r>
+                    </a:p>
+                    <a:p>
+                      <a:r>
+                        <a:rPr lang="en-US" altLang="zh-TW" dirty="0"/>
+                        <a:t>    FRESULT </a:t>
+                      </a:r>
+                      <a:r>
+                        <a:rPr lang="en-US" altLang="zh-TW" dirty="0" err="1"/>
+                        <a:t>rc</a:t>
+                      </a:r>
+                      <a:r>
+                        <a:rPr lang="en-US" altLang="zh-TW" dirty="0"/>
+                        <a:t>;</a:t>
+                      </a:r>
+                    </a:p>
+                    <a:p>
+                      <a:r>
+                        <a:rPr lang="en-US" altLang="zh-TW" dirty="0"/>
+                        <a:t>    UINT </a:t>
+                      </a:r>
+                      <a:r>
+                        <a:rPr lang="en-US" altLang="zh-TW" dirty="0" err="1"/>
+                        <a:t>br</a:t>
+                      </a:r>
+                      <a:r>
+                        <a:rPr lang="en-US" altLang="zh-TW" dirty="0"/>
+                        <a:t>;</a:t>
+                      </a:r>
+                    </a:p>
+                  </a:txBody>
+                  <a:tcPr/>
+                </a:tc>
+                <a:extLst>
+                  <a:ext uri="{0D108BD9-81ED-4DB2-BD59-A6C34878D82A}">
+                    <a16:rowId xmlns:a16="http://schemas.microsoft.com/office/drawing/2014/main" val="2098244549"/>
+                  </a:ext>
+                </a:extLst>
+              </a:tr>
+              <a:tr h="370840">
+                <a:tc>
+                  <a:txBody>
+                    <a:bodyPr/>
+                    <a:lstStyle/>
+                    <a:p>
+                      <a:r>
+                        <a:rPr lang="en-US" altLang="zh-TW" dirty="0"/>
+                        <a:t>Methods</a:t>
+                      </a:r>
+                      <a:endParaRPr lang="zh-TW" altLang="en-US" dirty="0"/>
+                    </a:p>
+                  </a:txBody>
+                  <a:tcPr/>
+                </a:tc>
+                <a:tc>
+                  <a:txBody>
+                    <a:bodyPr/>
+                    <a:lstStyle/>
+                    <a:p>
+                      <a:r>
+                        <a:rPr lang="en-US" altLang="zh-TW" dirty="0"/>
+                        <a:t> </a:t>
+                      </a:r>
+                      <a:r>
+                        <a:rPr lang="zh-TW" altLang="en-US" dirty="0"/>
+                        <a:t>   </a:t>
+                      </a:r>
+                      <a:r>
+                        <a:rPr lang="en-US" altLang="zh-TW" dirty="0" err="1"/>
+                        <a:t>f_open</a:t>
+                      </a:r>
+                      <a:r>
+                        <a:rPr lang="en-US" altLang="zh-TW" dirty="0"/>
+                        <a:t>(&amp;fil, </a:t>
+                      </a:r>
+                      <a:r>
+                        <a:rPr lang="en-US" altLang="zh-TW" dirty="0" err="1"/>
+                        <a:t>FileName</a:t>
+                      </a:r>
+                      <a:r>
+                        <a:rPr lang="en-US" altLang="zh-TW" dirty="0"/>
+                        <a:t>, FA_READ);</a:t>
+                      </a:r>
+                    </a:p>
+                    <a:p>
+                      <a:endParaRPr lang="en-US" altLang="zh-TW" dirty="0"/>
+                    </a:p>
+                    <a:p>
+                      <a:r>
+                        <a:rPr lang="en-US" altLang="zh-TW" dirty="0"/>
+                        <a:t>    // Move the file pointer</a:t>
+                      </a:r>
+                    </a:p>
+                    <a:p>
+                      <a:r>
+                        <a:rPr lang="en-US" altLang="zh-TW" dirty="0"/>
+                        <a:t>    </a:t>
+                      </a:r>
+                      <a:r>
+                        <a:rPr lang="en-US" altLang="zh-TW" dirty="0" err="1"/>
+                        <a:t>f_lseek</a:t>
+                      </a:r>
+                      <a:r>
+                        <a:rPr lang="en-US" altLang="zh-TW" dirty="0"/>
+                        <a:t>(&amp;fil, </a:t>
+                      </a:r>
+                      <a:r>
+                        <a:rPr lang="en-US" altLang="zh-TW" dirty="0" err="1"/>
+                        <a:t>file_pointer</a:t>
+                      </a:r>
+                      <a:r>
+                        <a:rPr lang="en-US" altLang="zh-TW" dirty="0"/>
+                        <a:t>);</a:t>
+                      </a:r>
+                    </a:p>
+                    <a:p>
+                      <a:endParaRPr lang="en-US" altLang="zh-TW" dirty="0"/>
+                    </a:p>
+                    <a:p>
+                      <a:r>
+                        <a:rPr lang="en-US" altLang="zh-TW" dirty="0"/>
+                        <a:t>    // Read data from the file</a:t>
+                      </a:r>
+                    </a:p>
+                    <a:p>
+                      <a:r>
+                        <a:rPr lang="en-US" altLang="zh-TW" dirty="0"/>
+                        <a:t>    </a:t>
+                      </a:r>
+                      <a:r>
+                        <a:rPr lang="en-US" altLang="zh-TW" dirty="0" err="1"/>
+                        <a:t>f_read</a:t>
+                      </a:r>
+                      <a:r>
+                        <a:rPr lang="en-US" altLang="zh-TW" dirty="0"/>
+                        <a:t>(&amp;fil, (void *) </a:t>
+                      </a:r>
+                      <a:r>
+                        <a:rPr lang="en-US" altLang="zh-TW" dirty="0" err="1"/>
+                        <a:t>DestinationAddress</a:t>
+                      </a:r>
+                      <a:r>
+                        <a:rPr lang="en-US" altLang="zh-TW" dirty="0"/>
+                        <a:t>, </a:t>
+                      </a:r>
+                      <a:r>
+                        <a:rPr lang="en-US" altLang="zh-TW" dirty="0" err="1"/>
+                        <a:t>ByteLength</a:t>
+                      </a:r>
+                      <a:r>
+                        <a:rPr lang="en-US" altLang="zh-TW" dirty="0"/>
+                        <a:t>, &amp;</a:t>
+                      </a:r>
+                      <a:r>
+                        <a:rPr lang="en-US" altLang="zh-TW" dirty="0" err="1"/>
+                        <a:t>br</a:t>
+                      </a:r>
+                      <a:r>
+                        <a:rPr lang="en-US" altLang="zh-TW" dirty="0"/>
+                        <a:t>);</a:t>
+                      </a:r>
+                    </a:p>
+                    <a:p>
+                      <a:endParaRPr lang="en-US" altLang="zh-TW" dirty="0"/>
+                    </a:p>
+                    <a:p>
+                      <a:r>
+                        <a:rPr lang="en-US" altLang="zh-TW" dirty="0"/>
+                        <a:t>    // Close the file</a:t>
+                      </a:r>
+                    </a:p>
+                    <a:p>
+                      <a:r>
+                        <a:rPr lang="en-US" altLang="zh-TW" dirty="0"/>
+                        <a:t>    </a:t>
+                      </a:r>
+                      <a:r>
+                        <a:rPr lang="en-US" altLang="zh-TW" dirty="0" err="1"/>
+                        <a:t>f_close</a:t>
+                      </a:r>
+                      <a:r>
+                        <a:rPr lang="en-US" altLang="zh-TW" dirty="0"/>
+                        <a:t>(&amp;fil);</a:t>
+                      </a:r>
+                    </a:p>
+                  </a:txBody>
+                  <a:tcPr/>
+                </a:tc>
+                <a:extLst>
+                  <a:ext uri="{0D108BD9-81ED-4DB2-BD59-A6C34878D82A}">
+                    <a16:rowId xmlns:a16="http://schemas.microsoft.com/office/drawing/2014/main" val="441401595"/>
+                  </a:ext>
+                </a:extLst>
+              </a:tr>
+            </a:tbl>
+          </a:graphicData>
+        </a:graphic>
+      </p:graphicFrame>
+    </p:spTree>
+    <p:extLst>
+      <p:ext uri="{BB962C8B-B14F-4D97-AF65-F5344CB8AC3E}">
+        <p14:creationId xmlns:p14="http://schemas.microsoft.com/office/powerpoint/2010/main" val="2917361717"/>
+      </p:ext>
+    </p:extLst>
+  </p:cSld>
+  <p:clrMapOvr>
+    <a:masterClrMapping/>
+  </p:clrMapOvr>
+</p:sld>
+</file>
+
+<file path=ppt/slides/slide16.xml><?xml version="1.0" encoding="utf-8"?>
+<p:sld xmlns:a="http://schemas.openxmlformats.org/drawingml/2006/main" xmlns:r="http://schemas.openxmlformats.org/officeDocument/2006/relationships" xmlns:p="http://schemas.openxmlformats.org/presentationml/2006/main">
+  <p:cSld>
+    <p:spTree>
+      <p:nvGrpSpPr>
+        <p:cNvPr id="1" name=""/>
+        <p:cNvGrpSpPr/>
+        <p:nvPr/>
+      </p:nvGrpSpPr>
+      <p:grpSpPr>
+        <a:xfrm>
+          <a:off x="0" y="0"/>
+          <a:ext cx="0" cy="0"/>
+          <a:chOff x="0" y="0"/>
+          <a:chExt cx="0" cy="0"/>
+        </a:xfrm>
+      </p:grpSpPr>
+      <p:sp>
+        <p:nvSpPr>
+          <p:cNvPr id="3" name="標題 2">
+            <a:extLst>
+              <a:ext uri="{FF2B5EF4-FFF2-40B4-BE49-F238E27FC236}">
+                <a16:creationId xmlns:a16="http://schemas.microsoft.com/office/drawing/2014/main" id="{E9BE527E-3A53-0166-8E6E-232D10C49324}"/>
+              </a:ext>
+            </a:extLst>
+          </p:cNvPr>
+          <p:cNvSpPr>
+            <a:spLocks noGrp="1"/>
+          </p:cNvSpPr>
+          <p:nvPr>
+            <p:ph type="title"/>
+          </p:nvPr>
+        </p:nvSpPr>
+        <p:spPr/>
+        <p:txBody>
+          <a:bodyPr/>
+          <a:lstStyle/>
+          <a:p>
+            <a:r>
+              <a:rPr lang="en-US" altLang="zh-TW" dirty="0"/>
+              <a:t>API-</a:t>
+            </a:r>
+            <a:r>
+              <a:rPr lang="en-US" altLang="zh-TW" dirty="0" err="1"/>
+              <a:t>Zynq_ISR</a:t>
+            </a:r>
+            <a:endParaRPr lang="zh-TW" altLang="en-US" dirty="0"/>
+          </a:p>
+        </p:txBody>
+      </p:sp>
+      <p:graphicFrame>
+        <p:nvGraphicFramePr>
+          <p:cNvPr id="7" name="內容版面配置區 6">
+            <a:extLst>
+              <a:ext uri="{FF2B5EF4-FFF2-40B4-BE49-F238E27FC236}">
+                <a16:creationId xmlns:a16="http://schemas.microsoft.com/office/drawing/2014/main" id="{8997E50A-9F52-CAFB-6D5A-4B87BCF2A413}"/>
+              </a:ext>
+            </a:extLst>
+          </p:cNvPr>
+          <p:cNvGraphicFramePr>
+            <a:graphicFrameLocks noGrp="1"/>
+          </p:cNvGraphicFramePr>
+          <p:nvPr>
+            <p:ph idx="1"/>
+            <p:extLst>
+              <p:ext uri="{D42A27DB-BD31-4B8C-83A1-F6EECF244321}">
+                <p14:modId xmlns:p14="http://schemas.microsoft.com/office/powerpoint/2010/main" val="3595318164"/>
+              </p:ext>
+            </p:extLst>
+          </p:nvPr>
+        </p:nvGraphicFramePr>
+        <p:xfrm>
+          <a:off x="-228600" y="1411877"/>
+          <a:ext cx="13354050" cy="2667000"/>
+        </p:xfrm>
+        <a:graphic>
+          <a:graphicData uri="http://schemas.openxmlformats.org/drawingml/2006/table">
+            <a:tbl>
+              <a:tblPr firstRow="1" bandRow="1">
+                <a:tableStyleId>{5C22544A-7EE6-4342-B048-85BDC9FD1C3A}</a:tableStyleId>
+              </a:tblPr>
+              <a:tblGrid>
+                <a:gridCol w="1530520">
+                  <a:extLst>
+                    <a:ext uri="{9D8B030D-6E8A-4147-A177-3AD203B41FA5}">
+                      <a16:colId xmlns:a16="http://schemas.microsoft.com/office/drawing/2014/main" val="2263318508"/>
+                    </a:ext>
+                  </a:extLst>
+                </a:gridCol>
+                <a:gridCol w="11823530">
+                  <a:extLst>
+                    <a:ext uri="{9D8B030D-6E8A-4147-A177-3AD203B41FA5}">
+                      <a16:colId xmlns:a16="http://schemas.microsoft.com/office/drawing/2014/main" val="167102821"/>
+                    </a:ext>
+                  </a:extLst>
+                </a:gridCol>
+              </a:tblGrid>
+              <a:tr h="370840">
+                <a:tc>
+                  <a:txBody>
+                    <a:bodyPr/>
+                    <a:lstStyle/>
+                    <a:p>
+                      <a:r>
+                        <a:rPr lang="en-US" altLang="zh-TW"/>
+                        <a:t>Name</a:t>
+                      </a:r>
+                      <a:endParaRPr lang="zh-TW" altLang="en-US" dirty="0"/>
+                    </a:p>
+                  </a:txBody>
+                  <a:tcPr/>
+                </a:tc>
+                <a:tc>
+                  <a:txBody>
+                    <a:bodyPr/>
+                    <a:lstStyle/>
+                    <a:p>
+                      <a:pPr marL="0" marR="0" lvl="0" indent="0" algn="l" defTabSz="914400" rtl="0" eaLnBrk="1" fontAlgn="auto" latinLnBrk="0" hangingPunct="1">
+                        <a:lnSpc>
+                          <a:spcPct val="100000"/>
+                        </a:lnSpc>
+                        <a:spcBef>
+                          <a:spcPts val="0"/>
+                        </a:spcBef>
+                        <a:spcAft>
+                          <a:spcPts val="0"/>
+                        </a:spcAft>
+                        <a:buClrTx/>
+                        <a:buSzTx/>
+                        <a:buFontTx/>
+                        <a:buNone/>
+                        <a:tabLst/>
+                        <a:defRPr/>
+                      </a:pPr>
+                      <a:r>
+                        <a:rPr lang="en-US" altLang="zh-TW" dirty="0" err="1"/>
+                        <a:t>imageProcISR</a:t>
+                      </a:r>
+                      <a:r>
+                        <a:rPr lang="en-US" altLang="zh-TW" dirty="0"/>
+                        <a:t>(</a:t>
+                      </a:r>
+                      <a:r>
+                        <a:rPr lang="zh-TW" altLang="en-US" dirty="0"/>
+                        <a:t> </a:t>
+                      </a:r>
+                      <a:r>
+                        <a:rPr lang="en-US" altLang="zh-TW" dirty="0"/>
+                        <a:t>) </a:t>
+                      </a:r>
+                      <a:endParaRPr lang="zh-TW" altLang="en-US" dirty="0"/>
+                    </a:p>
+                  </a:txBody>
+                  <a:tcPr/>
+                </a:tc>
+                <a:extLst>
+                  <a:ext uri="{0D108BD9-81ED-4DB2-BD59-A6C34878D82A}">
+                    <a16:rowId xmlns:a16="http://schemas.microsoft.com/office/drawing/2014/main" val="3518750898"/>
+                  </a:ext>
+                </a:extLst>
+              </a:tr>
+              <a:tr h="370840">
+                <a:tc>
+                  <a:txBody>
+                    <a:bodyPr/>
+                    <a:lstStyle/>
+                    <a:p>
+                      <a:r>
+                        <a:rPr lang="en-US" altLang="zh-TW"/>
+                        <a:t>Inputs</a:t>
+                      </a:r>
+                      <a:endParaRPr lang="zh-TW" altLang="en-US" dirty="0"/>
+                    </a:p>
+                  </a:txBody>
+                  <a:tcPr/>
+                </a:tc>
+                <a:tc>
+                  <a:txBody>
+                    <a:bodyPr/>
+                    <a:lstStyle/>
+                    <a:p>
+                      <a:r>
+                        <a:rPr lang="en-US" altLang="zh-TW" dirty="0"/>
+                        <a:t> </a:t>
+                      </a:r>
+                      <a:r>
+                        <a:rPr lang="en-US" altLang="zh-TW" dirty="0" err="1"/>
+                        <a:t>XAxiDma</a:t>
+                      </a:r>
+                      <a:r>
+                        <a:rPr lang="en-US" altLang="zh-TW" dirty="0"/>
+                        <a:t> *</a:t>
+                      </a:r>
+                      <a:r>
+                        <a:rPr lang="en-US" altLang="zh-TW" dirty="0" err="1"/>
+                        <a:t>CallBackRef</a:t>
+                      </a:r>
+                      <a:r>
+                        <a:rPr lang="en-US" altLang="zh-TW" dirty="0"/>
+                        <a:t>, //</a:t>
+                      </a:r>
+                    </a:p>
+                    <a:p>
+                      <a:r>
+                        <a:rPr lang="en-US" altLang="zh-TW" dirty="0"/>
+                        <a:t>(u32*)&amp;</a:t>
+                      </a:r>
+                      <a:r>
+                        <a:rPr lang="en-US" altLang="zh-TW" dirty="0" err="1"/>
+                        <a:t>RX_buf_ptr</a:t>
+                      </a:r>
+                      <a:endParaRPr lang="en-US" altLang="zh-TW" dirty="0"/>
+                    </a:p>
+                    <a:p>
+                      <a:pPr marL="0" marR="0" lvl="0" indent="0" algn="l" defTabSz="914400" rtl="0" eaLnBrk="1" fontAlgn="auto" latinLnBrk="0" hangingPunct="1">
+                        <a:lnSpc>
+                          <a:spcPct val="100000"/>
+                        </a:lnSpc>
+                        <a:spcBef>
+                          <a:spcPts val="0"/>
+                        </a:spcBef>
+                        <a:spcAft>
+                          <a:spcPts val="0"/>
+                        </a:spcAft>
+                        <a:buClrTx/>
+                        <a:buSzTx/>
+                        <a:buFontTx/>
+                        <a:buNone/>
+                        <a:tabLst/>
+                        <a:defRPr/>
+                      </a:pPr>
+                      <a:r>
+                        <a:rPr lang="en-US" altLang="zh-TW" dirty="0"/>
+                        <a:t>U32</a:t>
+                      </a:r>
+                      <a:r>
+                        <a:rPr lang="zh-TW" altLang="en-US" dirty="0"/>
+                        <a:t>*</a:t>
+                      </a:r>
+                      <a:r>
+                        <a:rPr lang="en-US" altLang="zh-TW" dirty="0"/>
+                        <a:t> row</a:t>
+                      </a:r>
+                    </a:p>
+                  </a:txBody>
+                  <a:tcPr/>
+                </a:tc>
+                <a:extLst>
+                  <a:ext uri="{0D108BD9-81ED-4DB2-BD59-A6C34878D82A}">
+                    <a16:rowId xmlns:a16="http://schemas.microsoft.com/office/drawing/2014/main" val="3147471230"/>
+                  </a:ext>
+                </a:extLst>
+              </a:tr>
+              <a:tr h="370840">
+                <a:tc>
+                  <a:txBody>
+                    <a:bodyPr/>
+                    <a:lstStyle/>
+                    <a:p>
+                      <a:r>
+                        <a:rPr lang="en-US" altLang="zh-TW" dirty="0"/>
+                        <a:t>Outputs</a:t>
+                      </a:r>
+                      <a:endParaRPr lang="zh-TW" altLang="en-US" dirty="0"/>
+                    </a:p>
+                  </a:txBody>
+                  <a:tcPr/>
+                </a:tc>
+                <a:tc>
+                  <a:txBody>
+                    <a:bodyPr/>
+                    <a:lstStyle/>
+                    <a:p>
+                      <a:r>
+                        <a:rPr lang="en-US" altLang="zh-TW" dirty="0"/>
+                        <a:t>bool </a:t>
+                      </a:r>
+                      <a:r>
+                        <a:rPr lang="en-US" altLang="zh-TW" dirty="0" err="1"/>
+                        <a:t>Rx_done</a:t>
+                      </a:r>
+                      <a:endParaRPr lang="zh-TW" altLang="en-US" dirty="0"/>
+                    </a:p>
+                  </a:txBody>
+                  <a:tcPr/>
+                </a:tc>
+                <a:extLst>
+                  <a:ext uri="{0D108BD9-81ED-4DB2-BD59-A6C34878D82A}">
+                    <a16:rowId xmlns:a16="http://schemas.microsoft.com/office/drawing/2014/main" val="2851190552"/>
+                  </a:ext>
+                </a:extLst>
+              </a:tr>
+              <a:tr h="370840">
+                <a:tc>
+                  <a:txBody>
+                    <a:bodyPr/>
+                    <a:lstStyle/>
+                    <a:p>
+                      <a:r>
+                        <a:rPr lang="en-US" altLang="zh-TW"/>
+                        <a:t>Parameters</a:t>
+                      </a:r>
+                      <a:endParaRPr lang="zh-TW" altLang="en-US" dirty="0"/>
+                    </a:p>
+                  </a:txBody>
+                  <a:tcPr/>
+                </a:tc>
+                <a:tc>
+                  <a:txBody>
+                    <a:bodyPr/>
+                    <a:lstStyle/>
+                    <a:p>
+                      <a:r>
+                        <a:rPr lang="en-US" altLang="zh-TW" dirty="0"/>
+                        <a:t>#define </a:t>
+                      </a:r>
+                      <a:r>
+                        <a:rPr lang="en-US" altLang="zh-TW" dirty="0" err="1"/>
+                        <a:t>RX_length</a:t>
+                      </a:r>
+                      <a:r>
+                        <a:rPr lang="en-US" altLang="zh-TW" dirty="0"/>
+                        <a:t> 720</a:t>
+                      </a:r>
+                      <a:endParaRPr lang="zh-TW" altLang="en-US" dirty="0"/>
+                    </a:p>
+                  </a:txBody>
+                  <a:tcPr/>
+                </a:tc>
+                <a:extLst>
+                  <a:ext uri="{0D108BD9-81ED-4DB2-BD59-A6C34878D82A}">
+                    <a16:rowId xmlns:a16="http://schemas.microsoft.com/office/drawing/2014/main" val="2098244549"/>
+                  </a:ext>
+                </a:extLst>
+              </a:tr>
+              <a:tr h="370840">
+                <a:tc>
+                  <a:txBody>
+                    <a:bodyPr/>
+                    <a:lstStyle/>
+                    <a:p>
+                      <a:r>
+                        <a:rPr lang="en-US" altLang="zh-TW"/>
+                        <a:t>Methods</a:t>
+                      </a:r>
+                      <a:endParaRPr lang="zh-TW" altLang="en-US" dirty="0"/>
+                    </a:p>
+                  </a:txBody>
+                  <a:tcPr/>
+                </a:tc>
+                <a:tc>
+                  <a:txBody>
+                    <a:bodyPr/>
+                    <a:lstStyle/>
+                    <a:p>
+                      <a:r>
+                        <a:rPr lang="en-US" altLang="zh-TW" dirty="0" err="1"/>
+                        <a:t>udp_sendto</a:t>
+                      </a:r>
+                      <a:r>
+                        <a:rPr lang="en-US" altLang="zh-TW" dirty="0"/>
+                        <a:t>(&amp;</a:t>
+                      </a:r>
+                      <a:r>
+                        <a:rPr lang="en-US" altLang="zh-TW" dirty="0" err="1"/>
+                        <a:t>send_pcb</a:t>
+                      </a:r>
+                      <a:r>
+                        <a:rPr lang="en-US" altLang="zh-TW" dirty="0"/>
+                        <a:t>, </a:t>
+                      </a:r>
+                      <a:r>
+                        <a:rPr lang="en-US" altLang="zh-TW" dirty="0" err="1"/>
+                        <a:t>psnd</a:t>
+                      </a:r>
+                      <a:r>
+                        <a:rPr lang="en-US" altLang="zh-TW" dirty="0"/>
+                        <a:t>, &amp;</a:t>
+                      </a:r>
+                      <a:r>
+                        <a:rPr lang="en-US" altLang="zh-TW" dirty="0" err="1"/>
+                        <a:t>RemoteAddr</a:t>
+                      </a:r>
+                      <a:r>
+                        <a:rPr lang="en-US" altLang="zh-TW" dirty="0"/>
+                        <a:t>, </a:t>
+                      </a:r>
+                      <a:r>
+                        <a:rPr lang="en-US" altLang="zh-TW" dirty="0" err="1"/>
+                        <a:t>RemotePort</a:t>
+                      </a:r>
+                      <a:r>
+                        <a:rPr lang="en-US" altLang="zh-TW" dirty="0"/>
+                        <a:t>);   //</a:t>
+                      </a:r>
+                      <a:r>
+                        <a:rPr lang="en-US" altLang="zh-TW" dirty="0" err="1"/>
+                        <a:t>psnd</a:t>
+                      </a:r>
+                      <a:r>
+                        <a:rPr lang="en-US" altLang="zh-TW" dirty="0"/>
+                        <a:t>-&gt;payload = &amp;</a:t>
+                      </a:r>
+                      <a:r>
+                        <a:rPr lang="en-US" altLang="zh-TW" dirty="0" err="1"/>
+                        <a:t>RX_buf</a:t>
+                      </a:r>
+                      <a:r>
+                        <a:rPr lang="en-US" altLang="zh-TW" dirty="0"/>
+                        <a:t>;  //</a:t>
+                      </a:r>
+                      <a:r>
+                        <a:rPr lang="en-US" altLang="zh-TW" dirty="0" err="1"/>
+                        <a:t>RX_buf</a:t>
+                      </a:r>
+                      <a:r>
+                        <a:rPr lang="en-US" altLang="zh-TW" dirty="0"/>
+                        <a:t>[4+720+200]={row, RGB, match pos}</a:t>
+                      </a:r>
+                    </a:p>
+                  </a:txBody>
+                  <a:tcPr/>
+                </a:tc>
+                <a:extLst>
+                  <a:ext uri="{0D108BD9-81ED-4DB2-BD59-A6C34878D82A}">
+                    <a16:rowId xmlns:a16="http://schemas.microsoft.com/office/drawing/2014/main" val="441401595"/>
+                  </a:ext>
+                </a:extLst>
+              </a:tr>
+            </a:tbl>
+          </a:graphicData>
+        </a:graphic>
+      </p:graphicFrame>
+      <p:pic>
+        <p:nvPicPr>
+          <p:cNvPr id="2" name="圖片 1">
+            <a:extLst>
+              <a:ext uri="{FF2B5EF4-FFF2-40B4-BE49-F238E27FC236}">
+                <a16:creationId xmlns:a16="http://schemas.microsoft.com/office/drawing/2014/main" id="{C88E4232-48D9-491E-9035-D95161704233}"/>
+              </a:ext>
+            </a:extLst>
+          </p:cNvPr>
+          <p:cNvPicPr>
+            <a:picLocks noChangeAspect="1"/>
+          </p:cNvPicPr>
+          <p:nvPr/>
+        </p:nvPicPr>
+        <p:blipFill>
+          <a:blip r:embed="rId3"/>
+          <a:stretch>
+            <a:fillRect/>
+          </a:stretch>
+        </p:blipFill>
+        <p:spPr>
+          <a:xfrm>
+            <a:off x="3638502" y="4474923"/>
+            <a:ext cx="9001221" cy="2362677"/>
+          </a:xfrm>
+          <a:prstGeom prst="rect">
+            <a:avLst/>
+          </a:prstGeom>
+        </p:spPr>
+      </p:pic>
+      <p:sp>
+        <p:nvSpPr>
+          <p:cNvPr id="4" name="矩形 3">
+            <a:extLst>
+              <a:ext uri="{FF2B5EF4-FFF2-40B4-BE49-F238E27FC236}">
+                <a16:creationId xmlns:a16="http://schemas.microsoft.com/office/drawing/2014/main" id="{0A99845B-24A3-4A58-B136-971E50ADF311}"/>
+              </a:ext>
+            </a:extLst>
+          </p:cNvPr>
+          <p:cNvSpPr/>
+          <p:nvPr/>
+        </p:nvSpPr>
+        <p:spPr>
+          <a:xfrm>
+            <a:off x="558803" y="6308209"/>
+            <a:ext cx="3232616" cy="369332"/>
+          </a:xfrm>
+          <a:prstGeom prst="rect">
+            <a:avLst/>
+          </a:prstGeom>
+        </p:spPr>
+        <p:txBody>
+          <a:bodyPr wrap="none">
+            <a:spAutoFit/>
+          </a:bodyPr>
+          <a:lstStyle/>
+          <a:p>
+            <a:r>
+              <a:rPr lang="en-US" altLang="zh-TW"/>
+              <a:t>(u8)</a:t>
+            </a:r>
+            <a:r>
+              <a:rPr lang="en-US" altLang="zh-TW" dirty="0" err="1"/>
+              <a:t>RX_buffer</a:t>
+            </a:r>
+            <a:r>
+              <a:rPr lang="zh-TW" altLang="en-US" dirty="0"/>
+              <a:t>切分、</a:t>
+            </a:r>
+            <a:r>
+              <a:rPr lang="en-US" altLang="zh-TW" dirty="0"/>
+              <a:t>PC</a:t>
+            </a:r>
+            <a:r>
+              <a:rPr lang="zh-TW" altLang="en-US" dirty="0"/>
+              <a:t>端收包</a:t>
+            </a:r>
+          </a:p>
+        </p:txBody>
+      </p:sp>
+      <p:sp>
+        <p:nvSpPr>
+          <p:cNvPr id="6" name="矩形 5">
+            <a:extLst>
+              <a:ext uri="{FF2B5EF4-FFF2-40B4-BE49-F238E27FC236}">
+                <a16:creationId xmlns:a16="http://schemas.microsoft.com/office/drawing/2014/main" id="{23AF6A9E-FC7B-49BF-8752-CE5246F884E6}"/>
+              </a:ext>
+            </a:extLst>
+          </p:cNvPr>
+          <p:cNvSpPr/>
+          <p:nvPr/>
+        </p:nvSpPr>
+        <p:spPr>
+          <a:xfrm>
+            <a:off x="10029713" y="3722902"/>
+            <a:ext cx="2738250" cy="369332"/>
+          </a:xfrm>
+          <a:prstGeom prst="rect">
+            <a:avLst/>
+          </a:prstGeom>
+        </p:spPr>
+        <p:txBody>
+          <a:bodyPr wrap="none">
+            <a:spAutoFit/>
+          </a:bodyPr>
+          <a:lstStyle/>
+          <a:p>
+            <a:r>
+              <a:rPr lang="en-US" altLang="zh-TW" dirty="0"/>
+              <a:t>//</a:t>
+            </a:r>
+            <a:r>
+              <a:rPr lang="zh-TW" altLang="en-US" dirty="0"/>
+              <a:t>預估單行的</a:t>
+            </a:r>
+            <a:r>
+              <a:rPr lang="en-US" altLang="zh-TW" dirty="0"/>
+              <a:t>match&lt;200</a:t>
+            </a:r>
+            <a:r>
+              <a:rPr lang="zh-TW" altLang="en-US" dirty="0"/>
+              <a:t>個</a:t>
+            </a:r>
+          </a:p>
+        </p:txBody>
+      </p:sp>
+    </p:spTree>
+    <p:extLst>
+      <p:ext uri="{BB962C8B-B14F-4D97-AF65-F5344CB8AC3E}">
+        <p14:creationId xmlns:p14="http://schemas.microsoft.com/office/powerpoint/2010/main" val="2838752885"/>
+      </p:ext>
+    </p:extLst>
+  </p:cSld>
+  <p:clrMapOvr>
+    <a:masterClrMapping/>
+  </p:clrMapOvr>
+</p:sld>
+</file>
+
+<file path=ppt/slides/slide17.xml><?xml version="1.0" encoding="utf-8"?>
+<p:sld xmlns:a="http://schemas.openxmlformats.org/drawingml/2006/main" xmlns:r="http://schemas.openxmlformats.org/officeDocument/2006/relationships" xmlns:p="http://schemas.openxmlformats.org/presentationml/2006/main">
+  <p:cSld>
+    <p:spTree>
+      <p:nvGrpSpPr>
+        <p:cNvPr id="1" name=""/>
+        <p:cNvGrpSpPr/>
+        <p:nvPr/>
+      </p:nvGrpSpPr>
+      <p:grpSpPr>
+        <a:xfrm>
+          <a:off x="0" y="0"/>
+          <a:ext cx="0" cy="0"/>
+          <a:chOff x="0" y="0"/>
+          <a:chExt cx="0" cy="0"/>
+        </a:xfrm>
+      </p:grpSpPr>
+      <p:sp>
+        <p:nvSpPr>
+          <p:cNvPr id="3" name="標題 2">
+            <a:extLst>
+              <a:ext uri="{FF2B5EF4-FFF2-40B4-BE49-F238E27FC236}">
+                <a16:creationId xmlns:a16="http://schemas.microsoft.com/office/drawing/2014/main" id="{E9BE527E-3A53-0166-8E6E-232D10C49324}"/>
+              </a:ext>
+            </a:extLst>
+          </p:cNvPr>
+          <p:cNvSpPr>
+            <a:spLocks noGrp="1"/>
+          </p:cNvSpPr>
+          <p:nvPr>
+            <p:ph type="title"/>
+          </p:nvPr>
+        </p:nvSpPr>
+        <p:spPr/>
+        <p:txBody>
+          <a:bodyPr/>
+          <a:lstStyle/>
+          <a:p>
+            <a:r>
+              <a:rPr lang="en-US" altLang="zh-TW" dirty="0"/>
+              <a:t>API-PC</a:t>
+            </a:r>
+            <a:r>
+              <a:rPr lang="zh-TW" altLang="en-US" dirty="0"/>
+              <a:t>端</a:t>
+            </a:r>
+          </a:p>
+        </p:txBody>
+      </p:sp>
+      <p:graphicFrame>
+        <p:nvGraphicFramePr>
+          <p:cNvPr id="7" name="內容版面配置區 6">
+            <a:extLst>
+              <a:ext uri="{FF2B5EF4-FFF2-40B4-BE49-F238E27FC236}">
+                <a16:creationId xmlns:a16="http://schemas.microsoft.com/office/drawing/2014/main" id="{8997E50A-9F52-CAFB-6D5A-4B87BCF2A413}"/>
+              </a:ext>
+            </a:extLst>
+          </p:cNvPr>
+          <p:cNvGraphicFramePr>
+            <a:graphicFrameLocks noGrp="1"/>
+          </p:cNvGraphicFramePr>
+          <p:nvPr>
+            <p:ph idx="1"/>
+            <p:extLst>
+              <p:ext uri="{D42A27DB-BD31-4B8C-83A1-F6EECF244321}">
+                <p14:modId xmlns:p14="http://schemas.microsoft.com/office/powerpoint/2010/main" val="4099786144"/>
               </p:ext>
             </p:extLst>
           </p:nvPr>
         </p:nvGraphicFramePr>
         <p:xfrm>
           <a:off x="838200" y="1201738"/>
-          <a:ext cx="10515600" cy="1854200"/>
+          <a:ext cx="10515600" cy="5140960"/>
+        </p:xfrm>
+        <a:graphic>
+          <a:graphicData uri="http://schemas.openxmlformats.org/drawingml/2006/table">
+            <a:tbl>
+              <a:tblPr firstRow="1" bandRow="1">
+                <a:tableStyleId>{5C22544A-7EE6-4342-B048-85BDC9FD1C3A}</a:tableStyleId>
+              </a:tblPr>
+              <a:tblGrid>
+                <a:gridCol w="1205204">
+                  <a:extLst>
+                    <a:ext uri="{9D8B030D-6E8A-4147-A177-3AD203B41FA5}">
+                      <a16:colId xmlns:a16="http://schemas.microsoft.com/office/drawing/2014/main" val="2263318508"/>
+                    </a:ext>
+                  </a:extLst>
+                </a:gridCol>
+                <a:gridCol w="9310396">
+                  <a:extLst>
+                    <a:ext uri="{9D8B030D-6E8A-4147-A177-3AD203B41FA5}">
+                      <a16:colId xmlns:a16="http://schemas.microsoft.com/office/drawing/2014/main" val="167102821"/>
+                    </a:ext>
+                  </a:extLst>
+                </a:gridCol>
+              </a:tblGrid>
+              <a:tr h="370840">
+                <a:tc>
+                  <a:txBody>
+                    <a:bodyPr/>
+                    <a:lstStyle/>
+                    <a:p>
+                      <a:r>
+                        <a:rPr lang="en-US" altLang="zh-TW" dirty="0"/>
+                        <a:t>Name</a:t>
+                      </a:r>
+                      <a:endParaRPr lang="zh-TW" altLang="en-US" dirty="0"/>
+                    </a:p>
+                  </a:txBody>
+                  <a:tcPr/>
+                </a:tc>
+                <a:tc>
+                  <a:txBody>
+                    <a:bodyPr/>
+                    <a:lstStyle/>
+                    <a:p>
+                      <a:r>
+                        <a:rPr lang="en-US" altLang="zh-TW" dirty="0"/>
+                        <a:t>Get /</a:t>
+                      </a:r>
+                      <a:r>
+                        <a:rPr lang="en-US" altLang="zh-TW" dirty="0" err="1"/>
+                        <a:t>get_image</a:t>
+                      </a:r>
+                      <a:r>
+                        <a:rPr lang="en-US" altLang="zh-TW" dirty="0"/>
+                        <a:t>/&lt;frame&gt;</a:t>
+                      </a:r>
+                      <a:endParaRPr lang="zh-TW" altLang="en-US" dirty="0"/>
+                    </a:p>
+                  </a:txBody>
+                  <a:tcPr/>
+                </a:tc>
+                <a:extLst>
+                  <a:ext uri="{0D108BD9-81ED-4DB2-BD59-A6C34878D82A}">
+                    <a16:rowId xmlns:a16="http://schemas.microsoft.com/office/drawing/2014/main" val="3518750898"/>
+                  </a:ext>
+                </a:extLst>
+              </a:tr>
+              <a:tr h="370840">
+                <a:tc>
+                  <a:txBody>
+                    <a:bodyPr/>
+                    <a:lstStyle/>
+                    <a:p>
+                      <a:r>
+                        <a:rPr lang="en-US" altLang="zh-TW" dirty="0"/>
+                        <a:t>Inputs</a:t>
+                      </a:r>
+                      <a:endParaRPr lang="zh-TW" altLang="en-US" dirty="0"/>
+                    </a:p>
+                  </a:txBody>
+                  <a:tcPr/>
+                </a:tc>
+                <a:tc>
+                  <a:txBody>
+                    <a:bodyPr/>
+                    <a:lstStyle/>
+                    <a:p>
+                      <a:r>
+                        <a:rPr lang="en-US" altLang="zh-TW" dirty="0"/>
+                        <a:t>frame:</a:t>
+                      </a:r>
+                      <a:r>
+                        <a:rPr lang="zh-TW" altLang="en-US" dirty="0"/>
+                        <a:t> </a:t>
+                      </a:r>
+                      <a:r>
+                        <a:rPr lang="en-US" altLang="zh-TW" dirty="0"/>
+                        <a:t>(int)</a:t>
+                      </a:r>
+                      <a:r>
+                        <a:rPr lang="zh-TW" altLang="en-US" dirty="0"/>
+                        <a:t>取某一幀的圖片</a:t>
+                      </a:r>
+                    </a:p>
+                  </a:txBody>
+                  <a:tcPr/>
+                </a:tc>
+                <a:extLst>
+                  <a:ext uri="{0D108BD9-81ED-4DB2-BD59-A6C34878D82A}">
+                    <a16:rowId xmlns:a16="http://schemas.microsoft.com/office/drawing/2014/main" val="3147471230"/>
+                  </a:ext>
+                </a:extLst>
+              </a:tr>
+              <a:tr h="370840">
+                <a:tc>
+                  <a:txBody>
+                    <a:bodyPr/>
+                    <a:lstStyle/>
+                    <a:p>
+                      <a:r>
+                        <a:rPr lang="en-US" altLang="zh-TW" dirty="0"/>
+                        <a:t>Outputs</a:t>
+                      </a:r>
+                      <a:endParaRPr lang="zh-TW" altLang="en-US" dirty="0"/>
+                    </a:p>
+                  </a:txBody>
+                  <a:tcPr/>
+                </a:tc>
+                <a:tc>
+                  <a:txBody>
+                    <a:bodyPr/>
+                    <a:lstStyle/>
+                    <a:p>
+                      <a:r>
+                        <a:rPr lang="en-US" altLang="zh-TW" dirty="0" err="1"/>
+                        <a:t>img</a:t>
+                      </a:r>
+                      <a:r>
+                        <a:rPr lang="en-US" altLang="zh-TW" dirty="0"/>
+                        <a:t>: (2-D array 720*480)</a:t>
+                      </a:r>
+                      <a:endParaRPr lang="zh-TW" altLang="en-US" dirty="0"/>
+                    </a:p>
+                  </a:txBody>
+                  <a:tcPr/>
+                </a:tc>
+                <a:extLst>
+                  <a:ext uri="{0D108BD9-81ED-4DB2-BD59-A6C34878D82A}">
+                    <a16:rowId xmlns:a16="http://schemas.microsoft.com/office/drawing/2014/main" val="2851190552"/>
+                  </a:ext>
+                </a:extLst>
+              </a:tr>
+              <a:tr h="370840">
+                <a:tc>
+                  <a:txBody>
+                    <a:bodyPr/>
+                    <a:lstStyle/>
+                    <a:p>
+                      <a:r>
+                        <a:rPr lang="en-US" altLang="zh-TW" dirty="0"/>
+                        <a:t>Parameters</a:t>
+                      </a:r>
+                      <a:endParaRPr lang="zh-TW" altLang="en-US" dirty="0"/>
+                    </a:p>
+                  </a:txBody>
+                  <a:tcPr/>
+                </a:tc>
+                <a:tc>
+                  <a:txBody>
+                    <a:bodyPr/>
+                    <a:lstStyle/>
+                    <a:p>
+                      <a:r>
+                        <a:rPr lang="en-US" altLang="zh-TW" dirty="0"/>
+                        <a:t>None</a:t>
+                      </a:r>
+                      <a:endParaRPr lang="zh-TW" altLang="en-US" dirty="0"/>
+                    </a:p>
+                  </a:txBody>
+                  <a:tcPr/>
+                </a:tc>
+                <a:extLst>
+                  <a:ext uri="{0D108BD9-81ED-4DB2-BD59-A6C34878D82A}">
+                    <a16:rowId xmlns:a16="http://schemas.microsoft.com/office/drawing/2014/main" val="2098244549"/>
+                  </a:ext>
+                </a:extLst>
+              </a:tr>
+              <a:tr h="370840">
+                <a:tc>
+                  <a:txBody>
+                    <a:bodyPr/>
+                    <a:lstStyle/>
+                    <a:p>
+                      <a:r>
+                        <a:rPr lang="en-US" altLang="zh-TW" dirty="0"/>
+                        <a:t>Methods</a:t>
+                      </a:r>
+                      <a:endParaRPr lang="zh-TW" altLang="en-US" dirty="0"/>
+                    </a:p>
+                  </a:txBody>
+                  <a:tcPr/>
+                </a:tc>
+                <a:tc>
+                  <a:txBody>
+                    <a:bodyPr/>
+                    <a:lstStyle/>
+                    <a:p>
+                      <a:r>
+                        <a:rPr lang="zh-TW" altLang="en-US" dirty="0"/>
+                        <a:t>前端網頁向後端要特定幀的圖片，每次回傳一幀</a:t>
+                      </a:r>
+                      <a:endParaRPr lang="en-US" altLang="zh-TW" dirty="0"/>
+                    </a:p>
+                    <a:p>
+                      <a:endParaRPr lang="en-US" altLang="zh-TW" dirty="0"/>
+                    </a:p>
+                    <a:p>
+                      <a:r>
+                        <a:rPr lang="en-US" altLang="zh-TW" dirty="0"/>
+                        <a:t>Browser:</a:t>
+                      </a:r>
+                    </a:p>
+                    <a:p>
+                      <a:r>
+                        <a:rPr lang="en-US" altLang="zh-TW" dirty="0">
+                          <a:hlinkClick r:id="rId2"/>
+                        </a:rPr>
+                        <a:t>http://127.0.0.1:8000/get_image/0</a:t>
+                      </a:r>
+                      <a:endParaRPr lang="en-US" altLang="zh-TW" dirty="0"/>
+                    </a:p>
+                    <a:p>
+                      <a:endParaRPr lang="en-US" altLang="zh-TW" dirty="0"/>
+                    </a:p>
+                    <a:p>
+                      <a:endParaRPr lang="en-US" altLang="zh-TW" dirty="0"/>
+                    </a:p>
+                    <a:p>
+                      <a:endParaRPr lang="en-US" altLang="zh-TW" dirty="0"/>
+                    </a:p>
+                    <a:p>
+                      <a:endParaRPr lang="en-US" altLang="zh-TW" dirty="0"/>
+                    </a:p>
+                    <a:p>
+                      <a:endParaRPr lang="en-US" altLang="zh-TW" dirty="0"/>
+                    </a:p>
+                    <a:p>
+                      <a:endParaRPr lang="en-US" altLang="zh-TW" dirty="0"/>
+                    </a:p>
+                    <a:p>
+                      <a:endParaRPr lang="en-US" altLang="zh-TW" dirty="0"/>
+                    </a:p>
+                    <a:p>
+                      <a:endParaRPr lang="en-US" altLang="zh-TW" dirty="0"/>
+                    </a:p>
+                    <a:p>
+                      <a:endParaRPr lang="zh-TW" altLang="en-US" dirty="0"/>
+                    </a:p>
+                  </a:txBody>
+                  <a:tcPr/>
+                </a:tc>
+                <a:extLst>
+                  <a:ext uri="{0D108BD9-81ED-4DB2-BD59-A6C34878D82A}">
+                    <a16:rowId xmlns:a16="http://schemas.microsoft.com/office/drawing/2014/main" val="441401595"/>
+                  </a:ext>
+                </a:extLst>
+              </a:tr>
+            </a:tbl>
+          </a:graphicData>
+        </a:graphic>
+      </p:graphicFrame>
+      <p:grpSp>
+        <p:nvGrpSpPr>
+          <p:cNvPr id="6" name="群組 5">
+            <a:extLst>
+              <a:ext uri="{FF2B5EF4-FFF2-40B4-BE49-F238E27FC236}">
+                <a16:creationId xmlns:a16="http://schemas.microsoft.com/office/drawing/2014/main" id="{3121D939-1A1A-91FE-641B-679D7A32C6C8}"/>
+              </a:ext>
+            </a:extLst>
+          </p:cNvPr>
+          <p:cNvGrpSpPr/>
+          <p:nvPr/>
+        </p:nvGrpSpPr>
+        <p:grpSpPr>
+          <a:xfrm>
+            <a:off x="5624624" y="3221321"/>
+            <a:ext cx="4278671" cy="2963670"/>
+            <a:chOff x="5932535" y="3132369"/>
+            <a:chExt cx="4278671" cy="2963670"/>
+          </a:xfrm>
+        </p:grpSpPr>
+        <p:pic>
+          <p:nvPicPr>
+            <p:cNvPr id="4" name="圖片 3">
+              <a:extLst>
+                <a:ext uri="{FF2B5EF4-FFF2-40B4-BE49-F238E27FC236}">
+                  <a16:creationId xmlns:a16="http://schemas.microsoft.com/office/drawing/2014/main" id="{2873F690-ABEB-6910-F3C9-9F4DAFB933EB}"/>
+                </a:ext>
+              </a:extLst>
+            </p:cNvPr>
+            <p:cNvPicPr>
+              <a:picLocks noChangeAspect="1"/>
+            </p:cNvPicPr>
+            <p:nvPr/>
+          </p:nvPicPr>
+          <p:blipFill>
+            <a:blip r:embed="rId3">
+              <a:extLst>
+                <a:ext uri="{28A0092B-C50C-407E-A947-70E740481C1C}">
+                  <a14:useLocalDpi xmlns:a14="http://schemas.microsoft.com/office/drawing/2010/main" val="0"/>
+                </a:ext>
+              </a:extLst>
+            </a:blip>
+            <a:stretch>
+              <a:fillRect/>
+            </a:stretch>
+          </p:blipFill>
+          <p:spPr>
+            <a:xfrm rot="16200000">
+              <a:off x="6804442" y="2689275"/>
+              <a:ext cx="2555073" cy="4258455"/>
+            </a:xfrm>
+            <a:prstGeom prst="rect">
+              <a:avLst/>
+            </a:prstGeom>
+          </p:spPr>
+        </p:pic>
+        <p:sp>
+          <p:nvSpPr>
+            <p:cNvPr id="5" name="文字方塊 4">
+              <a:extLst>
+                <a:ext uri="{FF2B5EF4-FFF2-40B4-BE49-F238E27FC236}">
+                  <a16:creationId xmlns:a16="http://schemas.microsoft.com/office/drawing/2014/main" id="{0A8FDEC4-9F98-6A7F-4604-3F5C6C50D3CD}"/>
+                </a:ext>
+              </a:extLst>
+            </p:cNvPr>
+            <p:cNvSpPr txBox="1"/>
+            <p:nvPr/>
+          </p:nvSpPr>
+          <p:spPr>
+            <a:xfrm>
+              <a:off x="5932535" y="3132369"/>
+              <a:ext cx="877163" cy="369332"/>
+            </a:xfrm>
+            <a:prstGeom prst="rect">
+              <a:avLst/>
+            </a:prstGeom>
+            <a:noFill/>
+          </p:spPr>
+          <p:txBody>
+            <a:bodyPr wrap="none" rtlCol="0">
+              <a:spAutoFit/>
+            </a:bodyPr>
+            <a:lstStyle/>
+            <a:p>
+              <a:r>
+                <a:rPr lang="en-US" altLang="zh-TW" dirty="0"/>
+                <a:t>Return:</a:t>
+              </a:r>
+              <a:endParaRPr lang="zh-TW" altLang="en-US" dirty="0"/>
+            </a:p>
+          </p:txBody>
+        </p:sp>
+      </p:grpSp>
+    </p:spTree>
+    <p:extLst>
+      <p:ext uri="{BB962C8B-B14F-4D97-AF65-F5344CB8AC3E}">
+        <p14:creationId xmlns:p14="http://schemas.microsoft.com/office/powerpoint/2010/main" val="785242874"/>
+      </p:ext>
+    </p:extLst>
+  </p:cSld>
+  <p:clrMapOvr>
+    <a:masterClrMapping/>
+  </p:clrMapOvr>
+</p:sld>
+</file>
+
+<file path=ppt/slides/slide18.xml><?xml version="1.0" encoding="utf-8"?>
+<p:sld xmlns:a="http://schemas.openxmlformats.org/drawingml/2006/main" xmlns:r="http://schemas.openxmlformats.org/officeDocument/2006/relationships" xmlns:p="http://schemas.openxmlformats.org/presentationml/2006/main">
+  <p:cSld>
+    <p:spTree>
+      <p:nvGrpSpPr>
+        <p:cNvPr id="1" name=""/>
+        <p:cNvGrpSpPr/>
+        <p:nvPr/>
+      </p:nvGrpSpPr>
+      <p:grpSpPr>
+        <a:xfrm>
+          <a:off x="0" y="0"/>
+          <a:ext cx="0" cy="0"/>
+          <a:chOff x="0" y="0"/>
+          <a:chExt cx="0" cy="0"/>
+        </a:xfrm>
+      </p:grpSpPr>
+      <p:sp>
+        <p:nvSpPr>
+          <p:cNvPr id="3" name="標題 2">
+            <a:extLst>
+              <a:ext uri="{FF2B5EF4-FFF2-40B4-BE49-F238E27FC236}">
+                <a16:creationId xmlns:a16="http://schemas.microsoft.com/office/drawing/2014/main" id="{E9BE527E-3A53-0166-8E6E-232D10C49324}"/>
+              </a:ext>
+            </a:extLst>
+          </p:cNvPr>
+          <p:cNvSpPr>
+            <a:spLocks noGrp="1"/>
+          </p:cNvSpPr>
+          <p:nvPr>
+            <p:ph type="title"/>
+          </p:nvPr>
+        </p:nvSpPr>
+        <p:spPr/>
+        <p:txBody>
+          <a:bodyPr/>
+          <a:lstStyle/>
+          <a:p>
+            <a:r>
+              <a:rPr lang="en-US" altLang="zh-TW" dirty="0"/>
+              <a:t>API-PC</a:t>
+            </a:r>
+            <a:r>
+              <a:rPr lang="zh-TW" altLang="en-US" dirty="0"/>
+              <a:t>端</a:t>
+            </a:r>
+          </a:p>
+        </p:txBody>
+      </p:sp>
+      <p:graphicFrame>
+        <p:nvGraphicFramePr>
+          <p:cNvPr id="7" name="內容版面配置區 6">
+            <a:extLst>
+              <a:ext uri="{FF2B5EF4-FFF2-40B4-BE49-F238E27FC236}">
+                <a16:creationId xmlns:a16="http://schemas.microsoft.com/office/drawing/2014/main" id="{8997E50A-9F52-CAFB-6D5A-4B87BCF2A413}"/>
+              </a:ext>
+            </a:extLst>
+          </p:cNvPr>
+          <p:cNvGraphicFramePr>
+            <a:graphicFrameLocks noGrp="1"/>
+          </p:cNvGraphicFramePr>
+          <p:nvPr>
+            <p:ph idx="1"/>
+            <p:extLst>
+              <p:ext uri="{D42A27DB-BD31-4B8C-83A1-F6EECF244321}">
+                <p14:modId xmlns:p14="http://schemas.microsoft.com/office/powerpoint/2010/main" val="2325401518"/>
+              </p:ext>
+            </p:extLst>
+          </p:nvPr>
+        </p:nvGraphicFramePr>
+        <p:xfrm>
+          <a:off x="838200" y="1201738"/>
+          <a:ext cx="10515600" cy="5140960"/>
         </p:xfrm>
         <a:graphic>
           <a:graphicData uri="http://schemas.openxmlformats.org/drawingml/2006/table">
@@ -5701,8 +8441,258 @@
                       </a:pPr>
                       <a:r>
                         <a:rPr lang="zh-TW" altLang="en-US" dirty="0"/>
-                        <a:t>前端網頁向後端要特定幀的結果</a:t>
-                      </a:r>
+                        <a:t>前端網頁向後端要特定幀的結果，每次回傳該幀的結果</a:t>
+                      </a:r>
+                      <a:endParaRPr lang="en-US" altLang="zh-TW" dirty="0"/>
+                    </a:p>
+                    <a:p>
+                      <a:pPr marL="0" marR="0" lvl="0" indent="0" algn="l" defTabSz="914400" rtl="0" eaLnBrk="1" fontAlgn="auto" latinLnBrk="0" hangingPunct="1">
+                        <a:lnSpc>
+                          <a:spcPct val="100000"/>
+                        </a:lnSpc>
+                        <a:spcBef>
+                          <a:spcPts val="0"/>
+                        </a:spcBef>
+                        <a:spcAft>
+                          <a:spcPts val="0"/>
+                        </a:spcAft>
+                        <a:buClrTx/>
+                        <a:buSzTx/>
+                        <a:buFontTx/>
+                        <a:buNone/>
+                        <a:tabLst/>
+                        <a:defRPr/>
+                      </a:pPr>
+                      <a:endParaRPr lang="en-US" altLang="zh-TW" dirty="0"/>
+                    </a:p>
+                    <a:p>
+                      <a:pPr marL="0" marR="0" lvl="0" indent="0" algn="l" defTabSz="914400" rtl="0" eaLnBrk="1" fontAlgn="auto" latinLnBrk="0" hangingPunct="1">
+                        <a:lnSpc>
+                          <a:spcPct val="100000"/>
+                        </a:lnSpc>
+                        <a:spcBef>
+                          <a:spcPts val="0"/>
+                        </a:spcBef>
+                        <a:spcAft>
+                          <a:spcPts val="0"/>
+                        </a:spcAft>
+                        <a:buClrTx/>
+                        <a:buSzTx/>
+                        <a:buFontTx/>
+                        <a:buNone/>
+                        <a:tabLst/>
+                        <a:defRPr/>
+                      </a:pPr>
+                      <a:r>
+                        <a:rPr lang="en-US" altLang="zh-TW" dirty="0"/>
+                        <a:t>Browser:</a:t>
+                      </a:r>
+                    </a:p>
+                    <a:p>
+                      <a:pPr marL="0" marR="0" lvl="0" indent="0" algn="l" defTabSz="914400" rtl="0" eaLnBrk="1" fontAlgn="auto" latinLnBrk="0" hangingPunct="1">
+                        <a:lnSpc>
+                          <a:spcPct val="100000"/>
+                        </a:lnSpc>
+                        <a:spcBef>
+                          <a:spcPts val="0"/>
+                        </a:spcBef>
+                        <a:spcAft>
+                          <a:spcPts val="0"/>
+                        </a:spcAft>
+                        <a:buClrTx/>
+                        <a:buSzTx/>
+                        <a:buFontTx/>
+                        <a:buNone/>
+                        <a:tabLst/>
+                        <a:defRPr/>
+                      </a:pPr>
+                      <a:r>
+                        <a:rPr lang="en-US" altLang="zh-TW" dirty="0">
+                          <a:hlinkClick r:id="rId2"/>
+                        </a:rPr>
+                        <a:t>http://127.0.0.1:8000/get_result/0</a:t>
+                      </a:r>
+                      <a:endParaRPr lang="en-US" altLang="zh-TW" dirty="0"/>
+                    </a:p>
+                    <a:p>
+                      <a:pPr marL="0" marR="0" lvl="0" indent="0" algn="l" defTabSz="914400" rtl="0" eaLnBrk="1" fontAlgn="auto" latinLnBrk="0" hangingPunct="1">
+                        <a:lnSpc>
+                          <a:spcPct val="100000"/>
+                        </a:lnSpc>
+                        <a:spcBef>
+                          <a:spcPts val="0"/>
+                        </a:spcBef>
+                        <a:spcAft>
+                          <a:spcPts val="0"/>
+                        </a:spcAft>
+                        <a:buClrTx/>
+                        <a:buSzTx/>
+                        <a:buFontTx/>
+                        <a:buNone/>
+                        <a:tabLst/>
+                        <a:defRPr/>
+                      </a:pPr>
+                      <a:endParaRPr lang="en-US" altLang="zh-TW" dirty="0"/>
+                    </a:p>
+                    <a:p>
+                      <a:pPr marL="0" marR="0" lvl="0" indent="0" algn="l" defTabSz="914400" rtl="0" eaLnBrk="1" fontAlgn="auto" latinLnBrk="0" hangingPunct="1">
+                        <a:lnSpc>
+                          <a:spcPct val="100000"/>
+                        </a:lnSpc>
+                        <a:spcBef>
+                          <a:spcPts val="0"/>
+                        </a:spcBef>
+                        <a:spcAft>
+                          <a:spcPts val="0"/>
+                        </a:spcAft>
+                        <a:buClrTx/>
+                        <a:buSzTx/>
+                        <a:buFontTx/>
+                        <a:buNone/>
+                        <a:tabLst/>
+                        <a:defRPr/>
+                      </a:pPr>
+                      <a:endParaRPr lang="en-US" altLang="zh-TW" dirty="0"/>
+                    </a:p>
+                    <a:p>
+                      <a:pPr marL="0" marR="0" lvl="0" indent="0" algn="l" defTabSz="914400" rtl="0" eaLnBrk="1" fontAlgn="auto" latinLnBrk="0" hangingPunct="1">
+                        <a:lnSpc>
+                          <a:spcPct val="100000"/>
+                        </a:lnSpc>
+                        <a:spcBef>
+                          <a:spcPts val="0"/>
+                        </a:spcBef>
+                        <a:spcAft>
+                          <a:spcPts val="0"/>
+                        </a:spcAft>
+                        <a:buClrTx/>
+                        <a:buSzTx/>
+                        <a:buFontTx/>
+                        <a:buNone/>
+                        <a:tabLst/>
+                        <a:defRPr/>
+                      </a:pPr>
+                      <a:endParaRPr lang="en-US" altLang="zh-TW" dirty="0"/>
+                    </a:p>
+                    <a:p>
+                      <a:pPr marL="0" marR="0" lvl="0" indent="0" algn="l" defTabSz="914400" rtl="0" eaLnBrk="1" fontAlgn="auto" latinLnBrk="0" hangingPunct="1">
+                        <a:lnSpc>
+                          <a:spcPct val="100000"/>
+                        </a:lnSpc>
+                        <a:spcBef>
+                          <a:spcPts val="0"/>
+                        </a:spcBef>
+                        <a:spcAft>
+                          <a:spcPts val="0"/>
+                        </a:spcAft>
+                        <a:buClrTx/>
+                        <a:buSzTx/>
+                        <a:buFontTx/>
+                        <a:buNone/>
+                        <a:tabLst/>
+                        <a:defRPr/>
+                      </a:pPr>
+                      <a:endParaRPr lang="en-US" altLang="zh-TW" dirty="0"/>
+                    </a:p>
+                    <a:p>
+                      <a:pPr marL="0" marR="0" lvl="0" indent="0" algn="l" defTabSz="914400" rtl="0" eaLnBrk="1" fontAlgn="auto" latinLnBrk="0" hangingPunct="1">
+                        <a:lnSpc>
+                          <a:spcPct val="100000"/>
+                        </a:lnSpc>
+                        <a:spcBef>
+                          <a:spcPts val="0"/>
+                        </a:spcBef>
+                        <a:spcAft>
+                          <a:spcPts val="0"/>
+                        </a:spcAft>
+                        <a:buClrTx/>
+                        <a:buSzTx/>
+                        <a:buFontTx/>
+                        <a:buNone/>
+                        <a:tabLst/>
+                        <a:defRPr/>
+                      </a:pPr>
+                      <a:endParaRPr lang="en-US" altLang="zh-TW" dirty="0"/>
+                    </a:p>
+                    <a:p>
+                      <a:pPr marL="0" marR="0" lvl="0" indent="0" algn="l" defTabSz="914400" rtl="0" eaLnBrk="1" fontAlgn="auto" latinLnBrk="0" hangingPunct="1">
+                        <a:lnSpc>
+                          <a:spcPct val="100000"/>
+                        </a:lnSpc>
+                        <a:spcBef>
+                          <a:spcPts val="0"/>
+                        </a:spcBef>
+                        <a:spcAft>
+                          <a:spcPts val="0"/>
+                        </a:spcAft>
+                        <a:buClrTx/>
+                        <a:buSzTx/>
+                        <a:buFontTx/>
+                        <a:buNone/>
+                        <a:tabLst/>
+                        <a:defRPr/>
+                      </a:pPr>
+                      <a:endParaRPr lang="en-US" altLang="zh-TW" dirty="0"/>
+                    </a:p>
+                    <a:p>
+                      <a:pPr marL="0" marR="0" lvl="0" indent="0" algn="l" defTabSz="914400" rtl="0" eaLnBrk="1" fontAlgn="auto" latinLnBrk="0" hangingPunct="1">
+                        <a:lnSpc>
+                          <a:spcPct val="100000"/>
+                        </a:lnSpc>
+                        <a:spcBef>
+                          <a:spcPts val="0"/>
+                        </a:spcBef>
+                        <a:spcAft>
+                          <a:spcPts val="0"/>
+                        </a:spcAft>
+                        <a:buClrTx/>
+                        <a:buSzTx/>
+                        <a:buFontTx/>
+                        <a:buNone/>
+                        <a:tabLst/>
+                        <a:defRPr/>
+                      </a:pPr>
+                      <a:endParaRPr lang="en-US" altLang="zh-TW" dirty="0"/>
+                    </a:p>
+                    <a:p>
+                      <a:pPr marL="0" marR="0" lvl="0" indent="0" algn="l" defTabSz="914400" rtl="0" eaLnBrk="1" fontAlgn="auto" latinLnBrk="0" hangingPunct="1">
+                        <a:lnSpc>
+                          <a:spcPct val="100000"/>
+                        </a:lnSpc>
+                        <a:spcBef>
+                          <a:spcPts val="0"/>
+                        </a:spcBef>
+                        <a:spcAft>
+                          <a:spcPts val="0"/>
+                        </a:spcAft>
+                        <a:buClrTx/>
+                        <a:buSzTx/>
+                        <a:buFontTx/>
+                        <a:buNone/>
+                        <a:tabLst/>
+                        <a:defRPr/>
+                      </a:pPr>
+                      <a:endParaRPr lang="en-US" altLang="zh-TW" dirty="0"/>
+                    </a:p>
+                    <a:p>
+                      <a:pPr marL="0" marR="0" lvl="0" indent="0" algn="l" defTabSz="914400" rtl="0" eaLnBrk="1" fontAlgn="auto" latinLnBrk="0" hangingPunct="1">
+                        <a:lnSpc>
+                          <a:spcPct val="100000"/>
+                        </a:lnSpc>
+                        <a:spcBef>
+                          <a:spcPts val="0"/>
+                        </a:spcBef>
+                        <a:spcAft>
+                          <a:spcPts val="0"/>
+                        </a:spcAft>
+                        <a:buClrTx/>
+                        <a:buSzTx/>
+                        <a:buFontTx/>
+                        <a:buNone/>
+                        <a:tabLst/>
+                        <a:defRPr/>
+                      </a:pPr>
+                      <a:endParaRPr lang="en-US" altLang="zh-TW" dirty="0"/>
                     </a:p>
                   </a:txBody>
                   <a:tcPr/>
@@ -5717,6 +8707,56 @@
           </a:graphicData>
         </a:graphic>
       </p:graphicFrame>
+      <p:sp>
+        <p:nvSpPr>
+          <p:cNvPr id="2" name="文字方塊 1">
+            <a:extLst>
+              <a:ext uri="{FF2B5EF4-FFF2-40B4-BE49-F238E27FC236}">
+                <a16:creationId xmlns:a16="http://schemas.microsoft.com/office/drawing/2014/main" id="{4007F5EA-0488-6137-4507-1B8E307E9571}"/>
+              </a:ext>
+            </a:extLst>
+          </p:cNvPr>
+          <p:cNvSpPr txBox="1"/>
+          <p:nvPr/>
+        </p:nvSpPr>
+        <p:spPr>
+          <a:xfrm>
+            <a:off x="6096000" y="3293706"/>
+            <a:ext cx="1681807" cy="1200329"/>
+          </a:xfrm>
+          <a:prstGeom prst="rect">
+            <a:avLst/>
+          </a:prstGeom>
+          <a:noFill/>
+        </p:spPr>
+        <p:txBody>
+          <a:bodyPr wrap="none" rtlCol="0">
+            <a:spAutoFit/>
+          </a:bodyPr>
+          <a:lstStyle/>
+          <a:p>
+            <a:r>
+              <a:rPr lang="en-US" altLang="zh-TW" dirty="0"/>
+              <a:t>Return:</a:t>
+            </a:r>
+          </a:p>
+          <a:p>
+            <a:r>
+              <a:rPr lang="en-US" altLang="zh-TW" dirty="0"/>
+              <a:t>Test/test/test</a:t>
+            </a:r>
+          </a:p>
+          <a:p>
+            <a:r>
+              <a:rPr lang="en-US" altLang="zh-TW" dirty="0"/>
+              <a:t>Test2/test2/test2</a:t>
+            </a:r>
+          </a:p>
+          <a:p>
+            <a:endParaRPr lang="en-US" altLang="zh-TW" dirty="0"/>
+          </a:p>
+        </p:txBody>
+      </p:sp>
     </p:spTree>
     <p:extLst>
       <p:ext uri="{BB962C8B-B14F-4D97-AF65-F5344CB8AC3E}">
@@ -5730,7 +8770,7 @@
 </p:sld>
 </file>
 
-<file path=ppt/slides/slide13.xml><?xml version="1.0" encoding="utf-8"?>
+<file path=ppt/slides/slide19.xml><?xml version="1.0" encoding="utf-8"?>
 <p:sld xmlns:a="http://schemas.openxmlformats.org/drawingml/2006/main" xmlns:r="http://schemas.openxmlformats.org/officeDocument/2006/relationships" xmlns:p="http://schemas.openxmlformats.org/presentationml/2006/main">
   <p:cSld>
     <p:spTree>
@@ -5795,14 +8835,14 @@
             <p:ph idx="1"/>
             <p:extLst>
               <p:ext uri="{D42A27DB-BD31-4B8C-83A1-F6EECF244321}">
-                <p14:modId xmlns:p14="http://schemas.microsoft.com/office/powerpoint/2010/main" val="486267188"/>
+                <p14:modId xmlns:p14="http://schemas.microsoft.com/office/powerpoint/2010/main" val="2449786301"/>
               </p:ext>
             </p:extLst>
           </p:nvPr>
         </p:nvGraphicFramePr>
         <p:xfrm>
           <a:off x="838200" y="1201738"/>
-          <a:ext cx="10515600" cy="2123440"/>
+          <a:ext cx="10515600" cy="5410200"/>
         </p:xfrm>
         <a:graphic>
           <a:graphicData uri="http://schemas.openxmlformats.org/drawingml/2006/table">
@@ -5852,7 +8892,7 @@
                       </a:r>
                       <a:r>
                         <a:rPr lang="en-US" altLang="zh-TW" dirty="0"/>
-                        <a:t>(data, </a:t>
+                        <a:t>(</a:t>
                       </a:r>
                       <a:r>
                         <a:rPr lang="en-US" altLang="zh-TW" dirty="0" err="1"/>
@@ -5903,9 +8943,16 @@
                       </a:r>
                       <a:r>
                         <a:rPr lang="en-US" altLang="zh-TW" dirty="0"/>
-                        <a:t>(string)</a:t>
-                      </a:r>
-                      <a:endParaRPr lang="zh-TW" altLang="en-US" dirty="0"/>
+                        <a:t>(string) </a:t>
+                      </a:r>
+                      <a:r>
+                        <a:rPr lang="en-US" altLang="zh-TW" dirty="0" err="1"/>
+                        <a:t>fpga</a:t>
+                      </a:r>
+                      <a:r>
+                        <a:rPr lang="zh-TW" altLang="en-US" dirty="0"/>
+                        <a:t>處理後的圖片或結果</a:t>
+                      </a:r>
                     </a:p>
                   </a:txBody>
                   <a:tcPr/>
@@ -5938,7 +8985,7 @@
                     <a:p>
                       <a:r>
                         <a:rPr lang="en-US" altLang="zh-TW" dirty="0"/>
-                        <a:t>None</a:t>
+                        <a:t>response: (bool) True/False</a:t>
                       </a:r>
                       <a:endParaRPr lang="zh-TW" altLang="en-US" dirty="0"/>
                     </a:p>
@@ -6108,8 +9155,45 @@
                       </a:r>
                       <a:r>
                         <a:rPr lang="zh-TW" altLang="en-US" dirty="0"/>
-                        <a:t>的請求，收到請求後判斷是影像處理後的畫面還是結果</a:t>
-                      </a:r>
+                        <a:t>的請求，收到請求後判斷是圖片還是結果</a:t>
+                      </a:r>
+                      <a:endParaRPr lang="en-US" altLang="zh-TW" dirty="0"/>
+                    </a:p>
+                    <a:p>
+                      <a:endParaRPr lang="en-US" altLang="zh-TW" dirty="0"/>
+                    </a:p>
+                    <a:p>
+                      <a:endParaRPr lang="en-US" altLang="zh-TW" dirty="0"/>
+                    </a:p>
+                    <a:p>
+                      <a:endParaRPr lang="en-US" altLang="zh-TW" dirty="0"/>
+                    </a:p>
+                    <a:p>
+                      <a:endParaRPr lang="en-US" altLang="zh-TW" dirty="0"/>
+                    </a:p>
+                    <a:p>
+                      <a:endParaRPr lang="en-US" altLang="zh-TW" dirty="0"/>
+                    </a:p>
+                    <a:p>
+                      <a:endParaRPr lang="en-US" altLang="zh-TW" dirty="0"/>
+                    </a:p>
+                    <a:p>
+                      <a:endParaRPr lang="en-US" altLang="zh-TW" dirty="0"/>
+                    </a:p>
+                    <a:p>
+                      <a:endParaRPr lang="en-US" altLang="zh-TW" dirty="0"/>
+                    </a:p>
+                    <a:p>
+                      <a:endParaRPr lang="en-US" altLang="zh-TW" dirty="0"/>
+                    </a:p>
+                    <a:p>
+                      <a:endParaRPr lang="en-US" altLang="zh-TW" dirty="0"/>
+                    </a:p>
+                    <a:p>
+                      <a:endParaRPr lang="en-US" altLang="zh-TW" dirty="0"/>
+                    </a:p>
+                    <a:p>
+                      <a:endParaRPr lang="zh-TW" altLang="en-US" dirty="0"/>
                     </a:p>
                   </a:txBody>
                   <a:tcPr/>
@@ -6124,658 +9208,195 @@
           </a:graphicData>
         </a:graphic>
       </p:graphicFrame>
+      <p:grpSp>
+        <p:nvGrpSpPr>
+          <p:cNvPr id="12" name="群組 11">
+            <a:extLst>
+              <a:ext uri="{FF2B5EF4-FFF2-40B4-BE49-F238E27FC236}">
+                <a16:creationId xmlns:a16="http://schemas.microsoft.com/office/drawing/2014/main" id="{53B1CB8D-D97B-718E-05BB-86947E109EB8}"/>
+              </a:ext>
+            </a:extLst>
+          </p:cNvPr>
+          <p:cNvGrpSpPr/>
+          <p:nvPr/>
+        </p:nvGrpSpPr>
+        <p:grpSpPr>
+          <a:xfrm>
+            <a:off x="2160542" y="3710895"/>
+            <a:ext cx="7870915" cy="2038635"/>
+            <a:chOff x="2490475" y="4024663"/>
+            <a:chExt cx="7870915" cy="2038635"/>
+          </a:xfrm>
+        </p:grpSpPr>
+        <p:pic>
+          <p:nvPicPr>
+            <p:cNvPr id="6" name="圖片 5">
+              <a:extLst>
+                <a:ext uri="{FF2B5EF4-FFF2-40B4-BE49-F238E27FC236}">
+                  <a16:creationId xmlns:a16="http://schemas.microsoft.com/office/drawing/2014/main" id="{675EE296-210A-2FE9-878C-3469848FF421}"/>
+                </a:ext>
+              </a:extLst>
+            </p:cNvPr>
+            <p:cNvPicPr>
+              <a:picLocks noChangeAspect="1"/>
+            </p:cNvPicPr>
+            <p:nvPr/>
+          </p:nvPicPr>
+          <p:blipFill>
+            <a:blip r:embed="rId2"/>
+            <a:stretch>
+              <a:fillRect/>
+            </a:stretch>
+          </p:blipFill>
+          <p:spPr>
+            <a:xfrm>
+              <a:off x="2490475" y="4024663"/>
+              <a:ext cx="4467849" cy="1914792"/>
+            </a:xfrm>
+            <a:prstGeom prst="rect">
+              <a:avLst/>
+            </a:prstGeom>
+          </p:spPr>
+        </p:pic>
+        <p:pic>
+          <p:nvPicPr>
+            <p:cNvPr id="9" name="圖片 8">
+              <a:extLst>
+                <a:ext uri="{FF2B5EF4-FFF2-40B4-BE49-F238E27FC236}">
+                  <a16:creationId xmlns:a16="http://schemas.microsoft.com/office/drawing/2014/main" id="{E66611C3-BC6F-F74C-B9BC-4FC9C675A6B8}"/>
+                </a:ext>
+              </a:extLst>
+            </p:cNvPr>
+            <p:cNvPicPr>
+              <a:picLocks noChangeAspect="1"/>
+            </p:cNvPicPr>
+            <p:nvPr/>
+          </p:nvPicPr>
+          <p:blipFill>
+            <a:blip r:embed="rId3"/>
+            <a:stretch>
+              <a:fillRect/>
+            </a:stretch>
+          </p:blipFill>
+          <p:spPr>
+            <a:xfrm>
+              <a:off x="7055754" y="4024663"/>
+              <a:ext cx="3305636" cy="2038635"/>
+            </a:xfrm>
+            <a:prstGeom prst="rect">
+              <a:avLst/>
+            </a:prstGeom>
+          </p:spPr>
+        </p:pic>
+        <p:sp>
+          <p:nvSpPr>
+            <p:cNvPr id="10" name="矩形 9">
+              <a:extLst>
+                <a:ext uri="{FF2B5EF4-FFF2-40B4-BE49-F238E27FC236}">
+                  <a16:creationId xmlns:a16="http://schemas.microsoft.com/office/drawing/2014/main" id="{EE331295-9584-7AA0-8A9D-C2A4BE5696EE}"/>
+                </a:ext>
+              </a:extLst>
+            </p:cNvPr>
+            <p:cNvSpPr/>
+            <p:nvPr/>
+          </p:nvSpPr>
+          <p:spPr>
+            <a:xfrm>
+              <a:off x="2771192" y="4236099"/>
+              <a:ext cx="4187132" cy="475860"/>
+            </a:xfrm>
+            <a:prstGeom prst="rect">
+              <a:avLst/>
+            </a:prstGeom>
+            <a:noFill/>
+            <a:ln w="28575">
+              <a:solidFill>
+                <a:srgbClr val="FF0000"/>
+              </a:solidFill>
+            </a:ln>
+          </p:spPr>
+          <p:style>
+            <a:lnRef idx="2">
+              <a:schemeClr val="accent1">
+                <a:shade val="15000"/>
+              </a:schemeClr>
+            </a:lnRef>
+            <a:fillRef idx="1">
+              <a:schemeClr val="accent1"/>
+            </a:fillRef>
+            <a:effectRef idx="0">
+              <a:schemeClr val="accent1"/>
+            </a:effectRef>
+            <a:fontRef idx="minor">
+              <a:schemeClr val="lt1"/>
+            </a:fontRef>
+          </p:style>
+          <p:txBody>
+            <a:bodyPr rtlCol="0" anchor="ctr"/>
+            <a:lstStyle/>
+            <a:p>
+              <a:pPr algn="ctr"/>
+              <a:endParaRPr lang="zh-TW" altLang="en-US"/>
+            </a:p>
+          </p:txBody>
+        </p:sp>
+        <p:sp>
+          <p:nvSpPr>
+            <p:cNvPr id="11" name="矩形 10">
+              <a:extLst>
+                <a:ext uri="{FF2B5EF4-FFF2-40B4-BE49-F238E27FC236}">
+                  <a16:creationId xmlns:a16="http://schemas.microsoft.com/office/drawing/2014/main" id="{F584BE4B-24A6-D6E6-520D-BF972C33CA08}"/>
+                </a:ext>
+              </a:extLst>
+            </p:cNvPr>
+            <p:cNvSpPr/>
+            <p:nvPr/>
+          </p:nvSpPr>
+          <p:spPr>
+            <a:xfrm>
+              <a:off x="7055754" y="5463595"/>
+              <a:ext cx="2645771" cy="293393"/>
+            </a:xfrm>
+            <a:prstGeom prst="rect">
+              <a:avLst/>
+            </a:prstGeom>
+            <a:noFill/>
+            <a:ln w="28575">
+              <a:solidFill>
+                <a:srgbClr val="FF0000"/>
+              </a:solidFill>
+            </a:ln>
+          </p:spPr>
+          <p:style>
+            <a:lnRef idx="2">
+              <a:schemeClr val="accent1">
+                <a:shade val="15000"/>
+              </a:schemeClr>
+            </a:lnRef>
+            <a:fillRef idx="1">
+              <a:schemeClr val="accent1"/>
+            </a:fillRef>
+            <a:effectRef idx="0">
+              <a:schemeClr val="accent1"/>
+            </a:effectRef>
+            <a:fontRef idx="minor">
+              <a:schemeClr val="lt1"/>
+            </a:fontRef>
+          </p:style>
+          <p:txBody>
+            <a:bodyPr rtlCol="0" anchor="ctr"/>
+            <a:lstStyle/>
+            <a:p>
+              <a:pPr algn="ctr"/>
+              <a:endParaRPr lang="zh-TW" altLang="en-US"/>
+            </a:p>
+          </p:txBody>
+        </p:sp>
+      </p:grpSp>
     </p:spTree>
     <p:extLst>
       <p:ext uri="{BB962C8B-B14F-4D97-AF65-F5344CB8AC3E}">
         <p14:creationId xmlns:p14="http://schemas.microsoft.com/office/powerpoint/2010/main" val="327974749"/>
-      </p:ext>
-    </p:extLst>
-  </p:cSld>
-  <p:clrMapOvr>
-    <a:masterClrMapping/>
-  </p:clrMapOvr>
-</p:sld>
-</file>
-
-<file path=ppt/slides/slide14.xml><?xml version="1.0" encoding="utf-8"?>
-<p:sld xmlns:a="http://schemas.openxmlformats.org/drawingml/2006/main" xmlns:r="http://schemas.openxmlformats.org/officeDocument/2006/relationships" xmlns:p="http://schemas.openxmlformats.org/presentationml/2006/main">
-  <p:cSld>
-    <p:spTree>
-      <p:nvGrpSpPr>
-        <p:cNvPr id="1" name=""/>
-        <p:cNvGrpSpPr/>
-        <p:nvPr/>
-      </p:nvGrpSpPr>
-      <p:grpSpPr>
-        <a:xfrm>
-          <a:off x="0" y="0"/>
-          <a:ext cx="0" cy="0"/>
-          <a:chOff x="0" y="0"/>
-          <a:chExt cx="0" cy="0"/>
-        </a:xfrm>
-      </p:grpSpPr>
-      <p:sp>
-        <p:nvSpPr>
-          <p:cNvPr id="3" name="標題 2">
-            <a:extLst>
-              <a:ext uri="{FF2B5EF4-FFF2-40B4-BE49-F238E27FC236}">
-                <a16:creationId xmlns:a16="http://schemas.microsoft.com/office/drawing/2014/main" id="{E9BE527E-3A53-0166-8E6E-232D10C49324}"/>
-              </a:ext>
-            </a:extLst>
-          </p:cNvPr>
-          <p:cNvSpPr>
-            <a:spLocks noGrp="1"/>
-          </p:cNvSpPr>
-          <p:nvPr>
-            <p:ph type="title"/>
-          </p:nvPr>
-        </p:nvSpPr>
-        <p:spPr/>
-        <p:txBody>
-          <a:bodyPr/>
-          <a:lstStyle/>
-          <a:p>
-            <a:r>
-              <a:rPr lang="en-US" altLang="zh-TW" dirty="0"/>
-              <a:t>API-PC</a:t>
-            </a:r>
-            <a:r>
-              <a:rPr lang="zh-TW" altLang="en-US" dirty="0"/>
-              <a:t>端</a:t>
-            </a:r>
-          </a:p>
-        </p:txBody>
-      </p:sp>
-      <p:graphicFrame>
-        <p:nvGraphicFramePr>
-          <p:cNvPr id="7" name="內容版面配置區 6">
-            <a:extLst>
-              <a:ext uri="{FF2B5EF4-FFF2-40B4-BE49-F238E27FC236}">
-                <a16:creationId xmlns:a16="http://schemas.microsoft.com/office/drawing/2014/main" id="{8997E50A-9F52-CAFB-6D5A-4B87BCF2A413}"/>
-              </a:ext>
-            </a:extLst>
-          </p:cNvPr>
-          <p:cNvGraphicFramePr>
-            <a:graphicFrameLocks noGrp="1"/>
-          </p:cNvGraphicFramePr>
-          <p:nvPr>
-            <p:ph idx="1"/>
-            <p:extLst>
-              <p:ext uri="{D42A27DB-BD31-4B8C-83A1-F6EECF244321}">
-                <p14:modId xmlns:p14="http://schemas.microsoft.com/office/powerpoint/2010/main" val="1108539905"/>
-              </p:ext>
-            </p:extLst>
-          </p:nvPr>
-        </p:nvGraphicFramePr>
-        <p:xfrm>
-          <a:off x="838200" y="1201738"/>
-          <a:ext cx="10515600" cy="1854200"/>
-        </p:xfrm>
-        <a:graphic>
-          <a:graphicData uri="http://schemas.openxmlformats.org/drawingml/2006/table">
-            <a:tbl>
-              <a:tblPr firstRow="1" bandRow="1">
-                <a:tableStyleId>{5C22544A-7EE6-4342-B048-85BDC9FD1C3A}</a:tableStyleId>
-              </a:tblPr>
-              <a:tblGrid>
-                <a:gridCol w="1214535">
-                  <a:extLst>
-                    <a:ext uri="{9D8B030D-6E8A-4147-A177-3AD203B41FA5}">
-                      <a16:colId xmlns:a16="http://schemas.microsoft.com/office/drawing/2014/main" val="2263318508"/>
-                    </a:ext>
-                  </a:extLst>
-                </a:gridCol>
-                <a:gridCol w="9301065">
-                  <a:extLst>
-                    <a:ext uri="{9D8B030D-6E8A-4147-A177-3AD203B41FA5}">
-                      <a16:colId xmlns:a16="http://schemas.microsoft.com/office/drawing/2014/main" val="167102821"/>
-                    </a:ext>
-                  </a:extLst>
-                </a:gridCol>
-              </a:tblGrid>
-              <a:tr h="370840">
-                <a:tc>
-                  <a:txBody>
-                    <a:bodyPr/>
-                    <a:lstStyle/>
-                    <a:p>
-                      <a:r>
-                        <a:rPr lang="en-US" altLang="zh-TW" dirty="0"/>
-                        <a:t>Name</a:t>
-                      </a:r>
-                      <a:endParaRPr lang="zh-TW" altLang="en-US" dirty="0"/>
-                    </a:p>
-                  </a:txBody>
-                  <a:tcPr/>
-                </a:tc>
-                <a:tc>
-                  <a:txBody>
-                    <a:bodyPr/>
-                    <a:lstStyle/>
-                    <a:p>
-                      <a:r>
-                        <a:rPr lang="en-US" altLang="zh-TW" dirty="0" err="1"/>
-                        <a:t>handle_image</a:t>
-                      </a:r>
-                      <a:r>
-                        <a:rPr lang="en-US" altLang="zh-TW" dirty="0"/>
-                        <a:t>(data)</a:t>
-                      </a:r>
-                      <a:endParaRPr lang="zh-TW" altLang="en-US" dirty="0"/>
-                    </a:p>
-                  </a:txBody>
-                  <a:tcPr/>
-                </a:tc>
-                <a:extLst>
-                  <a:ext uri="{0D108BD9-81ED-4DB2-BD59-A6C34878D82A}">
-                    <a16:rowId xmlns:a16="http://schemas.microsoft.com/office/drawing/2014/main" val="3518750898"/>
-                  </a:ext>
-                </a:extLst>
-              </a:tr>
-              <a:tr h="370840">
-                <a:tc>
-                  <a:txBody>
-                    <a:bodyPr/>
-                    <a:lstStyle/>
-                    <a:p>
-                      <a:r>
-                        <a:rPr lang="en-US" altLang="zh-TW" dirty="0"/>
-                        <a:t>Inputs</a:t>
-                      </a:r>
-                      <a:endParaRPr lang="zh-TW" altLang="en-US" dirty="0"/>
-                    </a:p>
-                  </a:txBody>
-                  <a:tcPr/>
-                </a:tc>
-                <a:tc>
-                  <a:txBody>
-                    <a:bodyPr/>
-                    <a:lstStyle/>
-                    <a:p>
-                      <a:r>
-                        <a:rPr lang="en-US" altLang="zh-TW" dirty="0"/>
-                        <a:t>data:</a:t>
-                      </a:r>
-                      <a:r>
-                        <a:rPr lang="zh-TW" altLang="en-US" dirty="0"/>
-                        <a:t> </a:t>
-                      </a:r>
-                      <a:r>
-                        <a:rPr lang="en-US" altLang="zh-TW" dirty="0"/>
-                        <a:t>(string)</a:t>
-                      </a:r>
-                      <a:endParaRPr lang="zh-TW" altLang="en-US" dirty="0"/>
-                    </a:p>
-                  </a:txBody>
-                  <a:tcPr/>
-                </a:tc>
-                <a:extLst>
-                  <a:ext uri="{0D108BD9-81ED-4DB2-BD59-A6C34878D82A}">
-                    <a16:rowId xmlns:a16="http://schemas.microsoft.com/office/drawing/2014/main" val="3147471230"/>
-                  </a:ext>
-                </a:extLst>
-              </a:tr>
-              <a:tr h="370840">
-                <a:tc>
-                  <a:txBody>
-                    <a:bodyPr/>
-                    <a:lstStyle/>
-                    <a:p>
-                      <a:r>
-                        <a:rPr lang="en-US" altLang="zh-TW" dirty="0"/>
-                        <a:t>Outputs</a:t>
-                      </a:r>
-                      <a:endParaRPr lang="zh-TW" altLang="en-US" dirty="0"/>
-                    </a:p>
-                  </a:txBody>
-                  <a:tcPr/>
-                </a:tc>
-                <a:tc>
-                  <a:txBody>
-                    <a:bodyPr/>
-                    <a:lstStyle/>
-                    <a:p>
-                      <a:r>
-                        <a:rPr lang="en-US" altLang="zh-TW" dirty="0"/>
-                        <a:t>Result: (bool) True/False</a:t>
-                      </a:r>
-                      <a:endParaRPr lang="zh-TW" altLang="en-US" dirty="0"/>
-                    </a:p>
-                  </a:txBody>
-                  <a:tcPr/>
-                </a:tc>
-                <a:extLst>
-                  <a:ext uri="{0D108BD9-81ED-4DB2-BD59-A6C34878D82A}">
-                    <a16:rowId xmlns:a16="http://schemas.microsoft.com/office/drawing/2014/main" val="2851190552"/>
-                  </a:ext>
-                </a:extLst>
-              </a:tr>
-              <a:tr h="370840">
-                <a:tc>
-                  <a:txBody>
-                    <a:bodyPr/>
-                    <a:lstStyle/>
-                    <a:p>
-                      <a:r>
-                        <a:rPr lang="en-US" altLang="zh-TW" dirty="0"/>
-                        <a:t>Parameters</a:t>
-                      </a:r>
-                      <a:endParaRPr lang="zh-TW" altLang="en-US" dirty="0"/>
-                    </a:p>
-                  </a:txBody>
-                  <a:tcPr/>
-                </a:tc>
-                <a:tc>
-                  <a:txBody>
-                    <a:bodyPr/>
-                    <a:lstStyle/>
-                    <a:p>
-                      <a:pPr marL="0" marR="0" lvl="0" indent="0" algn="l" defTabSz="914400" rtl="0" eaLnBrk="1" fontAlgn="auto" latinLnBrk="0" hangingPunct="1">
-                        <a:lnSpc>
-                          <a:spcPct val="100000"/>
-                        </a:lnSpc>
-                        <a:spcBef>
-                          <a:spcPts val="0"/>
-                        </a:spcBef>
-                        <a:spcAft>
-                          <a:spcPts val="0"/>
-                        </a:spcAft>
-                        <a:buClrTx/>
-                        <a:buSzTx/>
-                        <a:buFontTx/>
-                        <a:buNone/>
-                        <a:tabLst/>
-                        <a:defRPr/>
-                      </a:pPr>
-                      <a:r>
-                        <a:rPr lang="en-US" altLang="zh-TW" dirty="0"/>
-                        <a:t>None</a:t>
-                      </a:r>
-                      <a:endParaRPr lang="zh-TW" altLang="en-US" dirty="0"/>
-                    </a:p>
-                  </a:txBody>
-                  <a:tcPr/>
-                </a:tc>
-                <a:extLst>
-                  <a:ext uri="{0D108BD9-81ED-4DB2-BD59-A6C34878D82A}">
-                    <a16:rowId xmlns:a16="http://schemas.microsoft.com/office/drawing/2014/main" val="2098244549"/>
-                  </a:ext>
-                </a:extLst>
-              </a:tr>
-              <a:tr h="370840">
-                <a:tc>
-                  <a:txBody>
-                    <a:bodyPr/>
-                    <a:lstStyle/>
-                    <a:p>
-                      <a:r>
-                        <a:rPr lang="en-US" altLang="zh-TW" dirty="0"/>
-                        <a:t>Methods</a:t>
-                      </a:r>
-                      <a:endParaRPr lang="zh-TW" altLang="en-US" dirty="0"/>
-                    </a:p>
-                  </a:txBody>
-                  <a:tcPr/>
-                </a:tc>
-                <a:tc>
-                  <a:txBody>
-                    <a:bodyPr/>
-                    <a:lstStyle/>
-                    <a:p>
-                      <a:r>
-                        <a:rPr lang="zh-TW" altLang="en-US" dirty="0"/>
-                        <a:t>將影像處理過的畫面存到對應的</a:t>
-                      </a:r>
-                      <a:r>
-                        <a:rPr lang="en-US" altLang="zh-TW" dirty="0"/>
-                        <a:t>queue</a:t>
-                      </a:r>
-                      <a:r>
-                        <a:rPr lang="zh-TW" altLang="en-US" dirty="0"/>
-                        <a:t>，並回傳成功與否</a:t>
-                      </a:r>
-                    </a:p>
-                  </a:txBody>
-                  <a:tcPr/>
-                </a:tc>
-                <a:extLst>
-                  <a:ext uri="{0D108BD9-81ED-4DB2-BD59-A6C34878D82A}">
-                    <a16:rowId xmlns:a16="http://schemas.microsoft.com/office/drawing/2014/main" val="441401595"/>
-                  </a:ext>
-                </a:extLst>
-              </a:tr>
-            </a:tbl>
-          </a:graphicData>
-        </a:graphic>
-      </p:graphicFrame>
-    </p:spTree>
-    <p:extLst>
-      <p:ext uri="{BB962C8B-B14F-4D97-AF65-F5344CB8AC3E}">
-        <p14:creationId xmlns:p14="http://schemas.microsoft.com/office/powerpoint/2010/main" val="1893245855"/>
-      </p:ext>
-    </p:extLst>
-  </p:cSld>
-  <p:clrMapOvr>
-    <a:masterClrMapping/>
-  </p:clrMapOvr>
-</p:sld>
-</file>
-
-<file path=ppt/slides/slide15.xml><?xml version="1.0" encoding="utf-8"?>
-<p:sld xmlns:a="http://schemas.openxmlformats.org/drawingml/2006/main" xmlns:r="http://schemas.openxmlformats.org/officeDocument/2006/relationships" xmlns:p="http://schemas.openxmlformats.org/presentationml/2006/main">
-  <p:cSld>
-    <p:spTree>
-      <p:nvGrpSpPr>
-        <p:cNvPr id="1" name=""/>
-        <p:cNvGrpSpPr/>
-        <p:nvPr/>
-      </p:nvGrpSpPr>
-      <p:grpSpPr>
-        <a:xfrm>
-          <a:off x="0" y="0"/>
-          <a:ext cx="0" cy="0"/>
-          <a:chOff x="0" y="0"/>
-          <a:chExt cx="0" cy="0"/>
-        </a:xfrm>
-      </p:grpSpPr>
-      <p:sp>
-        <p:nvSpPr>
-          <p:cNvPr id="3" name="標題 2">
-            <a:extLst>
-              <a:ext uri="{FF2B5EF4-FFF2-40B4-BE49-F238E27FC236}">
-                <a16:creationId xmlns:a16="http://schemas.microsoft.com/office/drawing/2014/main" id="{E9BE527E-3A53-0166-8E6E-232D10C49324}"/>
-              </a:ext>
-            </a:extLst>
-          </p:cNvPr>
-          <p:cNvSpPr>
-            <a:spLocks noGrp="1"/>
-          </p:cNvSpPr>
-          <p:nvPr>
-            <p:ph type="title"/>
-          </p:nvPr>
-        </p:nvSpPr>
-        <p:spPr/>
-        <p:txBody>
-          <a:bodyPr/>
-          <a:lstStyle/>
-          <a:p>
-            <a:r>
-              <a:rPr lang="en-US" altLang="zh-TW" dirty="0"/>
-              <a:t>API-PC</a:t>
-            </a:r>
-            <a:r>
-              <a:rPr lang="zh-TW" altLang="en-US" dirty="0"/>
-              <a:t>端</a:t>
-            </a:r>
-          </a:p>
-        </p:txBody>
-      </p:sp>
-      <p:graphicFrame>
-        <p:nvGraphicFramePr>
-          <p:cNvPr id="7" name="內容版面配置區 6">
-            <a:extLst>
-              <a:ext uri="{FF2B5EF4-FFF2-40B4-BE49-F238E27FC236}">
-                <a16:creationId xmlns:a16="http://schemas.microsoft.com/office/drawing/2014/main" id="{8997E50A-9F52-CAFB-6D5A-4B87BCF2A413}"/>
-              </a:ext>
-            </a:extLst>
-          </p:cNvPr>
-          <p:cNvGraphicFramePr>
-            <a:graphicFrameLocks noGrp="1"/>
-          </p:cNvGraphicFramePr>
-          <p:nvPr>
-            <p:ph idx="1"/>
-            <p:extLst>
-              <p:ext uri="{D42A27DB-BD31-4B8C-83A1-F6EECF244321}">
-                <p14:modId xmlns:p14="http://schemas.microsoft.com/office/powerpoint/2010/main" val="4202550115"/>
-              </p:ext>
-            </p:extLst>
-          </p:nvPr>
-        </p:nvGraphicFramePr>
-        <p:xfrm>
-          <a:off x="838200" y="1201738"/>
-          <a:ext cx="10515600" cy="1854200"/>
-        </p:xfrm>
-        <a:graphic>
-          <a:graphicData uri="http://schemas.openxmlformats.org/drawingml/2006/table">
-            <a:tbl>
-              <a:tblPr firstRow="1" bandRow="1">
-                <a:tableStyleId>{5C22544A-7EE6-4342-B048-85BDC9FD1C3A}</a:tableStyleId>
-              </a:tblPr>
-              <a:tblGrid>
-                <a:gridCol w="1214535">
-                  <a:extLst>
-                    <a:ext uri="{9D8B030D-6E8A-4147-A177-3AD203B41FA5}">
-                      <a16:colId xmlns:a16="http://schemas.microsoft.com/office/drawing/2014/main" val="2263318508"/>
-                    </a:ext>
-                  </a:extLst>
-                </a:gridCol>
-                <a:gridCol w="9301065">
-                  <a:extLst>
-                    <a:ext uri="{9D8B030D-6E8A-4147-A177-3AD203B41FA5}">
-                      <a16:colId xmlns:a16="http://schemas.microsoft.com/office/drawing/2014/main" val="167102821"/>
-                    </a:ext>
-                  </a:extLst>
-                </a:gridCol>
-              </a:tblGrid>
-              <a:tr h="370840">
-                <a:tc>
-                  <a:txBody>
-                    <a:bodyPr/>
-                    <a:lstStyle/>
-                    <a:p>
-                      <a:r>
-                        <a:rPr lang="en-US" altLang="zh-TW" dirty="0"/>
-                        <a:t>Name</a:t>
-                      </a:r>
-                      <a:endParaRPr lang="zh-TW" altLang="en-US" dirty="0"/>
-                    </a:p>
-                  </a:txBody>
-                  <a:tcPr/>
-                </a:tc>
-                <a:tc>
-                  <a:txBody>
-                    <a:bodyPr/>
-                    <a:lstStyle/>
-                    <a:p>
-                      <a:r>
-                        <a:rPr lang="en-US" altLang="zh-TW" dirty="0" err="1"/>
-                        <a:t>handle_result</a:t>
-                      </a:r>
-                      <a:r>
-                        <a:rPr lang="en-US" altLang="zh-TW" dirty="0"/>
-                        <a:t>(data)</a:t>
-                      </a:r>
-                      <a:endParaRPr lang="zh-TW" altLang="en-US" dirty="0"/>
-                    </a:p>
-                  </a:txBody>
-                  <a:tcPr/>
-                </a:tc>
-                <a:extLst>
-                  <a:ext uri="{0D108BD9-81ED-4DB2-BD59-A6C34878D82A}">
-                    <a16:rowId xmlns:a16="http://schemas.microsoft.com/office/drawing/2014/main" val="3518750898"/>
-                  </a:ext>
-                </a:extLst>
-              </a:tr>
-              <a:tr h="370840">
-                <a:tc>
-                  <a:txBody>
-                    <a:bodyPr/>
-                    <a:lstStyle/>
-                    <a:p>
-                      <a:r>
-                        <a:rPr lang="en-US" altLang="zh-TW" dirty="0"/>
-                        <a:t>Inputs</a:t>
-                      </a:r>
-                      <a:endParaRPr lang="zh-TW" altLang="en-US" dirty="0"/>
-                    </a:p>
-                  </a:txBody>
-                  <a:tcPr/>
-                </a:tc>
-                <a:tc>
-                  <a:txBody>
-                    <a:bodyPr/>
-                    <a:lstStyle/>
-                    <a:p>
-                      <a:r>
-                        <a:rPr lang="en-US" altLang="zh-TW" dirty="0"/>
-                        <a:t>data:</a:t>
-                      </a:r>
-                      <a:r>
-                        <a:rPr lang="zh-TW" altLang="en-US" dirty="0"/>
-                        <a:t> </a:t>
-                      </a:r>
-                      <a:r>
-                        <a:rPr lang="en-US" altLang="zh-TW" dirty="0"/>
-                        <a:t>(string)</a:t>
-                      </a:r>
-                      <a:endParaRPr lang="zh-TW" altLang="en-US" dirty="0"/>
-                    </a:p>
-                  </a:txBody>
-                  <a:tcPr/>
-                </a:tc>
-                <a:extLst>
-                  <a:ext uri="{0D108BD9-81ED-4DB2-BD59-A6C34878D82A}">
-                    <a16:rowId xmlns:a16="http://schemas.microsoft.com/office/drawing/2014/main" val="3147471230"/>
-                  </a:ext>
-                </a:extLst>
-              </a:tr>
-              <a:tr h="370840">
-                <a:tc>
-                  <a:txBody>
-                    <a:bodyPr/>
-                    <a:lstStyle/>
-                    <a:p>
-                      <a:r>
-                        <a:rPr lang="en-US" altLang="zh-TW" dirty="0"/>
-                        <a:t>Outputs</a:t>
-                      </a:r>
-                      <a:endParaRPr lang="zh-TW" altLang="en-US" dirty="0"/>
-                    </a:p>
-                  </a:txBody>
-                  <a:tcPr/>
-                </a:tc>
-                <a:tc>
-                  <a:txBody>
-                    <a:bodyPr/>
-                    <a:lstStyle/>
-                    <a:p>
-                      <a:r>
-                        <a:rPr lang="en-US" altLang="zh-TW" dirty="0"/>
-                        <a:t>Result: (bool) True/False</a:t>
-                      </a:r>
-                      <a:endParaRPr lang="zh-TW" altLang="en-US" dirty="0"/>
-                    </a:p>
-                  </a:txBody>
-                  <a:tcPr/>
-                </a:tc>
-                <a:extLst>
-                  <a:ext uri="{0D108BD9-81ED-4DB2-BD59-A6C34878D82A}">
-                    <a16:rowId xmlns:a16="http://schemas.microsoft.com/office/drawing/2014/main" val="2851190552"/>
-                  </a:ext>
-                </a:extLst>
-              </a:tr>
-              <a:tr h="370840">
-                <a:tc>
-                  <a:txBody>
-                    <a:bodyPr/>
-                    <a:lstStyle/>
-                    <a:p>
-                      <a:r>
-                        <a:rPr lang="en-US" altLang="zh-TW" dirty="0"/>
-                        <a:t>Parameters</a:t>
-                      </a:r>
-                      <a:endParaRPr lang="zh-TW" altLang="en-US" dirty="0"/>
-                    </a:p>
-                  </a:txBody>
-                  <a:tcPr/>
-                </a:tc>
-                <a:tc>
-                  <a:txBody>
-                    <a:bodyPr/>
-                    <a:lstStyle/>
-                    <a:p>
-                      <a:pPr marL="0" marR="0" lvl="0" indent="0" algn="l" defTabSz="914400" rtl="0" eaLnBrk="1" fontAlgn="auto" latinLnBrk="0" hangingPunct="1">
-                        <a:lnSpc>
-                          <a:spcPct val="100000"/>
-                        </a:lnSpc>
-                        <a:spcBef>
-                          <a:spcPts val="0"/>
-                        </a:spcBef>
-                        <a:spcAft>
-                          <a:spcPts val="0"/>
-                        </a:spcAft>
-                        <a:buClrTx/>
-                        <a:buSzTx/>
-                        <a:buFontTx/>
-                        <a:buNone/>
-                        <a:tabLst/>
-                        <a:defRPr/>
-                      </a:pPr>
-                      <a:r>
-                        <a:rPr lang="en-US" altLang="zh-TW" dirty="0"/>
-                        <a:t>None</a:t>
-                      </a:r>
-                      <a:endParaRPr lang="zh-TW" altLang="en-US" dirty="0"/>
-                    </a:p>
-                  </a:txBody>
-                  <a:tcPr/>
-                </a:tc>
-                <a:extLst>
-                  <a:ext uri="{0D108BD9-81ED-4DB2-BD59-A6C34878D82A}">
-                    <a16:rowId xmlns:a16="http://schemas.microsoft.com/office/drawing/2014/main" val="2098244549"/>
-                  </a:ext>
-                </a:extLst>
-              </a:tr>
-              <a:tr h="370840">
-                <a:tc>
-                  <a:txBody>
-                    <a:bodyPr/>
-                    <a:lstStyle/>
-                    <a:p>
-                      <a:r>
-                        <a:rPr lang="en-US" altLang="zh-TW" dirty="0"/>
-                        <a:t>Methods</a:t>
-                      </a:r>
-                      <a:endParaRPr lang="zh-TW" altLang="en-US" dirty="0"/>
-                    </a:p>
-                  </a:txBody>
-                  <a:tcPr/>
-                </a:tc>
-                <a:tc>
-                  <a:txBody>
-                    <a:bodyPr/>
-                    <a:lstStyle/>
-                    <a:p>
-                      <a:r>
-                        <a:rPr lang="zh-TW" altLang="en-US" dirty="0"/>
-                        <a:t>將影像處理過的結果存到對應的</a:t>
-                      </a:r>
-                      <a:r>
-                        <a:rPr lang="en-US" altLang="zh-TW" dirty="0"/>
-                        <a:t>queue</a:t>
-                      </a:r>
-                      <a:r>
-                        <a:rPr lang="zh-TW" altLang="en-US" dirty="0"/>
-                        <a:t>，並回傳成功與否</a:t>
-                      </a:r>
-                    </a:p>
-                  </a:txBody>
-                  <a:tcPr/>
-                </a:tc>
-                <a:extLst>
-                  <a:ext uri="{0D108BD9-81ED-4DB2-BD59-A6C34878D82A}">
-                    <a16:rowId xmlns:a16="http://schemas.microsoft.com/office/drawing/2014/main" val="441401595"/>
-                  </a:ext>
-                </a:extLst>
-              </a:tr>
-            </a:tbl>
-          </a:graphicData>
-        </a:graphic>
-      </p:graphicFrame>
-    </p:spTree>
-    <p:extLst>
-      <p:ext uri="{BB962C8B-B14F-4D97-AF65-F5344CB8AC3E}">
-        <p14:creationId xmlns:p14="http://schemas.microsoft.com/office/powerpoint/2010/main" val="3880073728"/>
       </p:ext>
     </p:extLst>
   </p:cSld>
@@ -7355,264 +9976,1279 @@
               <a:t>AXI-stream</a:t>
             </a:r>
           </a:p>
-          <a:p>
-            <a:pPr marL="0" indent="0">
-              <a:buNone/>
-            </a:pPr>
-            <a:r>
-              <a:rPr lang="zh-TW" altLang="en-US" dirty="0"/>
-              <a:t>驗收</a:t>
-            </a:r>
-            <a:r>
-              <a:rPr lang="en-US" altLang="zh-TW" dirty="0"/>
-              <a:t>:</a:t>
-            </a:r>
-          </a:p>
-          <a:p>
-            <a:pPr marL="541800" lvl="1" indent="0">
-              <a:buNone/>
-            </a:pPr>
-            <a:r>
-              <a:rPr lang="zh-TW" altLang="en-US" dirty="0"/>
-              <a:t>驗功能</a:t>
-            </a:r>
-            <a:r>
-              <a:rPr lang="en-US" altLang="zh-TW" dirty="0"/>
-              <a:t>:</a:t>
-            </a:r>
-          </a:p>
-          <a:p>
-            <a:pPr marL="541800" lvl="1" indent="0">
-              <a:buNone/>
-            </a:pPr>
-            <a:r>
-              <a:rPr lang="en-US" altLang="zh-TW" dirty="0"/>
-              <a:t>1.</a:t>
-            </a:r>
-            <a:r>
-              <a:rPr lang="zh-TW" altLang="en-US" dirty="0"/>
-              <a:t> </a:t>
-            </a:r>
-            <a:r>
-              <a:rPr lang="en-US" altLang="zh-TW" dirty="0"/>
-              <a:t>ILA</a:t>
-            </a:r>
-            <a:r>
-              <a:rPr lang="zh-TW" altLang="en-US" dirty="0"/>
-              <a:t>查</a:t>
-            </a:r>
-            <a:r>
-              <a:rPr lang="en-US" altLang="zh-TW" dirty="0"/>
-              <a:t>AXI</a:t>
-            </a:r>
-            <a:r>
-              <a:rPr lang="zh-TW" altLang="en-US" dirty="0"/>
-              <a:t>介面</a:t>
-            </a:r>
-            <a:r>
-              <a:rPr lang="en-US" altLang="zh-TW" dirty="0"/>
-              <a:t>(DMA</a:t>
-            </a:r>
-            <a:r>
-              <a:rPr lang="en-US" altLang="zh-TW" dirty="0">
-                <a:sym typeface="Wingdings" panose="05000000000000000000" pitchFamily="2" charset="2"/>
-              </a:rPr>
-              <a:t>ORB)</a:t>
-            </a:r>
-            <a:endParaRPr lang="en-US" altLang="zh-TW" dirty="0"/>
-          </a:p>
-          <a:p>
-            <a:pPr marL="541800" lvl="1" indent="0">
-              <a:buNone/>
-            </a:pPr>
-            <a:r>
-              <a:rPr lang="en-US" altLang="zh-TW" dirty="0"/>
-              <a:t>2. </a:t>
-            </a:r>
-            <a:r>
-              <a:rPr lang="zh-TW" altLang="en-US" dirty="0"/>
-              <a:t>直接開</a:t>
-            </a:r>
-            <a:r>
-              <a:rPr lang="en-US" altLang="zh-TW" dirty="0"/>
-              <a:t>SDK</a:t>
-            </a:r>
-            <a:r>
-              <a:rPr lang="zh-TW" altLang="en-US" dirty="0"/>
-              <a:t>看結果</a:t>
-            </a:r>
-            <a:r>
-              <a:rPr lang="en-US" altLang="zh-TW" dirty="0"/>
-              <a:t>(PL</a:t>
-            </a:r>
-            <a:r>
-              <a:rPr lang="zh-TW" altLang="en-US" dirty="0"/>
-              <a:t>端中斷、當前幀資料流</a:t>
-            </a:r>
-            <a:r>
-              <a:rPr lang="en-US" altLang="zh-TW" dirty="0"/>
-              <a:t>)</a:t>
-            </a:r>
-            <a:endParaRPr lang="zh-TW" altLang="en-US" dirty="0"/>
-          </a:p>
-          <a:p>
-            <a:pPr marL="541800" lvl="1" indent="0">
-              <a:buNone/>
-            </a:pPr>
-            <a:r>
-              <a:rPr lang="en-US" altLang="zh-TW" dirty="0"/>
-              <a:t>3.</a:t>
-            </a:r>
-            <a:r>
-              <a:rPr lang="zh-TW" altLang="en-US" dirty="0"/>
-              <a:t> </a:t>
-            </a:r>
-            <a:r>
-              <a:rPr lang="en-US" altLang="zh-TW" dirty="0"/>
-              <a:t>PS</a:t>
-            </a:r>
-            <a:r>
-              <a:rPr lang="zh-TW" altLang="en-US" dirty="0"/>
-              <a:t>端用上數器測</a:t>
-            </a:r>
-            <a:r>
-              <a:rPr lang="en-US" altLang="zh-TW" dirty="0"/>
-              <a:t>PC</a:t>
-            </a:r>
-            <a:r>
-              <a:rPr lang="zh-TW" altLang="en-US" dirty="0"/>
-              <a:t>端是否掉封包</a:t>
-            </a:r>
-            <a:endParaRPr lang="en-US" altLang="zh-TW" dirty="0"/>
-          </a:p>
-          <a:p>
-            <a:pPr marL="541800" lvl="1" indent="0">
-              <a:buNone/>
-            </a:pPr>
-            <a:r>
-              <a:rPr lang="en-US" altLang="zh-TW" dirty="0"/>
-              <a:t>4. </a:t>
-            </a:r>
-            <a:r>
-              <a:rPr lang="zh-TW" altLang="en-US" dirty="0"/>
-              <a:t>用網頁看影像結果</a:t>
-            </a:r>
-            <a:r>
-              <a:rPr lang="en-US" altLang="zh-TW" dirty="0"/>
-              <a:t>(RGB444</a:t>
-            </a:r>
-            <a:r>
-              <a:rPr lang="zh-TW" altLang="en-US" dirty="0"/>
-              <a:t>、匹配座標、光流方向</a:t>
-            </a:r>
-            <a:r>
-              <a:rPr lang="en-US" altLang="zh-TW" dirty="0"/>
-              <a:t>)</a:t>
-            </a:r>
-          </a:p>
-          <a:p>
-            <a:pPr marL="541800" lvl="1" indent="0">
-              <a:buNone/>
-            </a:pPr>
-            <a:endParaRPr lang="en-US" altLang="zh-TW" dirty="0"/>
-          </a:p>
-          <a:p>
-            <a:pPr marL="541800" lvl="1" indent="0">
-              <a:buNone/>
-            </a:pPr>
-            <a:r>
-              <a:rPr lang="zh-TW" altLang="en-US" dirty="0"/>
-              <a:t>驗效能</a:t>
-            </a:r>
-            <a:r>
-              <a:rPr lang="en-US" altLang="zh-TW" dirty="0"/>
-              <a:t>:</a:t>
-            </a:r>
-          </a:p>
-          <a:p>
-            <a:pPr marL="884700" lvl="1" indent="-342900">
-              <a:buAutoNum type="arabicPeriod"/>
-            </a:pPr>
-            <a:r>
-              <a:rPr lang="en-US" altLang="zh-TW" dirty="0"/>
-              <a:t>SDK</a:t>
-            </a:r>
-            <a:r>
-              <a:rPr lang="zh-TW" altLang="en-US" dirty="0"/>
-              <a:t>查</a:t>
-            </a:r>
-            <a:r>
-              <a:rPr lang="en-US" altLang="zh-TW" dirty="0"/>
-              <a:t>DMA</a:t>
-            </a:r>
-            <a:r>
-              <a:rPr lang="zh-TW" altLang="en-US" dirty="0"/>
-              <a:t>搬運速度</a:t>
-            </a:r>
-            <a:endParaRPr lang="en-US" altLang="zh-TW" dirty="0"/>
-          </a:p>
-          <a:p>
-            <a:pPr marL="884700" lvl="1" indent="-342900">
-              <a:buAutoNum type="arabicPeriod"/>
-            </a:pPr>
-            <a:r>
-              <a:rPr lang="en-US" altLang="zh-TW" dirty="0"/>
-              <a:t>PC</a:t>
-            </a:r>
-            <a:r>
-              <a:rPr lang="zh-TW" altLang="en-US" dirty="0"/>
-              <a:t>端開工作管理員查</a:t>
-            </a:r>
-            <a:r>
-              <a:rPr lang="en-US" altLang="zh-TW" dirty="0"/>
-              <a:t>UDP socket</a:t>
-            </a:r>
-            <a:r>
-              <a:rPr lang="zh-TW" altLang="en-US" dirty="0"/>
-              <a:t>速度</a:t>
-            </a:r>
-            <a:endParaRPr lang="en-US" altLang="zh-TW" dirty="0"/>
-          </a:p>
-          <a:p>
-            <a:pPr marL="884700" lvl="1" indent="-342900">
-              <a:buAutoNum type="arabicPeriod"/>
-            </a:pPr>
-            <a:r>
-              <a:rPr lang="zh-TW" altLang="en-US" dirty="0"/>
-              <a:t>以軟體</a:t>
-            </a:r>
-            <a:r>
-              <a:rPr lang="en-US" altLang="zh-TW" dirty="0"/>
-              <a:t>(</a:t>
-            </a:r>
-            <a:r>
-              <a:rPr lang="en-US" altLang="zh-TW" dirty="0" err="1"/>
-              <a:t>opencv</a:t>
-            </a:r>
-            <a:r>
-              <a:rPr lang="en-US" altLang="zh-TW" dirty="0"/>
-              <a:t>)</a:t>
-            </a:r>
-            <a:r>
-              <a:rPr lang="zh-TW" altLang="en-US" dirty="0"/>
-              <a:t>為</a:t>
-            </a:r>
-            <a:r>
-              <a:rPr lang="en-US" altLang="zh-TW" dirty="0" err="1"/>
-              <a:t>groundtruth</a:t>
-            </a:r>
-            <a:r>
-              <a:rPr lang="zh-TW" altLang="en-US" dirty="0"/>
-              <a:t>，跟硬體加速做比較</a:t>
-            </a:r>
-            <a:endParaRPr lang="en-US" altLang="zh-TW" dirty="0"/>
-          </a:p>
         </p:txBody>
       </p:sp>
     </p:spTree>
     <p:extLst>
       <p:ext uri="{BB962C8B-B14F-4D97-AF65-F5344CB8AC3E}">
         <p14:creationId xmlns:p14="http://schemas.microsoft.com/office/powerpoint/2010/main" val="2037347992"/>
+      </p:ext>
+    </p:extLst>
+  </p:cSld>
+  <p:clrMapOvr>
+    <a:masterClrMapping/>
+  </p:clrMapOvr>
+</p:sld>
+</file>
+
+<file path=ppt/slides/slide20.xml><?xml version="1.0" encoding="utf-8"?>
+<p:sld xmlns:a="http://schemas.openxmlformats.org/drawingml/2006/main" xmlns:r="http://schemas.openxmlformats.org/officeDocument/2006/relationships" xmlns:p="http://schemas.openxmlformats.org/presentationml/2006/main">
+  <p:cSld>
+    <p:spTree>
+      <p:nvGrpSpPr>
+        <p:cNvPr id="1" name=""/>
+        <p:cNvGrpSpPr/>
+        <p:nvPr/>
+      </p:nvGrpSpPr>
+      <p:grpSpPr>
+        <a:xfrm>
+          <a:off x="0" y="0"/>
+          <a:ext cx="0" cy="0"/>
+          <a:chOff x="0" y="0"/>
+          <a:chExt cx="0" cy="0"/>
+        </a:xfrm>
+      </p:grpSpPr>
+      <p:sp>
+        <p:nvSpPr>
+          <p:cNvPr id="3" name="標題 2">
+            <a:extLst>
+              <a:ext uri="{FF2B5EF4-FFF2-40B4-BE49-F238E27FC236}">
+                <a16:creationId xmlns:a16="http://schemas.microsoft.com/office/drawing/2014/main" id="{E9BE527E-3A53-0166-8E6E-232D10C49324}"/>
+              </a:ext>
+            </a:extLst>
+          </p:cNvPr>
+          <p:cNvSpPr>
+            <a:spLocks noGrp="1"/>
+          </p:cNvSpPr>
+          <p:nvPr>
+            <p:ph type="title"/>
+          </p:nvPr>
+        </p:nvSpPr>
+        <p:spPr/>
+        <p:txBody>
+          <a:bodyPr/>
+          <a:lstStyle/>
+          <a:p>
+            <a:r>
+              <a:rPr lang="en-US" altLang="zh-TW" dirty="0"/>
+              <a:t>API-PC</a:t>
+            </a:r>
+            <a:r>
+              <a:rPr lang="zh-TW" altLang="en-US" dirty="0"/>
+              <a:t>端</a:t>
+            </a:r>
+          </a:p>
+        </p:txBody>
+      </p:sp>
+      <p:graphicFrame>
+        <p:nvGraphicFramePr>
+          <p:cNvPr id="7" name="內容版面配置區 6">
+            <a:extLst>
+              <a:ext uri="{FF2B5EF4-FFF2-40B4-BE49-F238E27FC236}">
+                <a16:creationId xmlns:a16="http://schemas.microsoft.com/office/drawing/2014/main" id="{8997E50A-9F52-CAFB-6D5A-4B87BCF2A413}"/>
+              </a:ext>
+            </a:extLst>
+          </p:cNvPr>
+          <p:cNvGraphicFramePr>
+            <a:graphicFrameLocks noGrp="1"/>
+          </p:cNvGraphicFramePr>
+          <p:nvPr>
+            <p:ph idx="1"/>
+            <p:extLst>
+              <p:ext uri="{D42A27DB-BD31-4B8C-83A1-F6EECF244321}">
+                <p14:modId xmlns:p14="http://schemas.microsoft.com/office/powerpoint/2010/main" val="1801225901"/>
+              </p:ext>
+            </p:extLst>
+          </p:nvPr>
+        </p:nvGraphicFramePr>
+        <p:xfrm>
+          <a:off x="838200" y="1201738"/>
+          <a:ext cx="10515600" cy="5415280"/>
+        </p:xfrm>
+        <a:graphic>
+          <a:graphicData uri="http://schemas.openxmlformats.org/drawingml/2006/table">
+            <a:tbl>
+              <a:tblPr firstRow="1" bandRow="1">
+                <a:tableStyleId>{5C22544A-7EE6-4342-B048-85BDC9FD1C3A}</a:tableStyleId>
+              </a:tblPr>
+              <a:tblGrid>
+                <a:gridCol w="1214535">
+                  <a:extLst>
+                    <a:ext uri="{9D8B030D-6E8A-4147-A177-3AD203B41FA5}">
+                      <a16:colId xmlns:a16="http://schemas.microsoft.com/office/drawing/2014/main" val="2263318508"/>
+                    </a:ext>
+                  </a:extLst>
+                </a:gridCol>
+                <a:gridCol w="9301065">
+                  <a:extLst>
+                    <a:ext uri="{9D8B030D-6E8A-4147-A177-3AD203B41FA5}">
+                      <a16:colId xmlns:a16="http://schemas.microsoft.com/office/drawing/2014/main" val="167102821"/>
+                    </a:ext>
+                  </a:extLst>
+                </a:gridCol>
+              </a:tblGrid>
+              <a:tr h="370840">
+                <a:tc>
+                  <a:txBody>
+                    <a:bodyPr/>
+                    <a:lstStyle/>
+                    <a:p>
+                      <a:r>
+                        <a:rPr lang="en-US" altLang="zh-TW" dirty="0"/>
+                        <a:t>Name</a:t>
+                      </a:r>
+                      <a:endParaRPr lang="zh-TW" altLang="en-US" dirty="0"/>
+                    </a:p>
+                  </a:txBody>
+                  <a:tcPr/>
+                </a:tc>
+                <a:tc>
+                  <a:txBody>
+                    <a:bodyPr/>
+                    <a:lstStyle/>
+                    <a:p>
+                      <a:r>
+                        <a:rPr lang="en-US" altLang="zh-TW" dirty="0" err="1"/>
+                        <a:t>handle_image</a:t>
+                      </a:r>
+                      <a:r>
+                        <a:rPr lang="en-US" altLang="zh-TW" dirty="0"/>
+                        <a:t>(data)</a:t>
+                      </a:r>
+                      <a:endParaRPr lang="zh-TW" altLang="en-US" dirty="0"/>
+                    </a:p>
+                  </a:txBody>
+                  <a:tcPr/>
+                </a:tc>
+                <a:extLst>
+                  <a:ext uri="{0D108BD9-81ED-4DB2-BD59-A6C34878D82A}">
+                    <a16:rowId xmlns:a16="http://schemas.microsoft.com/office/drawing/2014/main" val="3518750898"/>
+                  </a:ext>
+                </a:extLst>
+              </a:tr>
+              <a:tr h="370840">
+                <a:tc>
+                  <a:txBody>
+                    <a:bodyPr/>
+                    <a:lstStyle/>
+                    <a:p>
+                      <a:r>
+                        <a:rPr lang="en-US" altLang="zh-TW" dirty="0"/>
+                        <a:t>Inputs</a:t>
+                      </a:r>
+                      <a:endParaRPr lang="zh-TW" altLang="en-US" dirty="0"/>
+                    </a:p>
+                  </a:txBody>
+                  <a:tcPr/>
+                </a:tc>
+                <a:tc>
+                  <a:txBody>
+                    <a:bodyPr/>
+                    <a:lstStyle/>
+                    <a:p>
+                      <a:r>
+                        <a:rPr lang="en-US" altLang="zh-TW" dirty="0"/>
+                        <a:t>data:</a:t>
+                      </a:r>
+                      <a:r>
+                        <a:rPr lang="zh-TW" altLang="en-US" dirty="0"/>
+                        <a:t> </a:t>
+                      </a:r>
+                      <a:r>
+                        <a:rPr lang="en-US" altLang="zh-TW" dirty="0"/>
+                        <a:t>(string) </a:t>
+                      </a:r>
+                      <a:r>
+                        <a:rPr lang="en-US" altLang="zh-TW" dirty="0" err="1"/>
+                        <a:t>fpga</a:t>
+                      </a:r>
+                      <a:r>
+                        <a:rPr lang="zh-TW" altLang="en-US" dirty="0"/>
+                        <a:t>處理後的圖片</a:t>
+                      </a:r>
+                    </a:p>
+                  </a:txBody>
+                  <a:tcPr/>
+                </a:tc>
+                <a:extLst>
+                  <a:ext uri="{0D108BD9-81ED-4DB2-BD59-A6C34878D82A}">
+                    <a16:rowId xmlns:a16="http://schemas.microsoft.com/office/drawing/2014/main" val="3147471230"/>
+                  </a:ext>
+                </a:extLst>
+              </a:tr>
+              <a:tr h="370840">
+                <a:tc>
+                  <a:txBody>
+                    <a:bodyPr/>
+                    <a:lstStyle/>
+                    <a:p>
+                      <a:r>
+                        <a:rPr lang="en-US" altLang="zh-TW" dirty="0"/>
+                        <a:t>Outputs</a:t>
+                      </a:r>
+                      <a:endParaRPr lang="zh-TW" altLang="en-US" dirty="0"/>
+                    </a:p>
+                  </a:txBody>
+                  <a:tcPr/>
+                </a:tc>
+                <a:tc>
+                  <a:txBody>
+                    <a:bodyPr/>
+                    <a:lstStyle/>
+                    <a:p>
+                      <a:r>
+                        <a:rPr lang="en-US" altLang="zh-TW" dirty="0"/>
+                        <a:t>result: (bool) True/False</a:t>
+                      </a:r>
+                      <a:endParaRPr lang="zh-TW" altLang="en-US" dirty="0"/>
+                    </a:p>
+                  </a:txBody>
+                  <a:tcPr/>
+                </a:tc>
+                <a:extLst>
+                  <a:ext uri="{0D108BD9-81ED-4DB2-BD59-A6C34878D82A}">
+                    <a16:rowId xmlns:a16="http://schemas.microsoft.com/office/drawing/2014/main" val="2851190552"/>
+                  </a:ext>
+                </a:extLst>
+              </a:tr>
+              <a:tr h="370840">
+                <a:tc>
+                  <a:txBody>
+                    <a:bodyPr/>
+                    <a:lstStyle/>
+                    <a:p>
+                      <a:r>
+                        <a:rPr lang="en-US" altLang="zh-TW" dirty="0"/>
+                        <a:t>Parameters</a:t>
+                      </a:r>
+                      <a:endParaRPr lang="zh-TW" altLang="en-US" dirty="0"/>
+                    </a:p>
+                  </a:txBody>
+                  <a:tcPr/>
+                </a:tc>
+                <a:tc>
+                  <a:txBody>
+                    <a:bodyPr/>
+                    <a:lstStyle/>
+                    <a:p>
+                      <a:pPr marL="0" marR="0" lvl="0" indent="0" algn="l" defTabSz="914400" rtl="0" eaLnBrk="1" fontAlgn="auto" latinLnBrk="0" hangingPunct="1">
+                        <a:lnSpc>
+                          <a:spcPct val="100000"/>
+                        </a:lnSpc>
+                        <a:spcBef>
+                          <a:spcPts val="0"/>
+                        </a:spcBef>
+                        <a:spcAft>
+                          <a:spcPts val="0"/>
+                        </a:spcAft>
+                        <a:buClrTx/>
+                        <a:buSzTx/>
+                        <a:buFontTx/>
+                        <a:buNone/>
+                        <a:tabLst/>
+                        <a:defRPr/>
+                      </a:pPr>
+                      <a:r>
+                        <a:rPr lang="en-US" altLang="zh-TW" dirty="0"/>
+                        <a:t>None</a:t>
+                      </a:r>
+                      <a:endParaRPr lang="zh-TW" altLang="en-US" dirty="0"/>
+                    </a:p>
+                  </a:txBody>
+                  <a:tcPr/>
+                </a:tc>
+                <a:extLst>
+                  <a:ext uri="{0D108BD9-81ED-4DB2-BD59-A6C34878D82A}">
+                    <a16:rowId xmlns:a16="http://schemas.microsoft.com/office/drawing/2014/main" val="2098244549"/>
+                  </a:ext>
+                </a:extLst>
+              </a:tr>
+              <a:tr h="370840">
+                <a:tc>
+                  <a:txBody>
+                    <a:bodyPr/>
+                    <a:lstStyle/>
+                    <a:p>
+                      <a:r>
+                        <a:rPr lang="en-US" altLang="zh-TW" dirty="0"/>
+                        <a:t>Methods</a:t>
+                      </a:r>
+                      <a:endParaRPr lang="zh-TW" altLang="en-US" dirty="0"/>
+                    </a:p>
+                  </a:txBody>
+                  <a:tcPr/>
+                </a:tc>
+                <a:tc>
+                  <a:txBody>
+                    <a:bodyPr/>
+                    <a:lstStyle/>
+                    <a:p>
+                      <a:r>
+                        <a:rPr lang="zh-TW" altLang="en-US" dirty="0"/>
+                        <a:t>將影像處理過的圖片存到對應的</a:t>
+                      </a:r>
+                      <a:r>
+                        <a:rPr lang="en-US" altLang="zh-TW" dirty="0"/>
+                        <a:t>queue</a:t>
+                      </a:r>
+                      <a:r>
+                        <a:rPr lang="zh-TW" altLang="en-US" dirty="0"/>
+                        <a:t>，並回傳成功與否</a:t>
+                      </a:r>
+                      <a:endParaRPr lang="en-US" altLang="zh-TW" dirty="0"/>
+                    </a:p>
+                    <a:p>
+                      <a:endParaRPr lang="en-US" altLang="zh-TW" dirty="0"/>
+                    </a:p>
+                    <a:p>
+                      <a:r>
+                        <a:rPr lang="en-US" altLang="zh-TW" dirty="0"/>
+                        <a:t>Python:</a:t>
+                      </a:r>
+                    </a:p>
+                    <a:p>
+                      <a:pPr lvl="1"/>
+                      <a:r>
+                        <a:rPr lang="en-US" altLang="zh-TW" dirty="0"/>
+                        <a:t>image = cv2.imread(“./test/test.png”)</a:t>
+                      </a:r>
+                    </a:p>
+                    <a:p>
+                      <a:pPr lvl="1"/>
+                      <a:endParaRPr lang="en-US" altLang="zh-TW" dirty="0"/>
+                    </a:p>
+                    <a:p>
+                      <a:pPr lvl="1"/>
+                      <a:r>
+                        <a:rPr lang="en-US" altLang="zh-TW" dirty="0"/>
+                        <a:t>result = </a:t>
+                      </a:r>
+                      <a:r>
+                        <a:rPr lang="en-US" altLang="zh-TW" dirty="0" err="1"/>
+                        <a:t>handle_image</a:t>
+                      </a:r>
+                      <a:r>
+                        <a:rPr lang="en-US" altLang="zh-TW" dirty="0"/>
+                        <a:t>(image)</a:t>
+                      </a:r>
+                    </a:p>
+                    <a:p>
+                      <a:pPr lvl="1"/>
+                      <a:r>
+                        <a:rPr lang="en-US" altLang="zh-TW" dirty="0"/>
+                        <a:t>print(result)</a:t>
+                      </a:r>
+                    </a:p>
+                    <a:p>
+                      <a:endParaRPr lang="en-US" altLang="zh-TW" dirty="0"/>
+                    </a:p>
+                    <a:p>
+                      <a:r>
+                        <a:rPr lang="en-US" altLang="zh-TW" dirty="0"/>
+                        <a:t>Return:</a:t>
+                      </a:r>
+                    </a:p>
+                    <a:p>
+                      <a:pPr lvl="1"/>
+                      <a:r>
+                        <a:rPr lang="en-US" altLang="zh-TW" dirty="0"/>
+                        <a:t>True</a:t>
+                      </a:r>
+                    </a:p>
+                    <a:p>
+                      <a:endParaRPr lang="en-US" altLang="zh-TW" dirty="0"/>
+                    </a:p>
+                    <a:p>
+                      <a:endParaRPr lang="en-US" altLang="zh-TW" dirty="0"/>
+                    </a:p>
+                    <a:p>
+                      <a:endParaRPr lang="en-US" altLang="zh-TW" dirty="0"/>
+                    </a:p>
+                    <a:p>
+                      <a:endParaRPr lang="zh-TW" altLang="en-US" dirty="0"/>
+                    </a:p>
+                  </a:txBody>
+                  <a:tcPr/>
+                </a:tc>
+                <a:extLst>
+                  <a:ext uri="{0D108BD9-81ED-4DB2-BD59-A6C34878D82A}">
+                    <a16:rowId xmlns:a16="http://schemas.microsoft.com/office/drawing/2014/main" val="441401595"/>
+                  </a:ext>
+                </a:extLst>
+              </a:tr>
+            </a:tbl>
+          </a:graphicData>
+        </a:graphic>
+      </p:graphicFrame>
+    </p:spTree>
+    <p:extLst>
+      <p:ext uri="{BB962C8B-B14F-4D97-AF65-F5344CB8AC3E}">
+        <p14:creationId xmlns:p14="http://schemas.microsoft.com/office/powerpoint/2010/main" val="1893245855"/>
+      </p:ext>
+    </p:extLst>
+  </p:cSld>
+  <p:clrMapOvr>
+    <a:masterClrMapping/>
+  </p:clrMapOvr>
+</p:sld>
+</file>
+
+<file path=ppt/slides/slide21.xml><?xml version="1.0" encoding="utf-8"?>
+<p:sld xmlns:a="http://schemas.openxmlformats.org/drawingml/2006/main" xmlns:r="http://schemas.openxmlformats.org/officeDocument/2006/relationships" xmlns:p="http://schemas.openxmlformats.org/presentationml/2006/main">
+  <p:cSld>
+    <p:spTree>
+      <p:nvGrpSpPr>
+        <p:cNvPr id="1" name=""/>
+        <p:cNvGrpSpPr/>
+        <p:nvPr/>
+      </p:nvGrpSpPr>
+      <p:grpSpPr>
+        <a:xfrm>
+          <a:off x="0" y="0"/>
+          <a:ext cx="0" cy="0"/>
+          <a:chOff x="0" y="0"/>
+          <a:chExt cx="0" cy="0"/>
+        </a:xfrm>
+      </p:grpSpPr>
+      <p:sp>
+        <p:nvSpPr>
+          <p:cNvPr id="3" name="標題 2">
+            <a:extLst>
+              <a:ext uri="{FF2B5EF4-FFF2-40B4-BE49-F238E27FC236}">
+                <a16:creationId xmlns:a16="http://schemas.microsoft.com/office/drawing/2014/main" id="{E9BE527E-3A53-0166-8E6E-232D10C49324}"/>
+              </a:ext>
+            </a:extLst>
+          </p:cNvPr>
+          <p:cNvSpPr>
+            <a:spLocks noGrp="1"/>
+          </p:cNvSpPr>
+          <p:nvPr>
+            <p:ph type="title"/>
+          </p:nvPr>
+        </p:nvSpPr>
+        <p:spPr/>
+        <p:txBody>
+          <a:bodyPr/>
+          <a:lstStyle/>
+          <a:p>
+            <a:r>
+              <a:rPr lang="en-US" altLang="zh-TW" dirty="0"/>
+              <a:t>API-PC</a:t>
+            </a:r>
+            <a:r>
+              <a:rPr lang="zh-TW" altLang="en-US" dirty="0"/>
+              <a:t>端</a:t>
+            </a:r>
+          </a:p>
+        </p:txBody>
+      </p:sp>
+      <p:graphicFrame>
+        <p:nvGraphicFramePr>
+          <p:cNvPr id="7" name="內容版面配置區 6">
+            <a:extLst>
+              <a:ext uri="{FF2B5EF4-FFF2-40B4-BE49-F238E27FC236}">
+                <a16:creationId xmlns:a16="http://schemas.microsoft.com/office/drawing/2014/main" id="{8997E50A-9F52-CAFB-6D5A-4B87BCF2A413}"/>
+              </a:ext>
+            </a:extLst>
+          </p:cNvPr>
+          <p:cNvGraphicFramePr>
+            <a:graphicFrameLocks noGrp="1"/>
+          </p:cNvGraphicFramePr>
+          <p:nvPr>
+            <p:ph idx="1"/>
+            <p:extLst>
+              <p:ext uri="{D42A27DB-BD31-4B8C-83A1-F6EECF244321}">
+                <p14:modId xmlns:p14="http://schemas.microsoft.com/office/powerpoint/2010/main" val="2306557371"/>
+              </p:ext>
+            </p:extLst>
+          </p:nvPr>
+        </p:nvGraphicFramePr>
+        <p:xfrm>
+          <a:off x="838200" y="1201738"/>
+          <a:ext cx="10515600" cy="5415280"/>
+        </p:xfrm>
+        <a:graphic>
+          <a:graphicData uri="http://schemas.openxmlformats.org/drawingml/2006/table">
+            <a:tbl>
+              <a:tblPr firstRow="1" bandRow="1">
+                <a:tableStyleId>{5C22544A-7EE6-4342-B048-85BDC9FD1C3A}</a:tableStyleId>
+              </a:tblPr>
+              <a:tblGrid>
+                <a:gridCol w="1214535">
+                  <a:extLst>
+                    <a:ext uri="{9D8B030D-6E8A-4147-A177-3AD203B41FA5}">
+                      <a16:colId xmlns:a16="http://schemas.microsoft.com/office/drawing/2014/main" val="2263318508"/>
+                    </a:ext>
+                  </a:extLst>
+                </a:gridCol>
+                <a:gridCol w="9301065">
+                  <a:extLst>
+                    <a:ext uri="{9D8B030D-6E8A-4147-A177-3AD203B41FA5}">
+                      <a16:colId xmlns:a16="http://schemas.microsoft.com/office/drawing/2014/main" val="167102821"/>
+                    </a:ext>
+                  </a:extLst>
+                </a:gridCol>
+              </a:tblGrid>
+              <a:tr h="370840">
+                <a:tc>
+                  <a:txBody>
+                    <a:bodyPr/>
+                    <a:lstStyle/>
+                    <a:p>
+                      <a:r>
+                        <a:rPr lang="en-US" altLang="zh-TW" dirty="0"/>
+                        <a:t>Name</a:t>
+                      </a:r>
+                      <a:endParaRPr lang="zh-TW" altLang="en-US" dirty="0"/>
+                    </a:p>
+                  </a:txBody>
+                  <a:tcPr/>
+                </a:tc>
+                <a:tc>
+                  <a:txBody>
+                    <a:bodyPr/>
+                    <a:lstStyle/>
+                    <a:p>
+                      <a:r>
+                        <a:rPr lang="en-US" altLang="zh-TW" dirty="0" err="1"/>
+                        <a:t>handle_result</a:t>
+                      </a:r>
+                      <a:r>
+                        <a:rPr lang="en-US" altLang="zh-TW" dirty="0"/>
+                        <a:t>(data)</a:t>
+                      </a:r>
+                      <a:endParaRPr lang="zh-TW" altLang="en-US" dirty="0"/>
+                    </a:p>
+                  </a:txBody>
+                  <a:tcPr/>
+                </a:tc>
+                <a:extLst>
+                  <a:ext uri="{0D108BD9-81ED-4DB2-BD59-A6C34878D82A}">
+                    <a16:rowId xmlns:a16="http://schemas.microsoft.com/office/drawing/2014/main" val="3518750898"/>
+                  </a:ext>
+                </a:extLst>
+              </a:tr>
+              <a:tr h="370840">
+                <a:tc>
+                  <a:txBody>
+                    <a:bodyPr/>
+                    <a:lstStyle/>
+                    <a:p>
+                      <a:r>
+                        <a:rPr lang="en-US" altLang="zh-TW" dirty="0"/>
+                        <a:t>Inputs</a:t>
+                      </a:r>
+                      <a:endParaRPr lang="zh-TW" altLang="en-US" dirty="0"/>
+                    </a:p>
+                  </a:txBody>
+                  <a:tcPr/>
+                </a:tc>
+                <a:tc>
+                  <a:txBody>
+                    <a:bodyPr/>
+                    <a:lstStyle/>
+                    <a:p>
+                      <a:r>
+                        <a:rPr lang="en-US" altLang="zh-TW" dirty="0"/>
+                        <a:t>data:</a:t>
+                      </a:r>
+                      <a:r>
+                        <a:rPr lang="zh-TW" altLang="en-US" dirty="0"/>
+                        <a:t> </a:t>
+                      </a:r>
+                      <a:r>
+                        <a:rPr lang="en-US" altLang="zh-TW" dirty="0"/>
+                        <a:t>(string) </a:t>
+                      </a:r>
+                      <a:r>
+                        <a:rPr lang="en-US" altLang="zh-TW" dirty="0" err="1"/>
+                        <a:t>fpga</a:t>
+                      </a:r>
+                      <a:r>
+                        <a:rPr lang="zh-TW" altLang="en-US" dirty="0"/>
+                        <a:t>處理後的結果</a:t>
+                      </a:r>
+                    </a:p>
+                  </a:txBody>
+                  <a:tcPr/>
+                </a:tc>
+                <a:extLst>
+                  <a:ext uri="{0D108BD9-81ED-4DB2-BD59-A6C34878D82A}">
+                    <a16:rowId xmlns:a16="http://schemas.microsoft.com/office/drawing/2014/main" val="3147471230"/>
+                  </a:ext>
+                </a:extLst>
+              </a:tr>
+              <a:tr h="370840">
+                <a:tc>
+                  <a:txBody>
+                    <a:bodyPr/>
+                    <a:lstStyle/>
+                    <a:p>
+                      <a:r>
+                        <a:rPr lang="en-US" altLang="zh-TW" dirty="0"/>
+                        <a:t>Outputs</a:t>
+                      </a:r>
+                      <a:endParaRPr lang="zh-TW" altLang="en-US" dirty="0"/>
+                    </a:p>
+                  </a:txBody>
+                  <a:tcPr/>
+                </a:tc>
+                <a:tc>
+                  <a:txBody>
+                    <a:bodyPr/>
+                    <a:lstStyle/>
+                    <a:p>
+                      <a:r>
+                        <a:rPr lang="en-US" altLang="zh-TW" dirty="0"/>
+                        <a:t>result: (bool) True/False</a:t>
+                      </a:r>
+                      <a:endParaRPr lang="zh-TW" altLang="en-US" dirty="0"/>
+                    </a:p>
+                  </a:txBody>
+                  <a:tcPr/>
+                </a:tc>
+                <a:extLst>
+                  <a:ext uri="{0D108BD9-81ED-4DB2-BD59-A6C34878D82A}">
+                    <a16:rowId xmlns:a16="http://schemas.microsoft.com/office/drawing/2014/main" val="2851190552"/>
+                  </a:ext>
+                </a:extLst>
+              </a:tr>
+              <a:tr h="370840">
+                <a:tc>
+                  <a:txBody>
+                    <a:bodyPr/>
+                    <a:lstStyle/>
+                    <a:p>
+                      <a:r>
+                        <a:rPr lang="en-US" altLang="zh-TW" dirty="0"/>
+                        <a:t>Parameters</a:t>
+                      </a:r>
+                      <a:endParaRPr lang="zh-TW" altLang="en-US" dirty="0"/>
+                    </a:p>
+                  </a:txBody>
+                  <a:tcPr/>
+                </a:tc>
+                <a:tc>
+                  <a:txBody>
+                    <a:bodyPr/>
+                    <a:lstStyle/>
+                    <a:p>
+                      <a:pPr marL="0" marR="0" lvl="0" indent="0" algn="l" defTabSz="914400" rtl="0" eaLnBrk="1" fontAlgn="auto" latinLnBrk="0" hangingPunct="1">
+                        <a:lnSpc>
+                          <a:spcPct val="100000"/>
+                        </a:lnSpc>
+                        <a:spcBef>
+                          <a:spcPts val="0"/>
+                        </a:spcBef>
+                        <a:spcAft>
+                          <a:spcPts val="0"/>
+                        </a:spcAft>
+                        <a:buClrTx/>
+                        <a:buSzTx/>
+                        <a:buFontTx/>
+                        <a:buNone/>
+                        <a:tabLst/>
+                        <a:defRPr/>
+                      </a:pPr>
+                      <a:r>
+                        <a:rPr lang="en-US" altLang="zh-TW" dirty="0"/>
+                        <a:t>None</a:t>
+                      </a:r>
+                      <a:endParaRPr lang="zh-TW" altLang="en-US" dirty="0"/>
+                    </a:p>
+                  </a:txBody>
+                  <a:tcPr/>
+                </a:tc>
+                <a:extLst>
+                  <a:ext uri="{0D108BD9-81ED-4DB2-BD59-A6C34878D82A}">
+                    <a16:rowId xmlns:a16="http://schemas.microsoft.com/office/drawing/2014/main" val="2098244549"/>
+                  </a:ext>
+                </a:extLst>
+              </a:tr>
+              <a:tr h="370840">
+                <a:tc>
+                  <a:txBody>
+                    <a:bodyPr/>
+                    <a:lstStyle/>
+                    <a:p>
+                      <a:r>
+                        <a:rPr lang="en-US" altLang="zh-TW" dirty="0"/>
+                        <a:t>Methods</a:t>
+                      </a:r>
+                      <a:endParaRPr lang="zh-TW" altLang="en-US" dirty="0"/>
+                    </a:p>
+                  </a:txBody>
+                  <a:tcPr/>
+                </a:tc>
+                <a:tc>
+                  <a:txBody>
+                    <a:bodyPr/>
+                    <a:lstStyle/>
+                    <a:p>
+                      <a:r>
+                        <a:rPr lang="zh-TW" altLang="en-US" dirty="0"/>
+                        <a:t>將影像處理過的結果存到對應的</a:t>
+                      </a:r>
+                      <a:r>
+                        <a:rPr lang="en-US" altLang="zh-TW" dirty="0"/>
+                        <a:t>queue</a:t>
+                      </a:r>
+                      <a:r>
+                        <a:rPr lang="zh-TW" altLang="en-US" dirty="0"/>
+                        <a:t>，並回傳成功與否</a:t>
+                      </a:r>
+                      <a:endParaRPr lang="en-US" altLang="zh-TW" dirty="0"/>
+                    </a:p>
+                    <a:p>
+                      <a:endParaRPr lang="en-US" altLang="zh-TW" dirty="0"/>
+                    </a:p>
+                    <a:p>
+                      <a:r>
+                        <a:rPr lang="en-US" altLang="zh-TW" dirty="0"/>
+                        <a:t>Python:</a:t>
+                      </a:r>
+                    </a:p>
+                    <a:p>
+                      <a:pPr lvl="1"/>
+                      <a:r>
+                        <a:rPr lang="en-US" altLang="zh-TW" dirty="0"/>
+                        <a:t>path = “./test/test.txt”</a:t>
+                      </a:r>
+                    </a:p>
+                    <a:p>
+                      <a:pPr lvl="1"/>
+                      <a:r>
+                        <a:rPr lang="en-US" altLang="zh-TW" sz="1800" b="0" i="0" kern="1200" dirty="0">
+                          <a:solidFill>
+                            <a:schemeClr val="dk1"/>
+                          </a:solidFill>
+                          <a:effectLst/>
+                          <a:latin typeface="+mn-lt"/>
+                          <a:ea typeface="+mn-ea"/>
+                          <a:cs typeface="+mn-cs"/>
+                        </a:rPr>
+                        <a:t>with open(path, 'r') as file:</a:t>
+                      </a:r>
+                    </a:p>
+                    <a:p>
+                      <a:pPr lvl="2"/>
+                      <a:r>
+                        <a:rPr lang="en-US" altLang="zh-TW" sz="1800" b="0" i="0" kern="1200" dirty="0">
+                          <a:solidFill>
+                            <a:schemeClr val="dk1"/>
+                          </a:solidFill>
+                          <a:effectLst/>
+                          <a:latin typeface="+mn-lt"/>
+                          <a:ea typeface="+mn-ea"/>
+                          <a:cs typeface="+mn-cs"/>
+                        </a:rPr>
+                        <a:t>content = </a:t>
+                      </a:r>
+                      <a:r>
+                        <a:rPr lang="en-US" altLang="zh-TW" sz="1800" b="0" i="0" kern="1200" dirty="0" err="1">
+                          <a:solidFill>
+                            <a:schemeClr val="dk1"/>
+                          </a:solidFill>
+                          <a:effectLst/>
+                          <a:latin typeface="+mn-lt"/>
+                          <a:ea typeface="+mn-ea"/>
+                          <a:cs typeface="+mn-cs"/>
+                        </a:rPr>
+                        <a:t>file.read</a:t>
+                      </a:r>
+                      <a:r>
+                        <a:rPr lang="en-US" altLang="zh-TW" sz="1800" b="0" i="0" kern="1200" dirty="0">
+                          <a:solidFill>
+                            <a:schemeClr val="dk1"/>
+                          </a:solidFill>
+                          <a:effectLst/>
+                          <a:latin typeface="+mn-lt"/>
+                          <a:ea typeface="+mn-ea"/>
+                          <a:cs typeface="+mn-cs"/>
+                        </a:rPr>
+                        <a:t>()</a:t>
+                      </a:r>
+                      <a:endParaRPr lang="en-US" altLang="zh-TW" dirty="0"/>
+                    </a:p>
+                    <a:p>
+                      <a:pPr lvl="1"/>
+                      <a:r>
+                        <a:rPr lang="en-US" altLang="zh-TW" dirty="0"/>
+                        <a:t>result = </a:t>
+                      </a:r>
+                      <a:r>
+                        <a:rPr lang="en-US" altLang="zh-TW" dirty="0" err="1"/>
+                        <a:t>handle_result</a:t>
+                      </a:r>
+                      <a:r>
+                        <a:rPr lang="en-US" altLang="zh-TW" dirty="0"/>
+                        <a:t>(content)</a:t>
+                      </a:r>
+                    </a:p>
+                    <a:p>
+                      <a:pPr lvl="1"/>
+                      <a:r>
+                        <a:rPr lang="en-US" altLang="zh-TW" dirty="0"/>
+                        <a:t>print(result)</a:t>
+                      </a:r>
+                    </a:p>
+                    <a:p>
+                      <a:endParaRPr lang="en-US" altLang="zh-TW" dirty="0"/>
+                    </a:p>
+                    <a:p>
+                      <a:r>
+                        <a:rPr lang="en-US" altLang="zh-TW" dirty="0"/>
+                        <a:t>Return:</a:t>
+                      </a:r>
+                    </a:p>
+                    <a:p>
+                      <a:pPr lvl="1"/>
+                      <a:r>
+                        <a:rPr lang="en-US" altLang="zh-TW" dirty="0"/>
+                        <a:t>True</a:t>
+                      </a:r>
+                    </a:p>
+                    <a:p>
+                      <a:endParaRPr lang="en-US" altLang="zh-TW" dirty="0"/>
+                    </a:p>
+                    <a:p>
+                      <a:endParaRPr lang="en-US" altLang="zh-TW" dirty="0"/>
+                    </a:p>
+                    <a:p>
+                      <a:endParaRPr lang="en-US" altLang="zh-TW" dirty="0"/>
+                    </a:p>
+                  </a:txBody>
+                  <a:tcPr/>
+                </a:tc>
+                <a:extLst>
+                  <a:ext uri="{0D108BD9-81ED-4DB2-BD59-A6C34878D82A}">
+                    <a16:rowId xmlns:a16="http://schemas.microsoft.com/office/drawing/2014/main" val="441401595"/>
+                  </a:ext>
+                </a:extLst>
+              </a:tr>
+            </a:tbl>
+          </a:graphicData>
+        </a:graphic>
+      </p:graphicFrame>
+    </p:spTree>
+    <p:extLst>
+      <p:ext uri="{BB962C8B-B14F-4D97-AF65-F5344CB8AC3E}">
+        <p14:creationId xmlns:p14="http://schemas.microsoft.com/office/powerpoint/2010/main" val="3880073728"/>
+      </p:ext>
+    </p:extLst>
+  </p:cSld>
+  <p:clrMapOvr>
+    <a:masterClrMapping/>
+  </p:clrMapOvr>
+</p:sld>
+</file>
+
+<file path=ppt/slides/slide22.xml><?xml version="1.0" encoding="utf-8"?>
+<p:sld xmlns:a="http://schemas.openxmlformats.org/drawingml/2006/main" xmlns:r="http://schemas.openxmlformats.org/officeDocument/2006/relationships" xmlns:p="http://schemas.openxmlformats.org/presentationml/2006/main">
+  <p:cSld>
+    <p:spTree>
+      <p:nvGrpSpPr>
+        <p:cNvPr id="1" name=""/>
+        <p:cNvGrpSpPr/>
+        <p:nvPr/>
+      </p:nvGrpSpPr>
+      <p:grpSpPr>
+        <a:xfrm>
+          <a:off x="0" y="0"/>
+          <a:ext cx="0" cy="0"/>
+          <a:chOff x="0" y="0"/>
+          <a:chExt cx="0" cy="0"/>
+        </a:xfrm>
+      </p:grpSpPr>
+      <p:sp>
+        <p:nvSpPr>
+          <p:cNvPr id="3" name="標題 2">
+            <a:extLst>
+              <a:ext uri="{FF2B5EF4-FFF2-40B4-BE49-F238E27FC236}">
+                <a16:creationId xmlns:a16="http://schemas.microsoft.com/office/drawing/2014/main" id="{F880606A-9054-4962-90A1-A1575FA5D26D}"/>
+              </a:ext>
+            </a:extLst>
+          </p:cNvPr>
+          <p:cNvSpPr>
+            <a:spLocks noGrp="1"/>
+          </p:cNvSpPr>
+          <p:nvPr>
+            <p:ph type="title"/>
+          </p:nvPr>
+        </p:nvSpPr>
+        <p:spPr/>
+        <p:txBody>
+          <a:bodyPr/>
+          <a:lstStyle/>
+          <a:p>
+            <a:r>
+              <a:rPr lang="zh-TW" altLang="en-US" dirty="0"/>
+              <a:t>驗證</a:t>
+            </a:r>
+            <a:r>
+              <a:rPr lang="en-US" altLang="zh-TW" dirty="0"/>
+              <a:t>- axis</a:t>
+            </a:r>
+            <a:r>
+              <a:rPr lang="zh-TW" altLang="en-US" dirty="0"/>
+              <a:t>介面</a:t>
+            </a:r>
+          </a:p>
+        </p:txBody>
+      </p:sp>
+      <p:pic>
+        <p:nvPicPr>
+          <p:cNvPr id="1026" name="Picture 2" descr="https://lh7-us.googleusercontent.com/L2EiG4Qxvxtbff9xQ-iRI1oIdyWLIo-pTI2OHofHDkoInwvfKz9wpHSVvnl1OssM1xQ41CmqQjdbvlfwbSB0KypgMzVczqX_P86AMzpjFZqMJ2waGSB4bjErGX7xdSD-WemJsKPSos3GqqxUPERpUkc">
+            <a:extLst>
+              <a:ext uri="{FF2B5EF4-FFF2-40B4-BE49-F238E27FC236}">
+                <a16:creationId xmlns:a16="http://schemas.microsoft.com/office/drawing/2014/main" id="{94F2677F-5B19-4949-A42A-F598F2113DCD}"/>
+              </a:ext>
+            </a:extLst>
+          </p:cNvPr>
+          <p:cNvPicPr>
+            <a:picLocks noChangeAspect="1" noChangeArrowheads="1"/>
+          </p:cNvPicPr>
+          <p:nvPr/>
+        </p:nvPicPr>
+        <p:blipFill>
+          <a:blip r:embed="rId3">
+            <a:extLst>
+              <a:ext uri="{28A0092B-C50C-407E-A947-70E740481C1C}">
+                <a14:useLocalDpi xmlns:a14="http://schemas.microsoft.com/office/drawing/2010/main" val="0"/>
+              </a:ext>
+            </a:extLst>
+          </a:blip>
+          <a:srcRect/>
+          <a:stretch>
+            <a:fillRect/>
+          </a:stretch>
+        </p:blipFill>
+        <p:spPr bwMode="auto">
+          <a:xfrm>
+            <a:off x="-573500" y="1803291"/>
+            <a:ext cx="6938201" cy="3561303"/>
+          </a:xfrm>
+          <a:prstGeom prst="rect">
+            <a:avLst/>
+          </a:prstGeom>
+          <a:noFill/>
+          <a:extLst>
+            <a:ext uri="{909E8E84-426E-40DD-AFC4-6F175D3DCCD1}">
+              <a14:hiddenFill xmlns:a14="http://schemas.microsoft.com/office/drawing/2010/main">
+                <a:solidFill>
+                  <a:srgbClr val="FFFFFF"/>
+                </a:solidFill>
+              </a14:hiddenFill>
+            </a:ext>
+          </a:extLst>
+        </p:spPr>
+      </p:pic>
+      <p:pic>
+        <p:nvPicPr>
+          <p:cNvPr id="1028" name="Picture 4" descr="https://lh7-us.googleusercontent.com/CRWvYC0N1gaASg315h4MAvHN4HZE3K-YJNTJ2CAEMKhUagW8J47dfwgobkeOTx5sMgic5nHwJ9BU5BmPt5r4O6ad5Ck9qJH92pWH-e29Yuemr4QqHb8EZTseBjcbtQyi9mdLMayvgz3758PA96E-ts4">
+            <a:extLst>
+              <a:ext uri="{FF2B5EF4-FFF2-40B4-BE49-F238E27FC236}">
+                <a16:creationId xmlns:a16="http://schemas.microsoft.com/office/drawing/2014/main" id="{102E797A-A209-437E-A741-103B02406F58}"/>
+              </a:ext>
+            </a:extLst>
+          </p:cNvPr>
+          <p:cNvPicPr>
+            <a:picLocks noChangeAspect="1" noChangeArrowheads="1"/>
+          </p:cNvPicPr>
+          <p:nvPr/>
+        </p:nvPicPr>
+        <p:blipFill>
+          <a:blip r:embed="rId4">
+            <a:extLst>
+              <a:ext uri="{28A0092B-C50C-407E-A947-70E740481C1C}">
+                <a14:useLocalDpi xmlns:a14="http://schemas.microsoft.com/office/drawing/2010/main" val="0"/>
+              </a:ext>
+            </a:extLst>
+          </a:blip>
+          <a:srcRect/>
+          <a:stretch>
+            <a:fillRect/>
+          </a:stretch>
+        </p:blipFill>
+        <p:spPr bwMode="auto">
+          <a:xfrm>
+            <a:off x="6005977" y="3874641"/>
+            <a:ext cx="5600700" cy="2819400"/>
+          </a:xfrm>
+          <a:prstGeom prst="rect">
+            <a:avLst/>
+          </a:prstGeom>
+          <a:noFill/>
+          <a:extLst>
+            <a:ext uri="{909E8E84-426E-40DD-AFC4-6F175D3DCCD1}">
+              <a14:hiddenFill xmlns:a14="http://schemas.microsoft.com/office/drawing/2010/main">
+                <a:solidFill>
+                  <a:srgbClr val="FFFFFF"/>
+                </a:solidFill>
+              </a14:hiddenFill>
+            </a:ext>
+          </a:extLst>
+        </p:spPr>
+      </p:pic>
+      <p:pic>
+        <p:nvPicPr>
+          <p:cNvPr id="1030" name="Picture 6" descr="https://lh7-us.googleusercontent.com/HTXUv-_IRvfZVL2FYJMFzEljsakxK6ok9eK9Z-zZqBd_JixPzGn9yczoyU72FfMVszzRMBYtyGJlzCkoQ5uIYub_iVTePpmh2Q3PKqIUIMGcIV85_Fm0w6-ZuCDNn_YEZxKhqXYmdOmWMdS95EjC-t8">
+            <a:extLst>
+              <a:ext uri="{FF2B5EF4-FFF2-40B4-BE49-F238E27FC236}">
+                <a16:creationId xmlns:a16="http://schemas.microsoft.com/office/drawing/2014/main" id="{7AA19B82-E1F0-415F-8F1A-0367392CA31F}"/>
+              </a:ext>
+            </a:extLst>
+          </p:cNvPr>
+          <p:cNvPicPr>
+            <a:picLocks noChangeAspect="1" noChangeArrowheads="1"/>
+          </p:cNvPicPr>
+          <p:nvPr/>
+        </p:nvPicPr>
+        <p:blipFill>
+          <a:blip r:embed="rId5">
+            <a:extLst>
+              <a:ext uri="{28A0092B-C50C-407E-A947-70E740481C1C}">
+                <a14:useLocalDpi xmlns:a14="http://schemas.microsoft.com/office/drawing/2010/main" val="0"/>
+              </a:ext>
+            </a:extLst>
+          </a:blip>
+          <a:srcRect/>
+          <a:stretch>
+            <a:fillRect/>
+          </a:stretch>
+        </p:blipFill>
+        <p:spPr bwMode="auto">
+          <a:xfrm>
+            <a:off x="5498389" y="1046301"/>
+            <a:ext cx="7579819" cy="3135174"/>
+          </a:xfrm>
+          <a:prstGeom prst="rect">
+            <a:avLst/>
+          </a:prstGeom>
+          <a:noFill/>
+          <a:extLst>
+            <a:ext uri="{909E8E84-426E-40DD-AFC4-6F175D3DCCD1}">
+              <a14:hiddenFill xmlns:a14="http://schemas.microsoft.com/office/drawing/2010/main">
+                <a:solidFill>
+                  <a:srgbClr val="FFFFFF"/>
+                </a:solidFill>
+              </a14:hiddenFill>
+            </a:ext>
+          </a:extLst>
+        </p:spPr>
+      </p:pic>
+      <p:sp>
+        <p:nvSpPr>
+          <p:cNvPr id="2" name="矩形 1">
+            <a:extLst>
+              <a:ext uri="{FF2B5EF4-FFF2-40B4-BE49-F238E27FC236}">
+                <a16:creationId xmlns:a16="http://schemas.microsoft.com/office/drawing/2014/main" id="{5F4A2E71-DC3D-45EC-945E-599CF0436A4B}"/>
+              </a:ext>
+            </a:extLst>
+          </p:cNvPr>
+          <p:cNvSpPr/>
+          <p:nvPr/>
+        </p:nvSpPr>
+        <p:spPr>
+          <a:xfrm>
+            <a:off x="1473612" y="5389116"/>
+            <a:ext cx="2672526" cy="646331"/>
+          </a:xfrm>
+          <a:prstGeom prst="rect">
+            <a:avLst/>
+          </a:prstGeom>
+        </p:spPr>
+        <p:txBody>
+          <a:bodyPr wrap="none">
+            <a:spAutoFit/>
+          </a:bodyPr>
+          <a:lstStyle/>
+          <a:p>
+            <a:r>
+              <a:rPr lang="en-US" altLang="zh-TW" dirty="0"/>
+              <a:t>AXI-stream</a:t>
+            </a:r>
+            <a:r>
+              <a:rPr lang="zh-TW" altLang="en-US" dirty="0"/>
+              <a:t>介面交握正確</a:t>
+            </a:r>
+            <a:endParaRPr lang="en-US" altLang="zh-TW" dirty="0"/>
+          </a:p>
+          <a:p>
+            <a:r>
+              <a:rPr lang="en-US" altLang="zh-TW" dirty="0"/>
+              <a:t>(</a:t>
+            </a:r>
+            <a:r>
+              <a:rPr lang="zh-TW" altLang="en-US" dirty="0"/>
+              <a:t>多次</a:t>
+            </a:r>
+            <a:r>
+              <a:rPr lang="en-US" altLang="zh-TW" dirty="0"/>
+              <a:t>burst)</a:t>
+            </a:r>
+            <a:endParaRPr lang="zh-TW" altLang="en-US" dirty="0"/>
+          </a:p>
+        </p:txBody>
+      </p:sp>
+      <p:sp>
+        <p:nvSpPr>
+          <p:cNvPr id="8" name="矩形 7">
+            <a:extLst>
+              <a:ext uri="{FF2B5EF4-FFF2-40B4-BE49-F238E27FC236}">
+                <a16:creationId xmlns:a16="http://schemas.microsoft.com/office/drawing/2014/main" id="{AEB02951-465E-427E-9B02-8B21A0371AE6}"/>
+              </a:ext>
+            </a:extLst>
+          </p:cNvPr>
+          <p:cNvSpPr/>
+          <p:nvPr/>
+        </p:nvSpPr>
+        <p:spPr>
+          <a:xfrm>
+            <a:off x="8233093" y="6594129"/>
+            <a:ext cx="2185214" cy="369332"/>
+          </a:xfrm>
+          <a:prstGeom prst="rect">
+            <a:avLst/>
+          </a:prstGeom>
+        </p:spPr>
+        <p:txBody>
+          <a:bodyPr wrap="none">
+            <a:spAutoFit/>
+          </a:bodyPr>
+          <a:lstStyle/>
+          <a:p>
+            <a:r>
+              <a:rPr lang="en-US" altLang="zh-TW" dirty="0" err="1"/>
+              <a:t>Axis_data</a:t>
+            </a:r>
+            <a:r>
+              <a:rPr lang="en-US" altLang="zh-TW" dirty="0"/>
+              <a:t>, Mem</a:t>
+            </a:r>
+            <a:r>
+              <a:rPr lang="zh-TW" altLang="en-US" dirty="0"/>
+              <a:t>對應</a:t>
+            </a:r>
+          </a:p>
+        </p:txBody>
+      </p:sp>
+      <p:sp>
+        <p:nvSpPr>
+          <p:cNvPr id="4" name="左右大括弧 3">
+            <a:extLst>
+              <a:ext uri="{FF2B5EF4-FFF2-40B4-BE49-F238E27FC236}">
+                <a16:creationId xmlns:a16="http://schemas.microsoft.com/office/drawing/2014/main" id="{5FD23A66-281E-4A86-BEFD-A347A1F3041C}"/>
+              </a:ext>
+            </a:extLst>
+          </p:cNvPr>
+          <p:cNvSpPr/>
+          <p:nvPr/>
+        </p:nvSpPr>
+        <p:spPr>
+          <a:xfrm rot="5400000">
+            <a:off x="1779408" y="1725791"/>
+            <a:ext cx="3038478" cy="2539646"/>
+          </a:xfrm>
+          <a:prstGeom prst="bracePair">
+            <a:avLst/>
+          </a:prstGeom>
+          <a:ln>
+            <a:solidFill>
+              <a:schemeClr val="accent2"/>
+            </a:solidFill>
+          </a:ln>
+        </p:spPr>
+        <p:style>
+          <a:lnRef idx="1">
+            <a:schemeClr val="accent1"/>
+          </a:lnRef>
+          <a:fillRef idx="0">
+            <a:schemeClr val="accent1"/>
+          </a:fillRef>
+          <a:effectRef idx="0">
+            <a:schemeClr val="accent1"/>
+          </a:effectRef>
+          <a:fontRef idx="minor">
+            <a:schemeClr val="tx1"/>
+          </a:fontRef>
+        </p:style>
+        <p:txBody>
+          <a:bodyPr rtlCol="0" anchor="ctr"/>
+          <a:lstStyle/>
+          <a:p>
+            <a:pPr algn="ctr"/>
+            <a:endParaRPr lang="zh-TW" altLang="en-US">
+              <a:solidFill>
+                <a:schemeClr val="accent6"/>
+              </a:solidFill>
+            </a:endParaRPr>
+          </a:p>
+        </p:txBody>
+      </p:sp>
+      <p:sp>
+        <p:nvSpPr>
+          <p:cNvPr id="12" name="矩形 11">
+            <a:extLst>
+              <a:ext uri="{FF2B5EF4-FFF2-40B4-BE49-F238E27FC236}">
+                <a16:creationId xmlns:a16="http://schemas.microsoft.com/office/drawing/2014/main" id="{886BD354-170B-4425-A320-D97E71581198}"/>
+              </a:ext>
+            </a:extLst>
+          </p:cNvPr>
+          <p:cNvSpPr/>
+          <p:nvPr/>
+        </p:nvSpPr>
+        <p:spPr>
+          <a:xfrm>
+            <a:off x="1738248" y="1148472"/>
+            <a:ext cx="3295181" cy="369332"/>
+          </a:xfrm>
+          <a:prstGeom prst="rect">
+            <a:avLst/>
+          </a:prstGeom>
+        </p:spPr>
+        <p:txBody>
+          <a:bodyPr wrap="square">
+            <a:spAutoFit/>
+          </a:bodyPr>
+          <a:lstStyle/>
+          <a:p>
+            <a:r>
+              <a:rPr lang="en-US" altLang="zh-TW" dirty="0" err="1">
+                <a:solidFill>
+                  <a:schemeClr val="accent6"/>
+                </a:solidFill>
+              </a:rPr>
+              <a:t>XDMA_busy</a:t>
+            </a:r>
+            <a:r>
+              <a:rPr lang="zh-TW" altLang="en-US" dirty="0">
+                <a:solidFill>
+                  <a:schemeClr val="accent6"/>
+                </a:solidFill>
+              </a:rPr>
+              <a:t>約</a:t>
+            </a:r>
+            <a:r>
+              <a:rPr lang="en-US" altLang="zh-TW" dirty="0">
+                <a:solidFill>
+                  <a:schemeClr val="accent6"/>
+                </a:solidFill>
+              </a:rPr>
+              <a:t>560 clock(5.6us)</a:t>
+            </a:r>
+            <a:endParaRPr lang="zh-TW" altLang="en-US" dirty="0">
+              <a:solidFill>
+                <a:schemeClr val="accent6"/>
+              </a:solidFill>
+            </a:endParaRPr>
+          </a:p>
+        </p:txBody>
+      </p:sp>
+    </p:spTree>
+    <p:extLst>
+      <p:ext uri="{BB962C8B-B14F-4D97-AF65-F5344CB8AC3E}">
+        <p14:creationId xmlns:p14="http://schemas.microsoft.com/office/powerpoint/2010/main" val="3868700726"/>
       </p:ext>
     </p:extLst>
   </p:cSld>
@@ -7641,10 +11277,239 @@
       </p:grpSpPr>
       <p:sp>
         <p:nvSpPr>
+          <p:cNvPr id="2" name="內容版面配置區 1">
+            <a:extLst>
+              <a:ext uri="{FF2B5EF4-FFF2-40B4-BE49-F238E27FC236}">
+                <a16:creationId xmlns:a16="http://schemas.microsoft.com/office/drawing/2014/main" id="{88559827-CAC1-41E5-9A1C-C988B1B1BF36}"/>
+              </a:ext>
+            </a:extLst>
+          </p:cNvPr>
+          <p:cNvSpPr>
+            <a:spLocks noGrp="1"/>
+          </p:cNvSpPr>
+          <p:nvPr>
+            <p:ph idx="1"/>
+          </p:nvPr>
+        </p:nvSpPr>
+        <p:spPr/>
+        <p:txBody>
+          <a:bodyPr/>
+          <a:lstStyle/>
+          <a:p>
+            <a:pPr marL="0" indent="0">
+              <a:buNone/>
+            </a:pPr>
+            <a:r>
+              <a:rPr lang="zh-TW" altLang="en-US" dirty="0"/>
+              <a:t>驗收</a:t>
+            </a:r>
+            <a:r>
+              <a:rPr lang="en-US" altLang="zh-TW" dirty="0"/>
+              <a:t>:</a:t>
+            </a:r>
+          </a:p>
+          <a:p>
+            <a:pPr marL="541800" lvl="1" indent="0">
+              <a:buNone/>
+            </a:pPr>
+            <a:r>
+              <a:rPr lang="zh-TW" altLang="en-US" dirty="0"/>
+              <a:t>驗功能</a:t>
+            </a:r>
+            <a:r>
+              <a:rPr lang="en-US" altLang="zh-TW" dirty="0"/>
+              <a:t>:</a:t>
+            </a:r>
+          </a:p>
+          <a:p>
+            <a:pPr marL="884700" lvl="1" indent="-342900">
+              <a:buAutoNum type="arabicPeriod"/>
+            </a:pPr>
+            <a:r>
+              <a:rPr lang="en-US" altLang="zh-TW" dirty="0"/>
+              <a:t>ILA</a:t>
+            </a:r>
+            <a:r>
+              <a:rPr lang="zh-TW" altLang="en-US" dirty="0"/>
+              <a:t>查</a:t>
+            </a:r>
+            <a:r>
+              <a:rPr lang="en-US" altLang="zh-TW" dirty="0"/>
+              <a:t>AXI</a:t>
+            </a:r>
+            <a:r>
+              <a:rPr lang="zh-TW" altLang="en-US" dirty="0"/>
+              <a:t>介面</a:t>
+            </a:r>
+            <a:r>
+              <a:rPr lang="en-US" altLang="zh-TW" dirty="0"/>
+              <a:t>(DMA</a:t>
+            </a:r>
+            <a:r>
+              <a:rPr lang="en-US" altLang="zh-TW" dirty="0">
+                <a:sym typeface="Wingdings" panose="05000000000000000000" pitchFamily="2" charset="2"/>
+              </a:rPr>
+              <a:t>ORB)</a:t>
+            </a:r>
+          </a:p>
+          <a:p>
+            <a:pPr marL="884700" lvl="1" indent="-342900">
+              <a:buAutoNum type="arabicPeriod"/>
+            </a:pPr>
+            <a:r>
+              <a:rPr lang="zh-TW" altLang="en-US" dirty="0"/>
+              <a:t>用網頁看影像結果</a:t>
+            </a:r>
+            <a:r>
+              <a:rPr lang="en-US" altLang="zh-TW" dirty="0"/>
+              <a:t>(RGB444)</a:t>
+            </a:r>
+          </a:p>
+          <a:p>
+            <a:pPr marL="541800" lvl="1" indent="0">
+              <a:buNone/>
+            </a:pPr>
+            <a:r>
+              <a:rPr lang="en-US" altLang="zh-TW" dirty="0"/>
+              <a:t>2. </a:t>
+            </a:r>
+            <a:r>
+              <a:rPr lang="zh-TW" altLang="en-US" dirty="0"/>
+              <a:t>直接開</a:t>
+            </a:r>
+            <a:r>
+              <a:rPr lang="en-US" altLang="zh-TW" dirty="0"/>
+              <a:t>SDK</a:t>
+            </a:r>
+            <a:r>
+              <a:rPr lang="zh-TW" altLang="en-US" dirty="0"/>
+              <a:t>看結果</a:t>
+            </a:r>
+            <a:r>
+              <a:rPr lang="en-US" altLang="zh-TW" dirty="0"/>
+              <a:t>(PL</a:t>
+            </a:r>
+            <a:r>
+              <a:rPr lang="zh-TW" altLang="en-US" dirty="0"/>
+              <a:t>端中斷、當前幀資料流</a:t>
+            </a:r>
+            <a:r>
+              <a:rPr lang="en-US" altLang="zh-TW" dirty="0"/>
+              <a:t>)</a:t>
+            </a:r>
+            <a:endParaRPr lang="zh-TW" altLang="en-US" dirty="0"/>
+          </a:p>
+          <a:p>
+            <a:pPr marL="541800" lvl="1" indent="0">
+              <a:buNone/>
+            </a:pPr>
+            <a:r>
+              <a:rPr lang="en-US" altLang="zh-TW" dirty="0"/>
+              <a:t>3. </a:t>
+            </a:r>
+            <a:r>
+              <a:rPr lang="zh-TW" altLang="en-US" dirty="0"/>
+              <a:t>用網頁看影像結果</a:t>
+            </a:r>
+            <a:r>
+              <a:rPr lang="en-US" altLang="zh-TW" dirty="0"/>
+              <a:t>(RGB444</a:t>
+            </a:r>
+            <a:r>
+              <a:rPr lang="zh-TW" altLang="en-US" dirty="0"/>
+              <a:t>、匹配座標、光流方向</a:t>
+            </a:r>
+            <a:r>
+              <a:rPr lang="en-US" altLang="zh-TW" dirty="0"/>
+              <a:t>)</a:t>
+            </a:r>
+          </a:p>
+          <a:p>
+            <a:pPr marL="541800" lvl="1" indent="0">
+              <a:buNone/>
+            </a:pPr>
+            <a:endParaRPr lang="en-US" altLang="zh-TW" dirty="0"/>
+          </a:p>
+          <a:p>
+            <a:pPr marL="541800" lvl="1" indent="0">
+              <a:buNone/>
+            </a:pPr>
+            <a:r>
+              <a:rPr lang="zh-TW" altLang="en-US" dirty="0"/>
+              <a:t>驗效能</a:t>
+            </a:r>
+            <a:r>
+              <a:rPr lang="en-US" altLang="zh-TW" dirty="0"/>
+              <a:t>:</a:t>
+            </a:r>
+          </a:p>
+          <a:p>
+            <a:pPr marL="884700" lvl="1" indent="-342900">
+              <a:buAutoNum type="arabicPeriod"/>
+            </a:pPr>
+            <a:r>
+              <a:rPr lang="en-US" altLang="zh-TW" dirty="0"/>
+              <a:t>SDK</a:t>
+            </a:r>
+            <a:r>
+              <a:rPr lang="zh-TW" altLang="en-US" dirty="0"/>
+              <a:t>查</a:t>
+            </a:r>
+            <a:r>
+              <a:rPr lang="en-US" altLang="zh-TW" dirty="0"/>
+              <a:t>DMA</a:t>
+            </a:r>
+            <a:r>
+              <a:rPr lang="zh-TW" altLang="en-US" dirty="0"/>
+              <a:t>搬運速度</a:t>
+            </a:r>
+            <a:endParaRPr lang="en-US" altLang="zh-TW" dirty="0"/>
+          </a:p>
+          <a:p>
+            <a:pPr marL="884700" lvl="1" indent="-342900">
+              <a:buAutoNum type="arabicPeriod"/>
+            </a:pPr>
+            <a:r>
+              <a:rPr lang="zh-TW" altLang="en-US" dirty="0"/>
+              <a:t>以軟體</a:t>
+            </a:r>
+            <a:r>
+              <a:rPr lang="en-US" altLang="zh-TW" dirty="0"/>
+              <a:t>(</a:t>
+            </a:r>
+            <a:r>
+              <a:rPr lang="en-US" altLang="zh-TW" dirty="0" err="1"/>
+              <a:t>opencv</a:t>
+            </a:r>
+            <a:r>
+              <a:rPr lang="en-US" altLang="zh-TW" dirty="0"/>
+              <a:t>)</a:t>
+            </a:r>
+            <a:r>
+              <a:rPr lang="zh-TW" altLang="en-US" dirty="0"/>
+              <a:t>為</a:t>
+            </a:r>
+            <a:r>
+              <a:rPr lang="en-US" altLang="zh-TW" dirty="0" err="1"/>
+              <a:t>groundtruth</a:t>
+            </a:r>
+            <a:r>
+              <a:rPr lang="zh-TW" altLang="en-US" dirty="0"/>
+              <a:t>，跟硬體加速做比較</a:t>
+            </a:r>
+            <a:endParaRPr lang="en-US" altLang="zh-TW" dirty="0"/>
+          </a:p>
+          <a:p>
+            <a:endParaRPr lang="zh-TW" altLang="en-US" dirty="0"/>
+          </a:p>
+        </p:txBody>
+      </p:sp>
+      <p:sp>
+        <p:nvSpPr>
           <p:cNvPr id="3" name="標題 2">
             <a:extLst>
               <a:ext uri="{FF2B5EF4-FFF2-40B4-BE49-F238E27FC236}">
-                <a16:creationId xmlns:a16="http://schemas.microsoft.com/office/drawing/2014/main" id="{6FC2B913-332F-C64E-C816-8E3E429AF649}"/>
+                <a16:creationId xmlns:a16="http://schemas.microsoft.com/office/drawing/2014/main" id="{58D96159-6933-43B3-8D4C-81B422002B4A}"/>
               </a:ext>
             </a:extLst>
           </p:cNvPr>
@@ -7661,47 +11526,394 @@
           <a:lstStyle/>
           <a:p>
             <a:r>
-              <a:rPr lang="en-US" altLang="zh-TW" dirty="0"/>
-              <a:t>Breakdown</a:t>
-            </a:r>
-            <a:endParaRPr lang="zh-TW" altLang="en-US" dirty="0"/>
+              <a:rPr lang="zh-TW" altLang="en-US" dirty="0"/>
+              <a:t>需求</a:t>
+            </a:r>
           </a:p>
         </p:txBody>
       </p:sp>
-      <p:pic>
-        <p:nvPicPr>
-          <p:cNvPr id="2" name="圖片 1">
+      <p:sp>
+        <p:nvSpPr>
+          <p:cNvPr id="4" name="內容版面配置區 1">
             <a:extLst>
               <a:ext uri="{FF2B5EF4-FFF2-40B4-BE49-F238E27FC236}">
-                <a16:creationId xmlns:a16="http://schemas.microsoft.com/office/drawing/2014/main" id="{8200BD8D-E6F0-4E91-A520-3EC3CDBD6FC1}"/>
+                <a16:creationId xmlns:a16="http://schemas.microsoft.com/office/drawing/2014/main" id="{0D68A54D-A23E-4FB0-9BF3-578D66EC4C1A}"/>
               </a:ext>
             </a:extLst>
           </p:cNvPr>
-          <p:cNvPicPr>
-            <a:picLocks noChangeAspect="1"/>
-          </p:cNvPicPr>
+          <p:cNvSpPr txBox="1">
+            <a:spLocks/>
+          </p:cNvSpPr>
           <p:nvPr/>
-        </p:nvPicPr>
-        <p:blipFill>
-          <a:blip r:embed="rId2"/>
-          <a:stretch>
-            <a:fillRect/>
-          </a:stretch>
-        </p:blipFill>
+        </p:nvSpPr>
         <p:spPr>
           <a:xfrm>
-            <a:off x="0" y="1644760"/>
-            <a:ext cx="12192000" cy="3760068"/>
+            <a:off x="5671457" y="1201850"/>
+            <a:ext cx="6404429" cy="5037776"/>
           </a:xfrm>
           <a:prstGeom prst="rect">
             <a:avLst/>
           </a:prstGeom>
         </p:spPr>
-      </p:pic>
+        <p:txBody>
+          <a:bodyPr vert="horz" lIns="91440" tIns="45720" rIns="91440" bIns="45720" rtlCol="0">
+            <a:normAutofit/>
+          </a:bodyPr>
+          <a:lstStyle>
+            <a:lvl1pPr marL="144000" indent="-144000" algn="l" defTabSz="914400" rtl="0" eaLnBrk="1" latinLnBrk="0" hangingPunct="0">
+              <a:lnSpc>
+                <a:spcPct val="90000"/>
+              </a:lnSpc>
+              <a:spcBef>
+                <a:spcPts val="300"/>
+              </a:spcBef>
+              <a:buFont typeface="Arial" panose="020B0604020202020204" pitchFamily="34" charset="0"/>
+              <a:buChar char="•"/>
+              <a:defRPr sz="1600" kern="1200" baseline="0">
+                <a:solidFill>
+                  <a:schemeClr val="tx1"/>
+                </a:solidFill>
+                <a:latin typeface="Times New Roman" panose="02020603050405020304" pitchFamily="18" charset="0"/>
+                <a:ea typeface="標楷體" panose="03000509000000000000" pitchFamily="65" charset="-120"/>
+                <a:cs typeface="+mn-cs"/>
+              </a:defRPr>
+            </a:lvl1pPr>
+            <a:lvl2pPr marL="685800" indent="-228600" algn="l" defTabSz="914400" rtl="0" eaLnBrk="1" latinLnBrk="0" hangingPunct="0">
+              <a:lnSpc>
+                <a:spcPct val="90000"/>
+              </a:lnSpc>
+              <a:spcBef>
+                <a:spcPts val="300"/>
+              </a:spcBef>
+              <a:buFont typeface="Arial" panose="020B0604020202020204" pitchFamily="34" charset="0"/>
+              <a:buChar char="•"/>
+              <a:defRPr sz="1600" kern="1200" baseline="0">
+                <a:solidFill>
+                  <a:schemeClr val="tx1"/>
+                </a:solidFill>
+                <a:latin typeface="Times New Roman" panose="02020603050405020304" pitchFamily="18" charset="0"/>
+                <a:ea typeface="標楷體" panose="03000509000000000000" pitchFamily="65" charset="-120"/>
+                <a:cs typeface="+mn-cs"/>
+              </a:defRPr>
+            </a:lvl2pPr>
+            <a:lvl3pPr marL="1143000" indent="-228600" algn="l" defTabSz="914400" rtl="0" eaLnBrk="1" latinLnBrk="0" hangingPunct="0">
+              <a:lnSpc>
+                <a:spcPct val="90000"/>
+              </a:lnSpc>
+              <a:spcBef>
+                <a:spcPts val="300"/>
+              </a:spcBef>
+              <a:buFont typeface="Arial" panose="020B0604020202020204" pitchFamily="34" charset="0"/>
+              <a:buChar char="•"/>
+              <a:defRPr sz="1600" kern="1200" baseline="0">
+                <a:solidFill>
+                  <a:schemeClr val="tx1"/>
+                </a:solidFill>
+                <a:latin typeface="Times New Roman" panose="02020603050405020304" pitchFamily="18" charset="0"/>
+                <a:ea typeface="標楷體" panose="03000509000000000000" pitchFamily="65" charset="-120"/>
+                <a:cs typeface="+mn-cs"/>
+              </a:defRPr>
+            </a:lvl3pPr>
+            <a:lvl4pPr marL="1600200" indent="-228600" algn="l" defTabSz="914400" rtl="0" eaLnBrk="1" latinLnBrk="0" hangingPunct="0">
+              <a:lnSpc>
+                <a:spcPct val="90000"/>
+              </a:lnSpc>
+              <a:spcBef>
+                <a:spcPts val="300"/>
+              </a:spcBef>
+              <a:buFont typeface="Arial" panose="020B0604020202020204" pitchFamily="34" charset="0"/>
+              <a:buChar char="•"/>
+              <a:defRPr sz="1600" kern="1200" baseline="0">
+                <a:solidFill>
+                  <a:schemeClr val="tx1"/>
+                </a:solidFill>
+                <a:latin typeface="Times New Roman" panose="02020603050405020304" pitchFamily="18" charset="0"/>
+                <a:ea typeface="標楷體" panose="03000509000000000000" pitchFamily="65" charset="-120"/>
+                <a:cs typeface="+mn-cs"/>
+              </a:defRPr>
+            </a:lvl4pPr>
+            <a:lvl5pPr marL="2057400" indent="-228600" algn="l" defTabSz="914400" rtl="0" eaLnBrk="1" latinLnBrk="0" hangingPunct="0">
+              <a:lnSpc>
+                <a:spcPct val="90000"/>
+              </a:lnSpc>
+              <a:spcBef>
+                <a:spcPts val="300"/>
+              </a:spcBef>
+              <a:buFont typeface="Arial" panose="020B0604020202020204" pitchFamily="34" charset="0"/>
+              <a:buChar char="•"/>
+              <a:defRPr sz="1600" kern="1200" baseline="0">
+                <a:solidFill>
+                  <a:schemeClr val="tx1"/>
+                </a:solidFill>
+                <a:latin typeface="Times New Roman" panose="02020603050405020304" pitchFamily="18" charset="0"/>
+                <a:ea typeface="標楷體" panose="03000509000000000000" pitchFamily="65" charset="-120"/>
+                <a:cs typeface="+mn-cs"/>
+              </a:defRPr>
+            </a:lvl5pPr>
+            <a:lvl6pPr marL="2514600" indent="-228600" algn="l" defTabSz="914400" rtl="0" eaLnBrk="1" latinLnBrk="0" hangingPunct="1">
+              <a:lnSpc>
+                <a:spcPct val="90000"/>
+              </a:lnSpc>
+              <a:spcBef>
+                <a:spcPts val="500"/>
+              </a:spcBef>
+              <a:buFont typeface="Arial" panose="020B0604020202020204" pitchFamily="34" charset="0"/>
+              <a:buChar char="•"/>
+              <a:defRPr sz="1800" kern="1200">
+                <a:solidFill>
+                  <a:schemeClr val="tx1"/>
+                </a:solidFill>
+                <a:latin typeface="+mn-lt"/>
+                <a:ea typeface="+mn-ea"/>
+                <a:cs typeface="+mn-cs"/>
+              </a:defRPr>
+            </a:lvl6pPr>
+            <a:lvl7pPr marL="2971800" indent="-228600" algn="l" defTabSz="914400" rtl="0" eaLnBrk="1" latinLnBrk="0" hangingPunct="1">
+              <a:lnSpc>
+                <a:spcPct val="90000"/>
+              </a:lnSpc>
+              <a:spcBef>
+                <a:spcPts val="500"/>
+              </a:spcBef>
+              <a:buFont typeface="Arial" panose="020B0604020202020204" pitchFamily="34" charset="0"/>
+              <a:buChar char="•"/>
+              <a:defRPr sz="1800" kern="1200">
+                <a:solidFill>
+                  <a:schemeClr val="tx1"/>
+                </a:solidFill>
+                <a:latin typeface="+mn-lt"/>
+                <a:ea typeface="+mn-ea"/>
+                <a:cs typeface="+mn-cs"/>
+              </a:defRPr>
+            </a:lvl7pPr>
+            <a:lvl8pPr marL="3429000" indent="-228600" algn="l" defTabSz="914400" rtl="0" eaLnBrk="1" latinLnBrk="0" hangingPunct="1">
+              <a:lnSpc>
+                <a:spcPct val="90000"/>
+              </a:lnSpc>
+              <a:spcBef>
+                <a:spcPts val="500"/>
+              </a:spcBef>
+              <a:buFont typeface="Arial" panose="020B0604020202020204" pitchFamily="34" charset="0"/>
+              <a:buChar char="•"/>
+              <a:defRPr sz="1800" kern="1200">
+                <a:solidFill>
+                  <a:schemeClr val="tx1"/>
+                </a:solidFill>
+                <a:latin typeface="+mn-lt"/>
+                <a:ea typeface="+mn-ea"/>
+                <a:cs typeface="+mn-cs"/>
+              </a:defRPr>
+            </a:lvl8pPr>
+            <a:lvl9pPr marL="3886200" indent="-228600" algn="l" defTabSz="914400" rtl="0" eaLnBrk="1" latinLnBrk="0" hangingPunct="1">
+              <a:lnSpc>
+                <a:spcPct val="90000"/>
+              </a:lnSpc>
+              <a:spcBef>
+                <a:spcPts val="500"/>
+              </a:spcBef>
+              <a:buFont typeface="Arial" panose="020B0604020202020204" pitchFamily="34" charset="0"/>
+              <a:buChar char="•"/>
+              <a:defRPr sz="1800" kern="1200">
+                <a:solidFill>
+                  <a:schemeClr val="tx1"/>
+                </a:solidFill>
+                <a:latin typeface="+mn-lt"/>
+                <a:ea typeface="+mn-ea"/>
+                <a:cs typeface="+mn-cs"/>
+              </a:defRPr>
+            </a:lvl9pPr>
+          </a:lstStyle>
+          <a:p>
+            <a:pPr marL="0" indent="0">
+              <a:buFont typeface="Arial" panose="020B0604020202020204" pitchFamily="34" charset="0"/>
+              <a:buNone/>
+            </a:pPr>
+            <a:r>
+              <a:rPr lang="zh-TW" altLang="en-US" dirty="0"/>
+              <a:t>預期結果</a:t>
+            </a:r>
+            <a:r>
+              <a:rPr lang="en-US" altLang="zh-TW" dirty="0"/>
+              <a:t>:</a:t>
+            </a:r>
+          </a:p>
+          <a:p>
+            <a:pPr marL="541800" lvl="1" indent="0">
+              <a:buFont typeface="Arial" panose="020B0604020202020204" pitchFamily="34" charset="0"/>
+              <a:buNone/>
+            </a:pPr>
+            <a:r>
+              <a:rPr lang="zh-TW" altLang="en-US" dirty="0"/>
+              <a:t>驗功能</a:t>
+            </a:r>
+            <a:r>
+              <a:rPr lang="en-US" altLang="zh-TW" dirty="0"/>
+              <a:t>:</a:t>
+            </a:r>
+          </a:p>
+          <a:p>
+            <a:pPr marL="884700" lvl="1" indent="-342900">
+              <a:buFont typeface="Arial" panose="020B0604020202020204" pitchFamily="34" charset="0"/>
+              <a:buAutoNum type="arabicPeriod"/>
+            </a:pPr>
+            <a:r>
+              <a:rPr lang="en-US" altLang="zh-TW" dirty="0"/>
+              <a:t>AXI-stream</a:t>
+            </a:r>
+            <a:r>
+              <a:rPr lang="zh-TW" altLang="en-US" dirty="0"/>
+              <a:t>介面交握正確                              </a:t>
+            </a:r>
+            <a:r>
+              <a:rPr lang="en-US" altLang="zh-TW" dirty="0"/>
+              <a:t>socket</a:t>
+            </a:r>
+          </a:p>
+          <a:p>
+            <a:pPr marL="884700" lvl="1" indent="-342900">
+              <a:buFont typeface="Arial" panose="020B0604020202020204" pitchFamily="34" charset="0"/>
+              <a:buAutoNum type="arabicPeriod"/>
+            </a:pPr>
+            <a:r>
+              <a:rPr lang="zh-TW" altLang="en-US" dirty="0"/>
+              <a:t>以單張灰階影像</a:t>
+            </a:r>
+            <a:r>
+              <a:rPr lang="en-US" altLang="zh-TW" dirty="0"/>
+              <a:t>u8 [720</a:t>
+            </a:r>
+            <a:r>
+              <a:rPr lang="zh-TW" altLang="en-US" dirty="0"/>
+              <a:t>*</a:t>
+            </a:r>
+            <a:r>
+              <a:rPr lang="en-US" altLang="zh-TW" dirty="0"/>
+              <a:t>480] </a:t>
+            </a:r>
+            <a:r>
+              <a:rPr lang="zh-TW" altLang="en-US" dirty="0"/>
+              <a:t>測試</a:t>
+            </a:r>
+            <a:r>
+              <a:rPr lang="en-US" altLang="zh-TW" dirty="0"/>
+              <a:t>Zynq </a:t>
+            </a:r>
+            <a:r>
+              <a:rPr lang="en-US" altLang="zh-TW" dirty="0">
+                <a:sym typeface="Wingdings" panose="05000000000000000000" pitchFamily="2" charset="2"/>
+              </a:rPr>
+              <a:t>=====PC</a:t>
+            </a:r>
+            <a:endParaRPr lang="en-US" altLang="zh-TW" dirty="0"/>
+          </a:p>
+          <a:p>
+            <a:pPr marL="884700" lvl="1" indent="-342900">
+              <a:buFont typeface="Arial" panose="020B0604020202020204" pitchFamily="34" charset="0"/>
+              <a:buAutoNum type="arabicPeriod"/>
+            </a:pPr>
+            <a:r>
+              <a:rPr lang="en-US" altLang="zh-TW" dirty="0"/>
+              <a:t>PL</a:t>
+            </a:r>
+            <a:r>
+              <a:rPr lang="zh-TW" altLang="en-US" dirty="0"/>
+              <a:t>端中斷後，當前幀行列數正確</a:t>
+            </a:r>
+            <a:endParaRPr lang="en-US" altLang="zh-TW" dirty="0"/>
+          </a:p>
+          <a:p>
+            <a:pPr marL="884700" lvl="1" indent="-342900">
+              <a:buFont typeface="Arial" panose="020B0604020202020204" pitchFamily="34" charset="0"/>
+              <a:buAutoNum type="arabicPeriod"/>
+            </a:pPr>
+            <a:r>
+              <a:rPr lang="en-US" altLang="zh-TW" dirty="0"/>
+              <a:t>. </a:t>
+            </a:r>
+            <a:r>
+              <a:rPr lang="zh-TW" altLang="en-US" dirty="0"/>
+              <a:t>硬體處理後的灰階影像、匹配座標</a:t>
+            </a:r>
+            <a:r>
+              <a:rPr lang="en-US" altLang="zh-TW" dirty="0"/>
+              <a:t>(RGB444)</a:t>
+            </a:r>
+          </a:p>
+          <a:p>
+            <a:pPr marL="884700" lvl="1" indent="-342900">
+              <a:buFont typeface="Arial" panose="020B0604020202020204" pitchFamily="34" charset="0"/>
+              <a:buAutoNum type="arabicPeriod"/>
+            </a:pPr>
+            <a:endParaRPr lang="zh-TW" altLang="en-US" dirty="0"/>
+          </a:p>
+          <a:p>
+            <a:pPr marL="541800" lvl="1" indent="0">
+              <a:buFont typeface="Arial" panose="020B0604020202020204" pitchFamily="34" charset="0"/>
+              <a:buNone/>
+            </a:pPr>
+            <a:r>
+              <a:rPr lang="zh-TW" altLang="en-US" dirty="0"/>
+              <a:t>驗效能</a:t>
+            </a:r>
+            <a:r>
+              <a:rPr lang="en-US" altLang="zh-TW" dirty="0"/>
+              <a:t>:</a:t>
+            </a:r>
+          </a:p>
+          <a:p>
+            <a:pPr marL="884700" lvl="1" indent="-342900">
+              <a:buFont typeface="Arial" panose="020B0604020202020204" pitchFamily="34" charset="0"/>
+              <a:buAutoNum type="arabicPeriod"/>
+            </a:pPr>
+            <a:r>
+              <a:rPr lang="zh-TW" altLang="en-US" dirty="0"/>
+              <a:t>以</a:t>
+            </a:r>
+            <a:r>
+              <a:rPr lang="en-US" altLang="zh-TW" dirty="0" err="1"/>
+              <a:t>xil_printf</a:t>
+            </a:r>
+            <a:r>
+              <a:rPr lang="en-US" altLang="zh-TW" dirty="0"/>
+              <a:t>()</a:t>
+            </a:r>
+            <a:r>
+              <a:rPr lang="zh-TW" altLang="en-US" dirty="0"/>
+              <a:t>在</a:t>
+            </a:r>
+            <a:r>
+              <a:rPr lang="en-US" altLang="zh-TW" dirty="0"/>
+              <a:t>Terminal</a:t>
+            </a:r>
+            <a:r>
+              <a:rPr lang="zh-TW" altLang="en-US" dirty="0"/>
+              <a:t>寫出</a:t>
+            </a:r>
+            <a:r>
+              <a:rPr lang="en-US" altLang="zh-TW" dirty="0"/>
+              <a:t>XXMB/s</a:t>
+            </a:r>
+          </a:p>
+          <a:p>
+            <a:pPr marL="884700" lvl="1" indent="-342900">
+              <a:buFont typeface="Arial" panose="020B0604020202020204" pitchFamily="34" charset="0"/>
+              <a:buAutoNum type="arabicPeriod"/>
+            </a:pPr>
+            <a:r>
+              <a:rPr lang="zh-TW" altLang="en-US" dirty="0"/>
+              <a:t>軟體跟硬體畫面同框比較</a:t>
+            </a:r>
+            <a:endParaRPr lang="en-US" altLang="zh-TW" dirty="0"/>
+          </a:p>
+          <a:p>
+            <a:endParaRPr lang="zh-TW" altLang="en-US" dirty="0"/>
+          </a:p>
+        </p:txBody>
+      </p:sp>
     </p:spTree>
     <p:extLst>
       <p:ext uri="{BB962C8B-B14F-4D97-AF65-F5344CB8AC3E}">
-        <p14:creationId xmlns:p14="http://schemas.microsoft.com/office/powerpoint/2010/main" val="1322167357"/>
+        <p14:creationId xmlns:p14="http://schemas.microsoft.com/office/powerpoint/2010/main" val="1803980212"/>
       </p:ext>
     </p:extLst>
   </p:cSld>
@@ -7733,7 +11945,7 @@
           <p:cNvPr id="3" name="標題 2">
             <a:extLst>
               <a:ext uri="{FF2B5EF4-FFF2-40B4-BE49-F238E27FC236}">
-                <a16:creationId xmlns:a16="http://schemas.microsoft.com/office/drawing/2014/main" id="{B5F9FCA5-00CE-0C94-2659-A20C3EB49CCF}"/>
+                <a16:creationId xmlns:a16="http://schemas.microsoft.com/office/drawing/2014/main" id="{6FC2B913-332F-C64E-C816-8E3E429AF649}"/>
               </a:ext>
             </a:extLst>
           </p:cNvPr>
@@ -7750,20 +11962,8 @@
           <a:lstStyle/>
           <a:p>
             <a:r>
-              <a:rPr lang="zh-TW" altLang="en-US" dirty="0"/>
-              <a:t>設計</a:t>
-            </a:r>
-            <a:r>
               <a:rPr lang="en-US" altLang="zh-TW" dirty="0"/>
-              <a:t>-</a:t>
-            </a:r>
-            <a:r>
-              <a:rPr lang="zh-TW" altLang="en-US" dirty="0"/>
-              <a:t>流程圖</a:t>
-            </a:r>
-            <a:r>
-              <a:rPr lang="en-US" altLang="zh-TW" dirty="0"/>
-              <a:t>(ver1)</a:t>
+              <a:t>Breakdown</a:t>
             </a:r>
             <a:endParaRPr lang="zh-TW" altLang="en-US" dirty="0"/>
           </a:p>
@@ -7771,10 +11971,10 @@
       </p:sp>
       <p:pic>
         <p:nvPicPr>
-          <p:cNvPr id="7" name="圖片 6">
+          <p:cNvPr id="6" name="圖片 5">
             <a:extLst>
               <a:ext uri="{FF2B5EF4-FFF2-40B4-BE49-F238E27FC236}">
-                <a16:creationId xmlns:a16="http://schemas.microsoft.com/office/drawing/2014/main" id="{6BBBB45B-5A7B-1D95-5741-043FF704E9CB}"/>
+                <a16:creationId xmlns:a16="http://schemas.microsoft.com/office/drawing/2014/main" id="{17934421-D62C-444F-8296-48D5A9860A30}"/>
               </a:ext>
             </a:extLst>
           </p:cNvPr>
@@ -7791,8 +11991,8 @@
         </p:blipFill>
         <p:spPr>
           <a:xfrm>
-            <a:off x="2283545" y="1429001"/>
-            <a:ext cx="7624910" cy="4540434"/>
+            <a:off x="0" y="1918199"/>
+            <a:ext cx="12192000" cy="3643394"/>
           </a:xfrm>
           <a:prstGeom prst="rect">
             <a:avLst/>
@@ -7802,7 +12002,7 @@
     </p:spTree>
     <p:extLst>
       <p:ext uri="{BB962C8B-B14F-4D97-AF65-F5344CB8AC3E}">
-        <p14:creationId xmlns:p14="http://schemas.microsoft.com/office/powerpoint/2010/main" val="4025804597"/>
+        <p14:creationId xmlns:p14="http://schemas.microsoft.com/office/powerpoint/2010/main" val="1322167357"/>
       </p:ext>
     </p:extLst>
   </p:cSld>
@@ -7813,191 +12013,7 @@
 </file>
 
 <file path=ppt/slides/slide5.xml><?xml version="1.0" encoding="utf-8"?>
-<p:sld xmlns:a="http://schemas.openxmlformats.org/drawingml/2006/main" xmlns:r="http://schemas.openxmlformats.org/officeDocument/2006/relationships" xmlns:p="http://schemas.openxmlformats.org/presentationml/2006/main">
-  <p:cSld>
-    <p:spTree>
-      <p:nvGrpSpPr>
-        <p:cNvPr id="1" name=""/>
-        <p:cNvGrpSpPr/>
-        <p:nvPr/>
-      </p:nvGrpSpPr>
-      <p:grpSpPr>
-        <a:xfrm>
-          <a:off x="0" y="0"/>
-          <a:ext cx="0" cy="0"/>
-          <a:chOff x="0" y="0"/>
-          <a:chExt cx="0" cy="0"/>
-        </a:xfrm>
-      </p:grpSpPr>
-      <p:sp>
-        <p:nvSpPr>
-          <p:cNvPr id="5" name="圓角矩形 4"/>
-          <p:cNvSpPr/>
-          <p:nvPr/>
-        </p:nvSpPr>
-        <p:spPr>
-          <a:xfrm>
-            <a:off x="5318967" y="1494061"/>
-            <a:ext cx="4808500" cy="4326284"/>
-          </a:xfrm>
-          <a:prstGeom prst="roundRect">
-            <a:avLst/>
-          </a:prstGeom>
-        </p:spPr>
-        <p:style>
-          <a:lnRef idx="2">
-            <a:schemeClr val="accent1"/>
-          </a:lnRef>
-          <a:fillRef idx="1">
-            <a:schemeClr val="lt1"/>
-          </a:fillRef>
-          <a:effectRef idx="0">
-            <a:schemeClr val="accent1"/>
-          </a:effectRef>
-          <a:fontRef idx="minor">
-            <a:schemeClr val="dk1"/>
-          </a:fontRef>
-        </p:style>
-        <p:txBody>
-          <a:bodyPr rtlCol="0" anchor="t"/>
-          <a:lstStyle/>
-          <a:p>
-            <a:r>
-              <a:rPr lang="zh-TW" altLang="en-US" dirty="0"/>
-              <a:t>影像處理</a:t>
-            </a:r>
-          </a:p>
-        </p:txBody>
-      </p:sp>
-      <p:sp>
-        <p:nvSpPr>
-          <p:cNvPr id="4" name="圓角矩形 3"/>
-          <p:cNvSpPr/>
-          <p:nvPr/>
-        </p:nvSpPr>
-        <p:spPr>
-          <a:xfrm>
-            <a:off x="3083088" y="1550865"/>
-            <a:ext cx="2092569" cy="3753431"/>
-          </a:xfrm>
-          <a:prstGeom prst="roundRect">
-            <a:avLst/>
-          </a:prstGeom>
-        </p:spPr>
-        <p:style>
-          <a:lnRef idx="2">
-            <a:schemeClr val="accent1"/>
-          </a:lnRef>
-          <a:fillRef idx="1">
-            <a:schemeClr val="lt1"/>
-          </a:fillRef>
-          <a:effectRef idx="0">
-            <a:schemeClr val="accent1"/>
-          </a:effectRef>
-          <a:fontRef idx="minor">
-            <a:schemeClr val="dk1"/>
-          </a:fontRef>
-        </p:style>
-        <p:txBody>
-          <a:bodyPr rtlCol="0" anchor="t"/>
-          <a:lstStyle/>
-          <a:p>
-            <a:r>
-              <a:rPr lang="en-US" altLang="zh-TW" dirty="0"/>
-              <a:t>DDR</a:t>
-            </a:r>
-            <a:endParaRPr lang="zh-TW" altLang="en-US" dirty="0"/>
-          </a:p>
-        </p:txBody>
-      </p:sp>
-      <p:sp>
-        <p:nvSpPr>
-          <p:cNvPr id="3" name="標題 2"/>
-          <p:cNvSpPr>
-            <a:spLocks noGrp="1"/>
-          </p:cNvSpPr>
-          <p:nvPr>
-            <p:ph type="title"/>
-          </p:nvPr>
-        </p:nvSpPr>
-        <p:spPr/>
-        <p:txBody>
-          <a:bodyPr/>
-          <a:lstStyle/>
-          <a:p>
-            <a:r>
-              <a:rPr lang="zh-TW" altLang="en-US" dirty="0"/>
-              <a:t>設計</a:t>
-            </a:r>
-            <a:r>
-              <a:rPr lang="en-US" altLang="zh-TW" dirty="0"/>
-              <a:t>-</a:t>
-            </a:r>
-            <a:r>
-              <a:rPr lang="zh-TW" altLang="en-US" dirty="0"/>
-              <a:t>硬體架構圖</a:t>
-            </a:r>
-            <a:r>
-              <a:rPr lang="en-US" altLang="zh-TW" dirty="0"/>
-              <a:t>(ver1. </a:t>
-            </a:r>
-            <a:r>
-              <a:rPr lang="zh-TW" altLang="en-US" dirty="0"/>
-              <a:t>未架系統</a:t>
-            </a:r>
-            <a:r>
-              <a:rPr lang="en-US" altLang="zh-TW" dirty="0"/>
-              <a:t>)</a:t>
-            </a:r>
-            <a:endParaRPr lang="zh-TW" altLang="en-US" dirty="0"/>
-          </a:p>
-        </p:txBody>
-      </p:sp>
-      <p:pic>
-        <p:nvPicPr>
-          <p:cNvPr id="6" name="圖片 5">
-            <a:extLst>
-              <a:ext uri="{FF2B5EF4-FFF2-40B4-BE49-F238E27FC236}">
-                <a16:creationId xmlns:a16="http://schemas.microsoft.com/office/drawing/2014/main" id="{E6D62673-CAAE-4DD5-AFDA-50CF52ECD58F}"/>
-              </a:ext>
-            </a:extLst>
-          </p:cNvPr>
-          <p:cNvPicPr>
-            <a:picLocks noChangeAspect="1"/>
-          </p:cNvPicPr>
-          <p:nvPr/>
-        </p:nvPicPr>
-        <p:blipFill>
-          <a:blip r:embed="rId2"/>
-          <a:stretch>
-            <a:fillRect/>
-          </a:stretch>
-        </p:blipFill>
-        <p:spPr>
-          <a:xfrm>
-            <a:off x="-100551" y="1920063"/>
-            <a:ext cx="11870118" cy="3540211"/>
-          </a:xfrm>
-          <a:prstGeom prst="rect">
-            <a:avLst/>
-          </a:prstGeom>
-        </p:spPr>
-      </p:pic>
-    </p:spTree>
-    <p:extLst>
-      <p:ext uri="{BB962C8B-B14F-4D97-AF65-F5344CB8AC3E}">
-        <p14:creationId xmlns:p14="http://schemas.microsoft.com/office/powerpoint/2010/main" val="289427299"/>
-      </p:ext>
-    </p:extLst>
-  </p:cSld>
-  <p:clrMapOvr>
-    <a:masterClrMapping/>
-  </p:clrMapOvr>
-</p:sld>
-</file>
-
-<file path=ppt/slides/slide6.xml><?xml version="1.0" encoding="utf-8"?>
-<p:sld xmlns:a="http://schemas.openxmlformats.org/drawingml/2006/main" xmlns:r="http://schemas.openxmlformats.org/officeDocument/2006/relationships" xmlns:p="http://schemas.openxmlformats.org/presentationml/2006/main">
+<p:sld xmlns:a="http://schemas.openxmlformats.org/drawingml/2006/main" xmlns:r="http://schemas.openxmlformats.org/officeDocument/2006/relationships" xmlns:p="http://schemas.openxmlformats.org/presentationml/2006/main" show="0">
   <p:cSld>
     <p:spTree>
       <p:nvGrpSpPr>
@@ -8099,7 +12115,7 @@
         <p:spPr>
           <a:xfrm>
             <a:off x="8752114" y="6372906"/>
-            <a:ext cx="2223686" cy="369332"/>
+            <a:ext cx="2262158" cy="369332"/>
           </a:xfrm>
           <a:prstGeom prst="rect">
             <a:avLst/>
@@ -8118,7 +12134,7 @@
             </a:r>
             <a:r>
               <a:rPr lang="en-US" altLang="zh-TW" dirty="0" err="1"/>
-              <a:t>Gslab</a:t>
+              <a:t>GSlab</a:t>
             </a:r>
             <a:r>
               <a:rPr lang="en-US" altLang="zh-TW" dirty="0"/>
@@ -8135,6 +12151,221 @@
     <p:extLst>
       <p:ext uri="{BB962C8B-B14F-4D97-AF65-F5344CB8AC3E}">
         <p14:creationId xmlns:p14="http://schemas.microsoft.com/office/powerpoint/2010/main" val="3479364820"/>
+      </p:ext>
+    </p:extLst>
+  </p:cSld>
+  <p:clrMapOvr>
+    <a:masterClrMapping/>
+  </p:clrMapOvr>
+</p:sld>
+</file>
+
+<file path=ppt/slides/slide6.xml><?xml version="1.0" encoding="utf-8"?>
+<p:sld xmlns:a="http://schemas.openxmlformats.org/drawingml/2006/main" xmlns:r="http://schemas.openxmlformats.org/officeDocument/2006/relationships" xmlns:p="http://schemas.openxmlformats.org/presentationml/2006/main">
+  <p:cSld>
+    <p:spTree>
+      <p:nvGrpSpPr>
+        <p:cNvPr id="1" name=""/>
+        <p:cNvGrpSpPr/>
+        <p:nvPr/>
+      </p:nvGrpSpPr>
+      <p:grpSpPr>
+        <a:xfrm>
+          <a:off x="0" y="0"/>
+          <a:ext cx="0" cy="0"/>
+          <a:chOff x="0" y="0"/>
+          <a:chExt cx="0" cy="0"/>
+        </a:xfrm>
+      </p:grpSpPr>
+      <p:sp>
+        <p:nvSpPr>
+          <p:cNvPr id="3" name="標題 2">
+            <a:extLst>
+              <a:ext uri="{FF2B5EF4-FFF2-40B4-BE49-F238E27FC236}">
+                <a16:creationId xmlns:a16="http://schemas.microsoft.com/office/drawing/2014/main" id="{E0ED87B0-989F-4223-9816-C28B4E62F574}"/>
+              </a:ext>
+            </a:extLst>
+          </p:cNvPr>
+          <p:cNvSpPr>
+            <a:spLocks noGrp="1"/>
+          </p:cNvSpPr>
+          <p:nvPr>
+            <p:ph type="title"/>
+          </p:nvPr>
+        </p:nvSpPr>
+        <p:spPr/>
+        <p:txBody>
+          <a:bodyPr/>
+          <a:lstStyle/>
+          <a:p>
+            <a:r>
+              <a:rPr lang="zh-TW" altLang="en-US" dirty="0"/>
+              <a:t>分析</a:t>
+            </a:r>
+            <a:r>
+              <a:rPr lang="en-US" altLang="zh-TW" dirty="0"/>
+              <a:t>-DMA</a:t>
+            </a:r>
+            <a:r>
+              <a:rPr lang="zh-TW" altLang="en-US" dirty="0"/>
+              <a:t>內部暫存器</a:t>
+            </a:r>
+          </a:p>
+        </p:txBody>
+      </p:sp>
+      <p:pic>
+        <p:nvPicPr>
+          <p:cNvPr id="10" name="Picture 2" descr="https://lh7-us.googleusercontent.com/CoDMNbEE7NC4TtvU0T_VqQ9AdLIZq3MlwQOz_S7c_CLwA2yQNvbon-_KdNVgDXEElRBIk0FOQ4XsF0ElXQvt-yN5OJTxG9QfB6UL7O-dEjBMSwEvj1XlmqZbLM09VPNDgh0PSiPlmhG7wSZa_NhL1YU">
+            <a:extLst>
+              <a:ext uri="{FF2B5EF4-FFF2-40B4-BE49-F238E27FC236}">
+                <a16:creationId xmlns:a16="http://schemas.microsoft.com/office/drawing/2014/main" id="{7CFA216C-E021-4346-8960-8753CF6C62D6}"/>
+              </a:ext>
+            </a:extLst>
+          </p:cNvPr>
+          <p:cNvPicPr>
+            <a:picLocks noGrp="1" noChangeAspect="1" noChangeArrowheads="1"/>
+          </p:cNvPicPr>
+          <p:nvPr>
+            <p:ph idx="1"/>
+          </p:nvPr>
+        </p:nvPicPr>
+        <p:blipFill rotWithShape="1">
+          <a:blip r:embed="rId2">
+            <a:extLst>
+              <a:ext uri="{28A0092B-C50C-407E-A947-70E740481C1C}">
+                <a14:useLocalDpi xmlns:a14="http://schemas.microsoft.com/office/drawing/2010/main" val="0"/>
+              </a:ext>
+            </a:extLst>
+          </a:blip>
+          <a:srcRect r="10913" b="24724"/>
+          <a:stretch/>
+        </p:blipFill>
+        <p:spPr bwMode="auto">
+          <a:xfrm>
+            <a:off x="2072079" y="2066355"/>
+            <a:ext cx="8713487" cy="3791794"/>
+          </a:xfrm>
+          <a:prstGeom prst="rect">
+            <a:avLst/>
+          </a:prstGeom>
+          <a:noFill/>
+          <a:extLst>
+            <a:ext uri="{909E8E84-426E-40DD-AFC4-6F175D3DCCD1}">
+              <a14:hiddenFill xmlns:a14="http://schemas.microsoft.com/office/drawing/2010/main">
+                <a:solidFill>
+                  <a:srgbClr val="FFFFFF"/>
+                </a:solidFill>
+              </a14:hiddenFill>
+            </a:ext>
+          </a:extLst>
+        </p:spPr>
+      </p:pic>
+      <p:sp>
+        <p:nvSpPr>
+          <p:cNvPr id="11" name="文字方塊 10">
+            <a:extLst>
+              <a:ext uri="{FF2B5EF4-FFF2-40B4-BE49-F238E27FC236}">
+                <a16:creationId xmlns:a16="http://schemas.microsoft.com/office/drawing/2014/main" id="{58766DA8-5709-410D-A241-FBD5F954131C}"/>
+              </a:ext>
+            </a:extLst>
+          </p:cNvPr>
+          <p:cNvSpPr txBox="1"/>
+          <p:nvPr/>
+        </p:nvSpPr>
+        <p:spPr>
+          <a:xfrm>
+            <a:off x="1302203" y="1435977"/>
+            <a:ext cx="4185761" cy="369332"/>
+          </a:xfrm>
+          <a:prstGeom prst="rect">
+            <a:avLst/>
+          </a:prstGeom>
+          <a:noFill/>
+        </p:spPr>
+        <p:txBody>
+          <a:bodyPr wrap="none" rtlCol="0">
+            <a:spAutoFit/>
+          </a:bodyPr>
+          <a:lstStyle/>
+          <a:p>
+            <a:r>
+              <a:rPr lang="zh-TW" altLang="en-US" dirty="0"/>
+              <a:t>為了解</a:t>
+            </a:r>
+            <a:r>
+              <a:rPr lang="en-US" altLang="zh-TW" dirty="0" err="1"/>
+              <a:t>DMA_busy</a:t>
+            </a:r>
+            <a:r>
+              <a:rPr lang="zh-TW" altLang="en-US" dirty="0"/>
+              <a:t>、</a:t>
+            </a:r>
+            <a:r>
+              <a:rPr lang="en-US" altLang="zh-TW" dirty="0"/>
+              <a:t>DMA</a:t>
+            </a:r>
+            <a:r>
+              <a:rPr lang="zh-TW" altLang="en-US" dirty="0"/>
+              <a:t>預設</a:t>
+            </a:r>
+            <a:r>
+              <a:rPr lang="en-US" altLang="zh-TW" dirty="0"/>
+              <a:t>reg</a:t>
+            </a:r>
+            <a:r>
+              <a:rPr lang="zh-TW" altLang="en-US" dirty="0"/>
+              <a:t>值關係</a:t>
+            </a:r>
+          </a:p>
+        </p:txBody>
+      </p:sp>
+      <p:sp>
+        <p:nvSpPr>
+          <p:cNvPr id="12" name="文字方塊 11">
+            <a:extLst>
+              <a:ext uri="{FF2B5EF4-FFF2-40B4-BE49-F238E27FC236}">
+                <a16:creationId xmlns:a16="http://schemas.microsoft.com/office/drawing/2014/main" id="{276BB904-EB07-40F7-B3F0-3FFE5F5795C0}"/>
+              </a:ext>
+            </a:extLst>
+          </p:cNvPr>
+          <p:cNvSpPr txBox="1"/>
+          <p:nvPr/>
+        </p:nvSpPr>
+        <p:spPr>
+          <a:xfrm>
+            <a:off x="5194662" y="5947745"/>
+            <a:ext cx="2262158" cy="369332"/>
+          </a:xfrm>
+          <a:prstGeom prst="rect">
+            <a:avLst/>
+          </a:prstGeom>
+          <a:noFill/>
+        </p:spPr>
+        <p:txBody>
+          <a:bodyPr wrap="none" rtlCol="0">
+            <a:spAutoFit/>
+          </a:bodyPr>
+          <a:lstStyle/>
+          <a:p>
+            <a:r>
+              <a:rPr lang="zh-TW" altLang="en-US" dirty="0"/>
+              <a:t>圖、以單次</a:t>
+            </a:r>
+            <a:r>
+              <a:rPr lang="en-US" altLang="zh-TW" dirty="0"/>
+              <a:t>burst</a:t>
+            </a:r>
+            <a:r>
+              <a:rPr lang="zh-TW" altLang="en-US" dirty="0"/>
+              <a:t>測試</a:t>
+            </a:r>
+          </a:p>
+        </p:txBody>
+      </p:sp>
+    </p:spTree>
+    <p:extLst>
+      <p:ext uri="{BB962C8B-B14F-4D97-AF65-F5344CB8AC3E}">
+        <p14:creationId xmlns:p14="http://schemas.microsoft.com/office/powerpoint/2010/main" val="80869699"/>
       </p:ext>
     </p:extLst>
   </p:cSld>
@@ -8161,44 +12392,12 @@
           <a:chExt cx="0" cy="0"/>
         </a:xfrm>
       </p:grpSpPr>
-      <p:pic>
-        <p:nvPicPr>
-          <p:cNvPr id="5" name="內容版面配置區 4">
-            <a:extLst>
-              <a:ext uri="{FF2B5EF4-FFF2-40B4-BE49-F238E27FC236}">
-                <a16:creationId xmlns:a16="http://schemas.microsoft.com/office/drawing/2014/main" id="{3058FE81-799B-4329-93CE-FFD8F95160FD}"/>
-              </a:ext>
-            </a:extLst>
-          </p:cNvPr>
-          <p:cNvPicPr>
-            <a:picLocks noGrp="1" noChangeAspect="1"/>
-          </p:cNvPicPr>
-          <p:nvPr>
-            <p:ph idx="1"/>
-          </p:nvPr>
-        </p:nvPicPr>
-        <p:blipFill>
-          <a:blip r:embed="rId3"/>
-          <a:stretch>
-            <a:fillRect/>
-          </a:stretch>
-        </p:blipFill>
-        <p:spPr>
-          <a:xfrm>
-            <a:off x="2295321" y="1336866"/>
-            <a:ext cx="7601358" cy="4849792"/>
-          </a:xfrm>
-          <a:prstGeom prst="rect">
-            <a:avLst/>
-          </a:prstGeom>
-        </p:spPr>
-      </p:pic>
       <p:sp>
         <p:nvSpPr>
           <p:cNvPr id="3" name="標題 2">
             <a:extLst>
               <a:ext uri="{FF2B5EF4-FFF2-40B4-BE49-F238E27FC236}">
-                <a16:creationId xmlns:a16="http://schemas.microsoft.com/office/drawing/2014/main" id="{F880606A-9054-4962-90A1-A1575FA5D26D}"/>
+                <a16:creationId xmlns:a16="http://schemas.microsoft.com/office/drawing/2014/main" id="{B5F9FCA5-00CE-0C94-2659-A20C3EB49CCF}"/>
               </a:ext>
             </a:extLst>
           </p:cNvPr>
@@ -8220,63 +12419,54 @@
             </a:r>
             <a:r>
               <a:rPr lang="en-US" altLang="zh-TW" dirty="0"/>
-              <a:t>-PL</a:t>
+              <a:t>-</a:t>
             </a:r>
             <a:r>
               <a:rPr lang="zh-TW" altLang="en-US" dirty="0"/>
-              <a:t>端介面訊號</a:t>
-            </a:r>
+              <a:t>流程圖</a:t>
+            </a:r>
+            <a:r>
+              <a:rPr lang="en-US" altLang="zh-TW" dirty="0"/>
+              <a:t>(ver1)</a:t>
+            </a:r>
+            <a:endParaRPr lang="zh-TW" altLang="en-US" dirty="0"/>
           </a:p>
         </p:txBody>
       </p:sp>
-      <p:sp>
-        <p:nvSpPr>
-          <p:cNvPr id="6" name="文字方塊 5">
+      <p:pic>
+        <p:nvPicPr>
+          <p:cNvPr id="7" name="圖片 6">
             <a:extLst>
               <a:ext uri="{FF2B5EF4-FFF2-40B4-BE49-F238E27FC236}">
-                <a16:creationId xmlns:a16="http://schemas.microsoft.com/office/drawing/2014/main" id="{BE5EC56A-BFCB-47E9-B3A7-396855F0C828}"/>
+                <a16:creationId xmlns:a16="http://schemas.microsoft.com/office/drawing/2014/main" id="{6BBBB45B-5A7B-1D95-5741-043FF704E9CB}"/>
               </a:ext>
             </a:extLst>
           </p:cNvPr>
-          <p:cNvSpPr txBox="1"/>
+          <p:cNvPicPr>
+            <a:picLocks noChangeAspect="1"/>
+          </p:cNvPicPr>
           <p:nvPr/>
-        </p:nvSpPr>
+        </p:nvPicPr>
+        <p:blipFill>
+          <a:blip r:embed="rId2"/>
+          <a:stretch>
+            <a:fillRect/>
+          </a:stretch>
+        </p:blipFill>
         <p:spPr>
           <a:xfrm>
-            <a:off x="838200" y="5817326"/>
-            <a:ext cx="2909771" cy="369332"/>
+            <a:off x="2283545" y="1429001"/>
+            <a:ext cx="7624910" cy="4540434"/>
           </a:xfrm>
           <a:prstGeom prst="rect">
             <a:avLst/>
           </a:prstGeom>
-          <a:noFill/>
         </p:spPr>
-        <p:txBody>
-          <a:bodyPr wrap="none" rtlCol="0">
-            <a:spAutoFit/>
-          </a:bodyPr>
-          <a:lstStyle/>
-          <a:p>
-            <a:r>
-              <a:rPr lang="en-US" altLang="zh-TW" dirty="0"/>
-              <a:t>MSC</a:t>
-            </a:r>
-            <a:r>
-              <a:rPr lang="zh-TW" altLang="en-US" dirty="0"/>
-              <a:t>圖、</a:t>
-            </a:r>
-            <a:r>
-              <a:rPr lang="en-US" altLang="zh-TW" dirty="0"/>
-              <a:t>ORB write 2 DMA</a:t>
-            </a:r>
-            <a:endParaRPr lang="zh-TW" altLang="en-US" dirty="0"/>
-          </a:p>
-        </p:txBody>
-      </p:sp>
+      </p:pic>
     </p:spTree>
     <p:extLst>
       <p:ext uri="{BB962C8B-B14F-4D97-AF65-F5344CB8AC3E}">
-        <p14:creationId xmlns:p14="http://schemas.microsoft.com/office/powerpoint/2010/main" val="282468713"/>
+        <p14:creationId xmlns:p14="http://schemas.microsoft.com/office/powerpoint/2010/main" val="4025804597"/>
       </p:ext>
     </p:extLst>
   </p:cSld>
@@ -8303,116 +12493,153 @@
           <a:chExt cx="0" cy="0"/>
         </a:xfrm>
       </p:grpSpPr>
-      <p:pic>
-        <p:nvPicPr>
-          <p:cNvPr id="8" name="內容版面配置區 7">
+      <p:sp>
+        <p:nvSpPr>
+          <p:cNvPr id="7" name="圓角矩形 4">
             <a:extLst>
               <a:ext uri="{FF2B5EF4-FFF2-40B4-BE49-F238E27FC236}">
-                <a16:creationId xmlns:a16="http://schemas.microsoft.com/office/drawing/2014/main" id="{DF35A770-53B1-49C0-AE79-4E4F8B2B20FA}"/>
+                <a16:creationId xmlns:a16="http://schemas.microsoft.com/office/drawing/2014/main" id="{D85E6A61-7DC6-46FA-9491-D78C8AB287C6}"/>
               </a:ext>
             </a:extLst>
           </p:cNvPr>
-          <p:cNvPicPr>
-            <a:picLocks noGrp="1" noChangeAspect="1"/>
-          </p:cNvPicPr>
-          <p:nvPr>
-            <p:ph idx="1"/>
-          </p:nvPr>
-        </p:nvPicPr>
-        <p:blipFill>
-          <a:blip r:embed="rId2"/>
-          <a:stretch>
-            <a:fillRect/>
-          </a:stretch>
-        </p:blipFill>
+          <p:cNvSpPr/>
+          <p:nvPr/>
+        </p:nvSpPr>
         <p:spPr>
           <a:xfrm>
-            <a:off x="3995067" y="157968"/>
-            <a:ext cx="5479857" cy="6542063"/>
+            <a:off x="-1" y="1667031"/>
+            <a:ext cx="2008681" cy="4326284"/>
           </a:xfrm>
-          <a:prstGeom prst="rect">
+          <a:prstGeom prst="roundRect">
             <a:avLst/>
           </a:prstGeom>
+          <a:ln>
+            <a:solidFill>
+              <a:srgbClr val="92D050"/>
+            </a:solidFill>
+          </a:ln>
         </p:spPr>
-      </p:pic>
-      <p:sp>
-        <p:nvSpPr>
-          <p:cNvPr id="9" name="文字方塊 8">
-            <a:extLst>
-              <a:ext uri="{FF2B5EF4-FFF2-40B4-BE49-F238E27FC236}">
-                <a16:creationId xmlns:a16="http://schemas.microsoft.com/office/drawing/2014/main" id="{BCA79AA3-8154-458C-AB35-D345AE722D4D}"/>
-              </a:ext>
-            </a:extLst>
-          </p:cNvPr>
-          <p:cNvSpPr txBox="1"/>
+        <p:style>
+          <a:lnRef idx="2">
+            <a:schemeClr val="accent1"/>
+          </a:lnRef>
+          <a:fillRef idx="1">
+            <a:schemeClr val="lt1"/>
+          </a:fillRef>
+          <a:effectRef idx="0">
+            <a:schemeClr val="accent1"/>
+          </a:effectRef>
+          <a:fontRef idx="minor">
+            <a:schemeClr val="dk1"/>
+          </a:fontRef>
+        </p:style>
+        <p:txBody>
+          <a:bodyPr rtlCol="0" anchor="t"/>
+          <a:lstStyle/>
+          <a:p>
+            <a:r>
+              <a:rPr lang="en-US" altLang="zh-TW" dirty="0"/>
+              <a:t>PS(CPU)</a:t>
+            </a:r>
+            <a:endParaRPr lang="zh-TW" altLang="en-US" dirty="0"/>
+          </a:p>
+        </p:txBody>
+      </p:sp>
+      <p:sp>
+        <p:nvSpPr>
+          <p:cNvPr id="5" name="圓角矩形 4"/>
+          <p:cNvSpPr/>
           <p:nvPr/>
         </p:nvSpPr>
         <p:spPr>
           <a:xfrm>
-            <a:off x="1334588" y="400594"/>
-            <a:ext cx="2281394" cy="584775"/>
+            <a:off x="4833161" y="1413386"/>
+            <a:ext cx="4232455" cy="4406959"/>
           </a:xfrm>
-          <a:prstGeom prst="rect">
+          <a:prstGeom prst="roundRect">
             <a:avLst/>
           </a:prstGeom>
-          <a:noFill/>
+          <a:ln>
+            <a:solidFill>
+              <a:srgbClr val="92D050"/>
+            </a:solidFill>
+          </a:ln>
         </p:spPr>
+        <p:style>
+          <a:lnRef idx="2">
+            <a:schemeClr val="accent1"/>
+          </a:lnRef>
+          <a:fillRef idx="1">
+            <a:schemeClr val="lt1"/>
+          </a:fillRef>
+          <a:effectRef idx="0">
+            <a:schemeClr val="accent1"/>
+          </a:effectRef>
+          <a:fontRef idx="minor">
+            <a:schemeClr val="dk1"/>
+          </a:fontRef>
+        </p:style>
         <p:txBody>
-          <a:bodyPr wrap="none" rtlCol="0">
-            <a:spAutoFit/>
-          </a:bodyPr>
+          <a:bodyPr rtlCol="0" anchor="t"/>
           <a:lstStyle/>
           <a:p>
             <a:r>
-              <a:rPr lang="en-US" altLang="zh-TW" sz="3200" dirty="0"/>
-              <a:t>PS</a:t>
-            </a:r>
-            <a:r>
-              <a:rPr lang="zh-TW" altLang="en-US" sz="3200" dirty="0"/>
-              <a:t>端流程圖</a:t>
-            </a:r>
+              <a:rPr lang="en-US" altLang="zh-TW" dirty="0"/>
+              <a:t>PL(AXI_ORB)</a:t>
+            </a:r>
+            <a:endParaRPr lang="zh-TW" altLang="en-US" dirty="0"/>
           </a:p>
         </p:txBody>
       </p:sp>
-    </p:spTree>
-    <p:extLst>
-      <p:ext uri="{BB962C8B-B14F-4D97-AF65-F5344CB8AC3E}">
-        <p14:creationId xmlns:p14="http://schemas.microsoft.com/office/powerpoint/2010/main" val="2028829819"/>
-      </p:ext>
-    </p:extLst>
-  </p:cSld>
-  <p:clrMapOvr>
-    <a:masterClrMapping/>
-  </p:clrMapOvr>
-</p:sld>
-</file>
-
-<file path=ppt/slides/slide9.xml><?xml version="1.0" encoding="utf-8"?>
-<p:sld xmlns:a="http://schemas.openxmlformats.org/drawingml/2006/main" xmlns:r="http://schemas.openxmlformats.org/officeDocument/2006/relationships" xmlns:p="http://schemas.openxmlformats.org/presentationml/2006/main">
-  <p:cSld>
-    <p:spTree>
-      <p:nvGrpSpPr>
-        <p:cNvPr id="1" name=""/>
-        <p:cNvGrpSpPr/>
-        <p:nvPr/>
-      </p:nvGrpSpPr>
-      <p:grpSpPr>
-        <a:xfrm>
-          <a:off x="0" y="0"/>
-          <a:ext cx="0" cy="0"/>
-          <a:chOff x="0" y="0"/>
-          <a:chExt cx="0" cy="0"/>
-        </a:xfrm>
-      </p:grpSpPr>
-      <p:sp>
-        <p:nvSpPr>
-          <p:cNvPr id="3" name="標題 2">
-            <a:extLst>
-              <a:ext uri="{FF2B5EF4-FFF2-40B4-BE49-F238E27FC236}">
-                <a16:creationId xmlns:a16="http://schemas.microsoft.com/office/drawing/2014/main" id="{27C146D7-1D11-E1CC-8937-EA5812DAC7DE}"/>
-              </a:ext>
-            </a:extLst>
-          </p:cNvPr>
+      <p:sp>
+        <p:nvSpPr>
+          <p:cNvPr id="4" name="圓角矩形 3"/>
+          <p:cNvSpPr/>
+          <p:nvPr/>
+        </p:nvSpPr>
+        <p:spPr>
+          <a:xfrm>
+            <a:off x="1994663" y="3657203"/>
+            <a:ext cx="2787698" cy="1128157"/>
+          </a:xfrm>
+          <a:prstGeom prst="roundRect">
+            <a:avLst/>
+          </a:prstGeom>
+          <a:ln>
+            <a:solidFill>
+              <a:srgbClr val="92D050"/>
+            </a:solidFill>
+          </a:ln>
+        </p:spPr>
+        <p:style>
+          <a:lnRef idx="2">
+            <a:schemeClr val="accent1"/>
+          </a:lnRef>
+          <a:fillRef idx="1">
+            <a:schemeClr val="lt1"/>
+          </a:fillRef>
+          <a:effectRef idx="0">
+            <a:schemeClr val="accent1"/>
+          </a:effectRef>
+          <a:fontRef idx="minor">
+            <a:schemeClr val="dk1"/>
+          </a:fontRef>
+        </p:style>
+        <p:txBody>
+          <a:bodyPr rtlCol="0" anchor="t"/>
+          <a:lstStyle/>
+          <a:p>
+            <a:r>
+              <a:rPr lang="en-US" altLang="zh-TW" dirty="0"/>
+              <a:t>DDR</a:t>
+            </a:r>
+            <a:endParaRPr lang="zh-TW" altLang="en-US" dirty="0"/>
+          </a:p>
+        </p:txBody>
+      </p:sp>
+      <p:sp>
+        <p:nvSpPr>
+          <p:cNvPr id="3" name="標題 2"/>
           <p:cNvSpPr>
             <a:spLocks noGrp="1"/>
           </p:cNvSpPr>
@@ -8431,21 +12658,80 @@
             </a:r>
             <a:r>
               <a:rPr lang="en-US" altLang="zh-TW" dirty="0"/>
-              <a:t>- PC</a:t>
+              <a:t>-</a:t>
             </a:r>
             <a:r>
               <a:rPr lang="zh-TW" altLang="en-US" dirty="0"/>
-              <a:t>端 流程圖</a:t>
-            </a:r>
+              <a:t>硬體架構圖</a:t>
+            </a:r>
+            <a:r>
+              <a:rPr lang="en-US" altLang="zh-TW" dirty="0"/>
+              <a:t>(ver1. </a:t>
+            </a:r>
+            <a:r>
+              <a:rPr lang="zh-TW" altLang="en-US" dirty="0"/>
+              <a:t>未架系統</a:t>
+            </a:r>
+            <a:r>
+              <a:rPr lang="en-US" altLang="zh-TW" dirty="0"/>
+              <a:t>)</a:t>
+            </a:r>
+            <a:endParaRPr lang="zh-TW" altLang="en-US" dirty="0"/>
           </a:p>
         </p:txBody>
       </p:sp>
       <p:cxnSp>
         <p:nvCxnSpPr>
-          <p:cNvPr id="9" name="直線接點 8">
+          <p:cNvPr id="10" name="接點: 肘形 9">
             <a:extLst>
               <a:ext uri="{FF2B5EF4-FFF2-40B4-BE49-F238E27FC236}">
-                <a16:creationId xmlns:a16="http://schemas.microsoft.com/office/drawing/2014/main" id="{0D6DF95D-62C7-E7C4-A143-9FBFF2AB98B4}"/>
+                <a16:creationId xmlns:a16="http://schemas.microsoft.com/office/drawing/2014/main" id="{2CDDF4B0-0FCB-4DD1-958E-9265F654DD65}"/>
+              </a:ext>
+            </a:extLst>
+          </p:cNvPr>
+          <p:cNvCxnSpPr>
+            <a:cxnSpLocks/>
+            <a:stCxn id="7" idx="0"/>
+          </p:cNvCxnSpPr>
+          <p:nvPr/>
+        </p:nvCxnSpPr>
+        <p:spPr>
+          <a:xfrm rot="16200000" flipH="1">
+            <a:off x="1518565" y="1152806"/>
+            <a:ext cx="1041338" cy="2069789"/>
+          </a:xfrm>
+          <a:prstGeom prst="bentConnector4">
+            <a:avLst>
+              <a:gd name="adj1" fmla="val -21953"/>
+              <a:gd name="adj2" fmla="val 74262"/>
+            </a:avLst>
+          </a:prstGeom>
+          <a:ln>
+            <a:prstDash val="dash"/>
+            <a:tailEnd type="triangle"/>
+          </a:ln>
+        </p:spPr>
+        <p:style>
+          <a:lnRef idx="1">
+            <a:schemeClr val="accent1"/>
+          </a:lnRef>
+          <a:fillRef idx="0">
+            <a:schemeClr val="accent1"/>
+          </a:fillRef>
+          <a:effectRef idx="0">
+            <a:schemeClr val="accent1"/>
+          </a:effectRef>
+          <a:fontRef idx="minor">
+            <a:schemeClr val="tx1"/>
+          </a:fontRef>
+        </p:style>
+      </p:cxnSp>
+      <p:cxnSp>
+        <p:nvCxnSpPr>
+          <p:cNvPr id="13" name="接點: 肘形 12">
+            <a:extLst>
+              <a:ext uri="{FF2B5EF4-FFF2-40B4-BE49-F238E27FC236}">
+                <a16:creationId xmlns:a16="http://schemas.microsoft.com/office/drawing/2014/main" id="{5C8F93F1-D927-455F-9F93-9DF1F500144E}"/>
               </a:ext>
             </a:extLst>
           </p:cNvPr>
@@ -8455,17 +12741,63 @@
           <p:nvPr/>
         </p:nvCxnSpPr>
         <p:spPr>
-          <a:xfrm>
-            <a:off x="6220225" y="1324870"/>
-            <a:ext cx="0" cy="4813380"/>
+          <a:xfrm rot="16200000" flipV="1">
+            <a:off x="3297094" y="3029822"/>
+            <a:ext cx="714541" cy="540226"/>
           </a:xfrm>
-          <a:prstGeom prst="line">
-            <a:avLst/>
+          <a:prstGeom prst="bentConnector3">
+            <a:avLst>
+              <a:gd name="adj1" fmla="val 76813"/>
+            </a:avLst>
           </a:prstGeom>
-          <a:ln w="76200">
-            <a:solidFill>
-              <a:schemeClr val="tx1"/>
-            </a:solidFill>
+          <a:ln>
+            <a:prstDash val="dash"/>
+            <a:tailEnd type="triangle"/>
+          </a:ln>
+        </p:spPr>
+        <p:style>
+          <a:lnRef idx="1">
+            <a:schemeClr val="accent1"/>
+          </a:lnRef>
+          <a:fillRef idx="0">
+            <a:schemeClr val="accent1"/>
+          </a:fillRef>
+          <a:effectRef idx="0">
+            <a:schemeClr val="accent1"/>
+          </a:effectRef>
+          <a:fontRef idx="minor">
+            <a:schemeClr val="tx1"/>
+          </a:fontRef>
+        </p:style>
+      </p:cxnSp>
+      <p:cxnSp>
+        <p:nvCxnSpPr>
+          <p:cNvPr id="16" name="接點: 肘形 15">
+            <a:extLst>
+              <a:ext uri="{FF2B5EF4-FFF2-40B4-BE49-F238E27FC236}">
+                <a16:creationId xmlns:a16="http://schemas.microsoft.com/office/drawing/2014/main" id="{55E3EBBB-D3F7-4D99-9858-701F7C244AA8}"/>
+              </a:ext>
+            </a:extLst>
+          </p:cNvPr>
+          <p:cNvCxnSpPr>
+            <a:cxnSpLocks/>
+          </p:cNvCxnSpPr>
+          <p:nvPr/>
+        </p:nvCxnSpPr>
+        <p:spPr>
+          <a:xfrm rot="16200000" flipH="1">
+            <a:off x="4837083" y="-2114658"/>
+            <a:ext cx="832990" cy="8442691"/>
+          </a:xfrm>
+          <a:prstGeom prst="bentConnector4">
+            <a:avLst>
+              <a:gd name="adj1" fmla="val -27443"/>
+              <a:gd name="adj2" fmla="val 99930"/>
+            </a:avLst>
+          </a:prstGeom>
+          <a:ln>
+            <a:prstDash val="dash"/>
+            <a:tailEnd type="triangle"/>
           </a:ln>
         </p:spPr>
         <p:style>
@@ -8485,10 +12817,10 @@
       </p:cxnSp>
       <p:pic>
         <p:nvPicPr>
-          <p:cNvPr id="10" name="圖片 9">
+          <p:cNvPr id="23" name="圖片 22">
             <a:extLst>
               <a:ext uri="{FF2B5EF4-FFF2-40B4-BE49-F238E27FC236}">
-                <a16:creationId xmlns:a16="http://schemas.microsoft.com/office/drawing/2014/main" id="{8A30FDC2-6338-B681-53EA-857FAE241520}"/>
+                <a16:creationId xmlns:a16="http://schemas.microsoft.com/office/drawing/2014/main" id="{413F8B3D-8F60-416C-ADA6-5C76593FC95A}"/>
               </a:ext>
             </a:extLst>
           </p:cNvPr>
@@ -8505,8 +12837,8 @@
         </p:blipFill>
         <p:spPr>
           <a:xfrm>
-            <a:off x="0" y="2073946"/>
-            <a:ext cx="12192000" cy="2710107"/>
+            <a:off x="136066" y="1413386"/>
+            <a:ext cx="12192000" cy="4630582"/>
           </a:xfrm>
           <a:prstGeom prst="rect">
             <a:avLst/>
@@ -8516,7 +12848,121 @@
     </p:spTree>
     <p:extLst>
       <p:ext uri="{BB962C8B-B14F-4D97-AF65-F5344CB8AC3E}">
-        <p14:creationId xmlns:p14="http://schemas.microsoft.com/office/powerpoint/2010/main" val="3941591206"/>
+        <p14:creationId xmlns:p14="http://schemas.microsoft.com/office/powerpoint/2010/main" val="289427299"/>
+      </p:ext>
+    </p:extLst>
+  </p:cSld>
+  <p:clrMapOvr>
+    <a:masterClrMapping/>
+  </p:clrMapOvr>
+</p:sld>
+</file>
+
+<file path=ppt/slides/slide9.xml><?xml version="1.0" encoding="utf-8"?>
+<p:sld xmlns:a="http://schemas.openxmlformats.org/drawingml/2006/main" xmlns:r="http://schemas.openxmlformats.org/officeDocument/2006/relationships" xmlns:p="http://schemas.openxmlformats.org/presentationml/2006/main" show="0">
+  <p:cSld>
+    <p:spTree>
+      <p:nvGrpSpPr>
+        <p:cNvPr id="1" name=""/>
+        <p:cNvGrpSpPr/>
+        <p:nvPr/>
+      </p:nvGrpSpPr>
+      <p:grpSpPr>
+        <a:xfrm>
+          <a:off x="0" y="0"/>
+          <a:ext cx="0" cy="0"/>
+          <a:chOff x="0" y="0"/>
+          <a:chExt cx="0" cy="0"/>
+        </a:xfrm>
+      </p:grpSpPr>
+      <p:sp>
+        <p:nvSpPr>
+          <p:cNvPr id="3" name="標題 2">
+            <a:extLst>
+              <a:ext uri="{FF2B5EF4-FFF2-40B4-BE49-F238E27FC236}">
+                <a16:creationId xmlns:a16="http://schemas.microsoft.com/office/drawing/2014/main" id="{F880606A-9054-4962-90A1-A1575FA5D26D}"/>
+              </a:ext>
+            </a:extLst>
+          </p:cNvPr>
+          <p:cNvSpPr>
+            <a:spLocks noGrp="1"/>
+          </p:cNvSpPr>
+          <p:nvPr>
+            <p:ph type="title"/>
+          </p:nvPr>
+        </p:nvSpPr>
+        <p:spPr/>
+        <p:txBody>
+          <a:bodyPr/>
+          <a:lstStyle/>
+          <a:p>
+            <a:r>
+              <a:rPr lang="zh-TW" altLang="en-US" dirty="0"/>
+              <a:t>設計</a:t>
+            </a:r>
+            <a:r>
+              <a:rPr lang="en-US" altLang="zh-TW" dirty="0"/>
+              <a:t>-</a:t>
+            </a:r>
+            <a:r>
+              <a:rPr lang="en-US" altLang="zh-TW" dirty="0" err="1"/>
+              <a:t>FSM_axis</a:t>
+            </a:r>
+            <a:endParaRPr lang="zh-TW" altLang="en-US" dirty="0"/>
+          </a:p>
+        </p:txBody>
+      </p:sp>
+      <p:pic>
+        <p:nvPicPr>
+          <p:cNvPr id="2050" name="Picture 2" descr="https://lh7-us.googleusercontent.com/iZRJGassRwV8UHJpQfohQ_lOxdmMQiFPYim_U5msxYE6Bpvo2FCFhGymyq5EjudUbY6UMO5-1Uy7_ZpXCBzAqp9Vvb9SEzTKuWlSAqYIutRc0ycGYKJDAAUk3hwpnC_AGjWrNNYAKdmdwP_MhnHb-NE">
+            <a:extLst>
+              <a:ext uri="{FF2B5EF4-FFF2-40B4-BE49-F238E27FC236}">
+                <a16:creationId xmlns:a16="http://schemas.microsoft.com/office/drawing/2014/main" id="{181D20B2-3849-41AC-A9F2-969597D8075C}"/>
+              </a:ext>
+            </a:extLst>
+          </p:cNvPr>
+          <p:cNvPicPr>
+            <a:picLocks noChangeAspect="1" noChangeArrowheads="1"/>
+          </p:cNvPicPr>
+          <p:nvPr/>
+        </p:nvPicPr>
+        <p:blipFill>
+          <a:blip r:embed="rId3">
+            <a:extLst>
+              <a:ext uri="{28A0092B-C50C-407E-A947-70E740481C1C}">
+                <a14:useLocalDpi xmlns:a14="http://schemas.microsoft.com/office/drawing/2010/main" val="0"/>
+              </a:ext>
+            </a:extLst>
+          </a:blip>
+          <a:srcRect/>
+          <a:stretch>
+            <a:fillRect/>
+          </a:stretch>
+        </p:blipFill>
+        <p:spPr bwMode="auto">
+          <a:xfrm>
+            <a:off x="1016890" y="1858309"/>
+            <a:ext cx="10158220" cy="4134161"/>
+          </a:xfrm>
+          <a:prstGeom prst="rect">
+            <a:avLst/>
+          </a:prstGeom>
+          <a:noFill/>
+          <a:extLst>
+            <a:ext uri="{909E8E84-426E-40DD-AFC4-6F175D3DCCD1}">
+              <a14:hiddenFill xmlns:a14="http://schemas.microsoft.com/office/drawing/2010/main">
+                <a:solidFill>
+                  <a:srgbClr val="FFFFFF"/>
+                </a:solidFill>
+              </a14:hiddenFill>
+            </a:ext>
+          </a:extLst>
+        </p:spPr>
+      </p:pic>
+    </p:spTree>
+    <p:extLst>
+      <p:ext uri="{BB962C8B-B14F-4D97-AF65-F5344CB8AC3E}">
+        <p14:creationId xmlns:p14="http://schemas.microsoft.com/office/powerpoint/2010/main" val="3030801422"/>
       </p:ext>
     </p:extLst>
   </p:cSld>

--- a/documents/SOC_design_final.pptx
+++ b/documents/SOC_design_final.pptx
@@ -1159,7 +1159,7 @@
           <a:p>
             <a:fld id="{7829F8E0-05F2-4742-BB97-D2E4F51035C8}" type="datetimeFigureOut">
               <a:rPr lang="zh-TW" altLang="en-US" smtClean="0"/>
-              <a:t>2023/12/28</a:t>
+              <a:t>2024/1/4</a:t>
             </a:fld>
             <a:endParaRPr lang="zh-TW" altLang="en-US"/>
           </a:p>
@@ -1324,7 +1324,7 @@
           <a:p>
             <a:fld id="{2CB905C5-9D54-40E2-B40C-7996280CAB02}" type="datetimeFigureOut">
               <a:rPr lang="zh-TW" altLang="en-US" smtClean="0"/>
-              <a:t>2023/12/28</a:t>
+              <a:t>2024/1/4</a:t>
             </a:fld>
             <a:endParaRPr lang="zh-TW" altLang="en-US"/>
           </a:p>
@@ -2532,7 +2532,7 @@
           <a:p>
             <a:fld id="{0C0CC965-A63A-473D-BEFB-C8F9714D5269}" type="datetimeFigureOut">
               <a:rPr lang="zh-TW" altLang="en-US" smtClean="0"/>
-              <a:t>2023/12/28</a:t>
+              <a:t>2024/1/4</a:t>
             </a:fld>
             <a:endParaRPr lang="zh-TW" altLang="en-US"/>
           </a:p>
@@ -2700,7 +2700,7 @@
           <a:p>
             <a:fld id="{0C0CC965-A63A-473D-BEFB-C8F9714D5269}" type="datetimeFigureOut">
               <a:rPr lang="zh-TW" altLang="en-US" smtClean="0"/>
-              <a:t>2023/12/28</a:t>
+              <a:t>2024/1/4</a:t>
             </a:fld>
             <a:endParaRPr lang="zh-TW" altLang="en-US"/>
           </a:p>
@@ -2878,7 +2878,7 @@
           <a:p>
             <a:fld id="{0C0CC965-A63A-473D-BEFB-C8F9714D5269}" type="datetimeFigureOut">
               <a:rPr lang="zh-TW" altLang="en-US" smtClean="0"/>
-              <a:t>2023/12/28</a:t>
+              <a:t>2024/1/4</a:t>
             </a:fld>
             <a:endParaRPr lang="zh-TW" altLang="en-US"/>
           </a:p>
@@ -3073,7 +3073,7 @@
           <a:p>
             <a:fld id="{0C0CC965-A63A-473D-BEFB-C8F9714D5269}" type="datetimeFigureOut">
               <a:rPr lang="zh-TW" altLang="en-US" smtClean="0"/>
-              <a:t>2023/12/28</a:t>
+              <a:t>2024/1/4</a:t>
             </a:fld>
             <a:endParaRPr lang="zh-TW" altLang="en-US"/>
           </a:p>
@@ -3318,7 +3318,7 @@
           <a:p>
             <a:fld id="{0C0CC965-A63A-473D-BEFB-C8F9714D5269}" type="datetimeFigureOut">
               <a:rPr lang="zh-TW" altLang="en-US" smtClean="0"/>
-              <a:t>2023/12/28</a:t>
+              <a:t>2024/1/4</a:t>
             </a:fld>
             <a:endParaRPr lang="zh-TW" altLang="en-US"/>
           </a:p>
@@ -3547,7 +3547,7 @@
           <a:p>
             <a:fld id="{0C0CC965-A63A-473D-BEFB-C8F9714D5269}" type="datetimeFigureOut">
               <a:rPr lang="zh-TW" altLang="en-US" smtClean="0"/>
-              <a:t>2023/12/28</a:t>
+              <a:t>2024/1/4</a:t>
             </a:fld>
             <a:endParaRPr lang="zh-TW" altLang="en-US"/>
           </a:p>
@@ -3911,7 +3911,7 @@
           <a:p>
             <a:fld id="{0C0CC965-A63A-473D-BEFB-C8F9714D5269}" type="datetimeFigureOut">
               <a:rPr lang="zh-TW" altLang="en-US" smtClean="0"/>
-              <a:t>2023/12/28</a:t>
+              <a:t>2024/1/4</a:t>
             </a:fld>
             <a:endParaRPr lang="zh-TW" altLang="en-US"/>
           </a:p>
@@ -4028,7 +4028,7 @@
           <a:p>
             <a:fld id="{0C0CC965-A63A-473D-BEFB-C8F9714D5269}" type="datetimeFigureOut">
               <a:rPr lang="zh-TW" altLang="en-US" smtClean="0"/>
-              <a:t>2023/12/28</a:t>
+              <a:t>2024/1/4</a:t>
             </a:fld>
             <a:endParaRPr lang="zh-TW" altLang="en-US"/>
           </a:p>
@@ -4123,7 +4123,7 @@
           <a:p>
             <a:fld id="{0C0CC965-A63A-473D-BEFB-C8F9714D5269}" type="datetimeFigureOut">
               <a:rPr lang="zh-TW" altLang="en-US" smtClean="0"/>
-              <a:t>2023/12/28</a:t>
+              <a:t>2024/1/4</a:t>
             </a:fld>
             <a:endParaRPr lang="zh-TW" altLang="en-US"/>
           </a:p>
@@ -4398,7 +4398,7 @@
           <a:p>
             <a:fld id="{0C0CC965-A63A-473D-BEFB-C8F9714D5269}" type="datetimeFigureOut">
               <a:rPr lang="zh-TW" altLang="en-US" smtClean="0"/>
-              <a:t>2023/12/28</a:t>
+              <a:t>2024/1/4</a:t>
             </a:fld>
             <a:endParaRPr lang="zh-TW" altLang="en-US"/>
           </a:p>
@@ -4650,7 +4650,7 @@
           <a:p>
             <a:fld id="{0C0CC965-A63A-473D-BEFB-C8F9714D5269}" type="datetimeFigureOut">
               <a:rPr lang="zh-TW" altLang="en-US" smtClean="0"/>
-              <a:t>2023/12/28</a:t>
+              <a:t>2024/1/4</a:t>
             </a:fld>
             <a:endParaRPr lang="zh-TW" altLang="en-US"/>
           </a:p>
@@ -4864,7 +4864,7 @@
             <a:fld id="{0C0CC965-A63A-473D-BEFB-C8F9714D5269}" type="datetimeFigureOut">
               <a:rPr lang="zh-TW" altLang="en-US" smtClean="0"/>
               <a:pPr/>
-              <a:t>2023/12/28</a:t>
+              <a:t>2024/1/4</a:t>
             </a:fld>
             <a:endParaRPr lang="zh-TW" altLang="en-US"/>
           </a:p>
@@ -5467,7 +5467,7 @@
             </a:r>
             <a:r>
               <a:rPr lang="en-US" altLang="zh-TW" dirty="0"/>
-              <a:t>2023/12/21</a:t>
+              <a:t>2024/01/04</a:t>
             </a:r>
           </a:p>
         </p:txBody>
